--- a/presentations/GrafikenThesis.pptx
+++ b/presentations/GrafikenThesis.pptx
@@ -5,9 +5,10 @@
     <p:sldMasterId id="2147483648" r:id="rId1"/>
   </p:sldMasterIdLst>
   <p:sldIdLst>
-    <p:sldId id="256" r:id="rId2"/>
-    <p:sldId id="257" r:id="rId3"/>
-    <p:sldId id="258" r:id="rId4"/>
+    <p:sldId id="257" r:id="rId2"/>
+    <p:sldId id="258" r:id="rId3"/>
+    <p:sldId id="259" r:id="rId4"/>
+    <p:sldId id="260" r:id="rId5"/>
   </p:sldIdLst>
   <p:sldSz cx="12192000" cy="6858000"/>
   <p:notesSz cx="6858000" cy="9144000"/>
@@ -106,6 +107,11 @@
       </a:defRPr>
     </a:lvl9pPr>
   </p:defaultTextStyle>
+  <p:extLst>
+    <p:ext uri="{EFAFB233-063F-42B5-8137-9DF3F51BA10A}">
+      <p15:sldGuideLst xmlns:p15="http://schemas.microsoft.com/office/powerpoint/2012/main"/>
+    </p:ext>
+  </p:extLst>
 </p:presentation>
 </file>
 
@@ -256,7 +262,7 @@
           <a:p>
             <a:fld id="{1E68AC87-6ADD-4255-8209-B0E6CC8A4267}" type="datetimeFigureOut">
               <a:rPr lang="de-DE" smtClean="0"/>
-              <a:t>03.08.2023</a:t>
+              <a:t>10.08.2023</a:t>
             </a:fld>
             <a:endParaRPr lang="de-DE"/>
           </a:p>
@@ -454,7 +460,7 @@
           <a:p>
             <a:fld id="{1E68AC87-6ADD-4255-8209-B0E6CC8A4267}" type="datetimeFigureOut">
               <a:rPr lang="de-DE" smtClean="0"/>
-              <a:t>03.08.2023</a:t>
+              <a:t>10.08.2023</a:t>
             </a:fld>
             <a:endParaRPr lang="de-DE"/>
           </a:p>
@@ -662,7 +668,7 @@
           <a:p>
             <a:fld id="{1E68AC87-6ADD-4255-8209-B0E6CC8A4267}" type="datetimeFigureOut">
               <a:rPr lang="de-DE" smtClean="0"/>
-              <a:t>03.08.2023</a:t>
+              <a:t>10.08.2023</a:t>
             </a:fld>
             <a:endParaRPr lang="de-DE"/>
           </a:p>
@@ -860,7 +866,7 @@
           <a:p>
             <a:fld id="{1E68AC87-6ADD-4255-8209-B0E6CC8A4267}" type="datetimeFigureOut">
               <a:rPr lang="de-DE" smtClean="0"/>
-              <a:t>03.08.2023</a:t>
+              <a:t>10.08.2023</a:t>
             </a:fld>
             <a:endParaRPr lang="de-DE"/>
           </a:p>
@@ -1135,7 +1141,7 @@
           <a:p>
             <a:fld id="{1E68AC87-6ADD-4255-8209-B0E6CC8A4267}" type="datetimeFigureOut">
               <a:rPr lang="de-DE" smtClean="0"/>
-              <a:t>03.08.2023</a:t>
+              <a:t>10.08.2023</a:t>
             </a:fld>
             <a:endParaRPr lang="de-DE"/>
           </a:p>
@@ -1400,7 +1406,7 @@
           <a:p>
             <a:fld id="{1E68AC87-6ADD-4255-8209-B0E6CC8A4267}" type="datetimeFigureOut">
               <a:rPr lang="de-DE" smtClean="0"/>
-              <a:t>03.08.2023</a:t>
+              <a:t>10.08.2023</a:t>
             </a:fld>
             <a:endParaRPr lang="de-DE"/>
           </a:p>
@@ -1812,7 +1818,7 @@
           <a:p>
             <a:fld id="{1E68AC87-6ADD-4255-8209-B0E6CC8A4267}" type="datetimeFigureOut">
               <a:rPr lang="de-DE" smtClean="0"/>
-              <a:t>03.08.2023</a:t>
+              <a:t>10.08.2023</a:t>
             </a:fld>
             <a:endParaRPr lang="de-DE"/>
           </a:p>
@@ -1953,7 +1959,7 @@
           <a:p>
             <a:fld id="{1E68AC87-6ADD-4255-8209-B0E6CC8A4267}" type="datetimeFigureOut">
               <a:rPr lang="de-DE" smtClean="0"/>
-              <a:t>03.08.2023</a:t>
+              <a:t>10.08.2023</a:t>
             </a:fld>
             <a:endParaRPr lang="de-DE"/>
           </a:p>
@@ -2066,7 +2072,7 @@
           <a:p>
             <a:fld id="{1E68AC87-6ADD-4255-8209-B0E6CC8A4267}" type="datetimeFigureOut">
               <a:rPr lang="de-DE" smtClean="0"/>
-              <a:t>03.08.2023</a:t>
+              <a:t>10.08.2023</a:t>
             </a:fld>
             <a:endParaRPr lang="de-DE"/>
           </a:p>
@@ -2377,7 +2383,7 @@
           <a:p>
             <a:fld id="{1E68AC87-6ADD-4255-8209-B0E6CC8A4267}" type="datetimeFigureOut">
               <a:rPr lang="de-DE" smtClean="0"/>
-              <a:t>03.08.2023</a:t>
+              <a:t>10.08.2023</a:t>
             </a:fld>
             <a:endParaRPr lang="de-DE"/>
           </a:p>
@@ -2665,7 +2671,7 @@
           <a:p>
             <a:fld id="{1E68AC87-6ADD-4255-8209-B0E6CC8A4267}" type="datetimeFigureOut">
               <a:rPr lang="de-DE" smtClean="0"/>
-              <a:t>03.08.2023</a:t>
+              <a:t>10.08.2023</a:t>
             </a:fld>
             <a:endParaRPr lang="de-DE"/>
           </a:p>
@@ -2906,7 +2912,7 @@
           <a:p>
             <a:fld id="{1E68AC87-6ADD-4255-8209-B0E6CC8A4267}" type="datetimeFigureOut">
               <a:rPr lang="de-DE" smtClean="0"/>
-              <a:t>03.08.2023</a:t>
+              <a:t>10.08.2023</a:t>
             </a:fld>
             <a:endParaRPr lang="de-DE"/>
           </a:p>
@@ -3325,86 +3331,6 @@
       </p:grpSpPr>
       <p:sp>
         <p:nvSpPr>
-          <p:cNvPr id="2" name="Titel 1">
-            <a:extLst>
-              <a:ext uri="{FF2B5EF4-FFF2-40B4-BE49-F238E27FC236}">
-                <a16:creationId xmlns:a16="http://schemas.microsoft.com/office/drawing/2014/main" id="{8A1C645A-94D3-0DCF-C546-3F58A5BAFFE9}"/>
-              </a:ext>
-            </a:extLst>
-          </p:cNvPr>
-          <p:cNvSpPr>
-            <a:spLocks noGrp="1"/>
-          </p:cNvSpPr>
-          <p:nvPr>
-            <p:ph type="ctrTitle"/>
-          </p:nvPr>
-        </p:nvSpPr>
-        <p:spPr/>
-        <p:txBody>
-          <a:bodyPr/>
-          <a:lstStyle/>
-          <a:p>
-            <a:endParaRPr lang="de-DE"/>
-          </a:p>
-        </p:txBody>
-      </p:sp>
-      <p:sp>
-        <p:nvSpPr>
-          <p:cNvPr id="3" name="Untertitel 2">
-            <a:extLst>
-              <a:ext uri="{FF2B5EF4-FFF2-40B4-BE49-F238E27FC236}">
-                <a16:creationId xmlns:a16="http://schemas.microsoft.com/office/drawing/2014/main" id="{B6CAF8B6-A3F1-AF12-7B1A-889B1D28D093}"/>
-              </a:ext>
-            </a:extLst>
-          </p:cNvPr>
-          <p:cNvSpPr>
-            <a:spLocks noGrp="1"/>
-          </p:cNvSpPr>
-          <p:nvPr>
-            <p:ph type="subTitle" idx="1"/>
-          </p:nvPr>
-        </p:nvSpPr>
-        <p:spPr/>
-        <p:txBody>
-          <a:bodyPr/>
-          <a:lstStyle/>
-          <a:p>
-            <a:endParaRPr lang="de-DE"/>
-          </a:p>
-        </p:txBody>
-      </p:sp>
-    </p:spTree>
-    <p:extLst>
-      <p:ext uri="{BB962C8B-B14F-4D97-AF65-F5344CB8AC3E}">
-        <p14:creationId xmlns:p14="http://schemas.microsoft.com/office/powerpoint/2010/main" val="2686893804"/>
-      </p:ext>
-    </p:extLst>
-  </p:cSld>
-  <p:clrMapOvr>
-    <a:masterClrMapping/>
-  </p:clrMapOvr>
-</p:sld>
-</file>
-
-<file path=ppt/slides/slide2.xml><?xml version="1.0" encoding="utf-8"?>
-<p:sld xmlns:a="http://schemas.openxmlformats.org/drawingml/2006/main" xmlns:r="http://schemas.openxmlformats.org/officeDocument/2006/relationships" xmlns:p="http://schemas.openxmlformats.org/presentationml/2006/main">
-  <p:cSld>
-    <p:spTree>
-      <p:nvGrpSpPr>
-        <p:cNvPr id="1" name=""/>
-        <p:cNvGrpSpPr/>
-        <p:nvPr/>
-      </p:nvGrpSpPr>
-      <p:grpSpPr>
-        <a:xfrm>
-          <a:off x="0" y="0"/>
-          <a:ext cx="0" cy="0"/>
-          <a:chOff x="0" y="0"/>
-          <a:chExt cx="0" cy="0"/>
-        </a:xfrm>
-      </p:grpSpPr>
-      <p:sp>
-        <p:nvSpPr>
           <p:cNvPr id="4" name="Rechteck: abgerundete Ecken 3">
             <a:extLst>
               <a:ext uri="{FF2B5EF4-FFF2-40B4-BE49-F238E27FC236}">
@@ -3544,8 +3470,8 @@
           </a:p>
         </p:txBody>
       </p:sp>
-      <mc:AlternateContent xmlns:mc="http://schemas.openxmlformats.org/markup-compatibility/2006">
-        <mc:Choice xmlns:a14="http://schemas.microsoft.com/office/drawing/2010/main" Requires="a14">
+      <mc:AlternateContent xmlns:mc="http://schemas.openxmlformats.org/markup-compatibility/2006" xmlns:a14="http://schemas.microsoft.com/office/drawing/2010/main">
+        <mc:Choice Requires="a14">
           <p:sp>
             <p:nvSpPr>
               <p:cNvPr id="7" name="Rechteck: abgerundete Ecken 6">
@@ -3690,7 +3616,7 @@
             </p:txBody>
           </p:sp>
         </mc:Choice>
-        <mc:Fallback>
+        <mc:Fallback xmlns="">
           <p:sp>
             <p:nvSpPr>
               <p:cNvPr id="7" name="Rechteck: abgerundete Ecken 6">
@@ -4009,7 +3935,7 @@
 </p:sld>
 </file>
 
-<file path=ppt/slides/slide3.xml><?xml version="1.0" encoding="utf-8"?>
+<file path=ppt/slides/slide2.xml><?xml version="1.0" encoding="utf-8"?>
 <p:sld xmlns:a="http://schemas.openxmlformats.org/drawingml/2006/main" xmlns:r="http://schemas.openxmlformats.org/officeDocument/2006/relationships" xmlns:p="http://schemas.openxmlformats.org/presentationml/2006/main">
   <p:cSld>
     <p:spTree>
@@ -4351,6 +4277,2532 @@
     <p:extLst>
       <p:ext uri="{BB962C8B-B14F-4D97-AF65-F5344CB8AC3E}">
         <p14:creationId xmlns:p14="http://schemas.microsoft.com/office/powerpoint/2010/main" val="3958632156"/>
+      </p:ext>
+    </p:extLst>
+  </p:cSld>
+  <p:clrMapOvr>
+    <a:masterClrMapping/>
+  </p:clrMapOvr>
+</p:sld>
+</file>
+
+<file path=ppt/slides/slide3.xml><?xml version="1.0" encoding="utf-8"?>
+<p:sld xmlns:a="http://schemas.openxmlformats.org/drawingml/2006/main" xmlns:r="http://schemas.openxmlformats.org/officeDocument/2006/relationships" xmlns:p="http://schemas.openxmlformats.org/presentationml/2006/main">
+  <p:cSld>
+    <p:spTree>
+      <p:nvGrpSpPr>
+        <p:cNvPr id="1" name=""/>
+        <p:cNvGrpSpPr/>
+        <p:nvPr/>
+      </p:nvGrpSpPr>
+      <p:grpSpPr>
+        <a:xfrm>
+          <a:off x="0" y="0"/>
+          <a:ext cx="0" cy="0"/>
+          <a:chOff x="0" y="0"/>
+          <a:chExt cx="0" cy="0"/>
+        </a:xfrm>
+      </p:grpSpPr>
+      <p:sp>
+        <p:nvSpPr>
+          <p:cNvPr id="20" name="Rechteck: abgerundete Ecken 19">
+            <a:extLst>
+              <a:ext uri="{FF2B5EF4-FFF2-40B4-BE49-F238E27FC236}">
+                <a16:creationId xmlns:a16="http://schemas.microsoft.com/office/drawing/2014/main" id="{5A379E40-7E59-9FEE-9886-46012A954383}"/>
+              </a:ext>
+            </a:extLst>
+          </p:cNvPr>
+          <p:cNvSpPr/>
+          <p:nvPr/>
+        </p:nvSpPr>
+        <p:spPr>
+          <a:xfrm>
+            <a:off x="3010679" y="3312369"/>
+            <a:ext cx="1785256" cy="606489"/>
+          </a:xfrm>
+          <a:prstGeom prst="roundRect">
+            <a:avLst/>
+          </a:prstGeom>
+        </p:spPr>
+        <p:style>
+          <a:lnRef idx="2">
+            <a:schemeClr val="dk1"/>
+          </a:lnRef>
+          <a:fillRef idx="1">
+            <a:schemeClr val="lt1"/>
+          </a:fillRef>
+          <a:effectRef idx="0">
+            <a:schemeClr val="dk1"/>
+          </a:effectRef>
+          <a:fontRef idx="minor">
+            <a:schemeClr val="dk1"/>
+          </a:fontRef>
+        </p:style>
+        <p:txBody>
+          <a:bodyPr rtlCol="0" anchor="ctr"/>
+          <a:lstStyle/>
+          <a:p>
+            <a:pPr algn="ctr"/>
+            <a:r>
+              <a:rPr lang="en-US" dirty="0"/>
+              <a:t>Recovered</a:t>
+            </a:r>
+          </a:p>
+        </p:txBody>
+      </p:sp>
+      <p:sp>
+        <p:nvSpPr>
+          <p:cNvPr id="21" name="Rechteck: abgerundete Ecken 20">
+            <a:extLst>
+              <a:ext uri="{FF2B5EF4-FFF2-40B4-BE49-F238E27FC236}">
+                <a16:creationId xmlns:a16="http://schemas.microsoft.com/office/drawing/2014/main" id="{7756CC12-E744-AC19-8EC1-1EBB65B6A8FD}"/>
+              </a:ext>
+            </a:extLst>
+          </p:cNvPr>
+          <p:cNvSpPr/>
+          <p:nvPr/>
+        </p:nvSpPr>
+        <p:spPr>
+          <a:xfrm>
+            <a:off x="6859904" y="3312368"/>
+            <a:ext cx="1785256" cy="606489"/>
+          </a:xfrm>
+          <a:prstGeom prst="roundRect">
+            <a:avLst/>
+          </a:prstGeom>
+        </p:spPr>
+        <p:style>
+          <a:lnRef idx="2">
+            <a:schemeClr val="dk1"/>
+          </a:lnRef>
+          <a:fillRef idx="1">
+            <a:schemeClr val="lt1"/>
+          </a:fillRef>
+          <a:effectRef idx="0">
+            <a:schemeClr val="dk1"/>
+          </a:effectRef>
+          <a:fontRef idx="minor">
+            <a:schemeClr val="dk1"/>
+          </a:fontRef>
+        </p:style>
+        <p:txBody>
+          <a:bodyPr rtlCol="0" anchor="ctr"/>
+          <a:lstStyle/>
+          <a:p>
+            <a:pPr algn="ctr"/>
+            <a:r>
+              <a:rPr lang="en-US" dirty="0"/>
+              <a:t>Infected</a:t>
+            </a:r>
+          </a:p>
+        </p:txBody>
+      </p:sp>
+      <p:sp>
+        <p:nvSpPr>
+          <p:cNvPr id="22" name="Rechteck: abgerundete Ecken 21">
+            <a:extLst>
+              <a:ext uri="{FF2B5EF4-FFF2-40B4-BE49-F238E27FC236}">
+                <a16:creationId xmlns:a16="http://schemas.microsoft.com/office/drawing/2014/main" id="{B223C3EF-F53E-54AA-6EC1-1083EB1EF05F}"/>
+              </a:ext>
+            </a:extLst>
+          </p:cNvPr>
+          <p:cNvSpPr/>
+          <p:nvPr/>
+        </p:nvSpPr>
+        <p:spPr>
+          <a:xfrm>
+            <a:off x="5057018" y="1570648"/>
+            <a:ext cx="1785256" cy="606489"/>
+          </a:xfrm>
+          <a:prstGeom prst="roundRect">
+            <a:avLst/>
+          </a:prstGeom>
+        </p:spPr>
+        <p:style>
+          <a:lnRef idx="2">
+            <a:schemeClr val="dk1"/>
+          </a:lnRef>
+          <a:fillRef idx="1">
+            <a:schemeClr val="lt1"/>
+          </a:fillRef>
+          <a:effectRef idx="0">
+            <a:schemeClr val="dk1"/>
+          </a:effectRef>
+          <a:fontRef idx="minor">
+            <a:schemeClr val="dk1"/>
+          </a:fontRef>
+        </p:style>
+        <p:txBody>
+          <a:bodyPr rtlCol="0" anchor="ctr"/>
+          <a:lstStyle/>
+          <a:p>
+            <a:pPr algn="ctr"/>
+            <a:r>
+              <a:rPr lang="en-US" dirty="0"/>
+              <a:t>Susceptible</a:t>
+            </a:r>
+          </a:p>
+        </p:txBody>
+      </p:sp>
+      <p:cxnSp>
+        <p:nvCxnSpPr>
+          <p:cNvPr id="24" name="Gerade Verbindung mit Pfeil 23">
+            <a:extLst>
+              <a:ext uri="{FF2B5EF4-FFF2-40B4-BE49-F238E27FC236}">
+                <a16:creationId xmlns:a16="http://schemas.microsoft.com/office/drawing/2014/main" id="{B6A8F3D3-D071-EE1B-EF41-29AAF7F74131}"/>
+              </a:ext>
+            </a:extLst>
+          </p:cNvPr>
+          <p:cNvCxnSpPr>
+            <a:cxnSpLocks/>
+          </p:cNvCxnSpPr>
+          <p:nvPr/>
+        </p:nvCxnSpPr>
+        <p:spPr>
+          <a:xfrm flipH="1">
+            <a:off x="3671882" y="2175353"/>
+            <a:ext cx="1660847" cy="1135227"/>
+          </a:xfrm>
+          <a:prstGeom prst="straightConnector1">
+            <a:avLst/>
+          </a:prstGeom>
+          <a:ln>
+            <a:tailEnd type="triangle"/>
+          </a:ln>
+        </p:spPr>
+        <p:style>
+          <a:lnRef idx="1">
+            <a:schemeClr val="dk1"/>
+          </a:lnRef>
+          <a:fillRef idx="0">
+            <a:schemeClr val="dk1"/>
+          </a:fillRef>
+          <a:effectRef idx="0">
+            <a:schemeClr val="dk1"/>
+          </a:effectRef>
+          <a:fontRef idx="minor">
+            <a:schemeClr val="tx1"/>
+          </a:fontRef>
+        </p:style>
+      </p:cxnSp>
+      <p:cxnSp>
+        <p:nvCxnSpPr>
+          <p:cNvPr id="26" name="Gerade Verbindung mit Pfeil 25">
+            <a:extLst>
+              <a:ext uri="{FF2B5EF4-FFF2-40B4-BE49-F238E27FC236}">
+                <a16:creationId xmlns:a16="http://schemas.microsoft.com/office/drawing/2014/main" id="{781F4E6E-6180-69EB-0C34-09F93EDCCF07}"/>
+              </a:ext>
+            </a:extLst>
+          </p:cNvPr>
+          <p:cNvCxnSpPr/>
+          <p:nvPr/>
+        </p:nvCxnSpPr>
+        <p:spPr>
+          <a:xfrm flipV="1">
+            <a:off x="4116494" y="2181587"/>
+            <a:ext cx="1567543" cy="1135226"/>
+          </a:xfrm>
+          <a:prstGeom prst="straightConnector1">
+            <a:avLst/>
+          </a:prstGeom>
+          <a:ln>
+            <a:tailEnd type="triangle"/>
+          </a:ln>
+        </p:spPr>
+        <p:style>
+          <a:lnRef idx="1">
+            <a:schemeClr val="dk1"/>
+          </a:lnRef>
+          <a:fillRef idx="0">
+            <a:schemeClr val="dk1"/>
+          </a:fillRef>
+          <a:effectRef idx="0">
+            <a:schemeClr val="dk1"/>
+          </a:effectRef>
+          <a:fontRef idx="minor">
+            <a:schemeClr val="tx1"/>
+          </a:fontRef>
+        </p:style>
+      </p:cxnSp>
+      <mc:AlternateContent xmlns:mc="http://schemas.openxmlformats.org/markup-compatibility/2006">
+        <mc:Choice xmlns:a14="http://schemas.microsoft.com/office/drawing/2010/main" Requires="a14">
+          <p:sp>
+            <p:nvSpPr>
+              <p:cNvPr id="27" name="Textfeld 26">
+                <a:extLst>
+                  <a:ext uri="{FF2B5EF4-FFF2-40B4-BE49-F238E27FC236}">
+                    <a16:creationId xmlns:a16="http://schemas.microsoft.com/office/drawing/2014/main" id="{A52C0655-7A89-9EBF-A7AF-6E6AB38A2B4B}"/>
+                  </a:ext>
+                </a:extLst>
+              </p:cNvPr>
+              <p:cNvSpPr txBox="1"/>
+              <p:nvPr/>
+            </p:nvSpPr>
+            <p:spPr>
+              <a:xfrm>
+                <a:off x="3714965" y="2424094"/>
+                <a:ext cx="813492" cy="232949"/>
+              </a:xfrm>
+              <a:prstGeom prst="rect">
+                <a:avLst/>
+              </a:prstGeom>
+              <a:noFill/>
+            </p:spPr>
+            <p:txBody>
+              <a:bodyPr wrap="none" lIns="0" tIns="0" rIns="0" bIns="0" rtlCol="0">
+                <a:spAutoFit/>
+              </a:bodyPr>
+              <a:lstStyle/>
+              <a:p>
+                <a14:m>
+                  <m:oMathPara xmlns:m="http://schemas.openxmlformats.org/officeDocument/2006/math">
+                    <m:oMathParaPr>
+                      <m:jc m:val="centerGroup"/>
+                    </m:oMathParaPr>
+                    <m:oMath xmlns:m="http://schemas.openxmlformats.org/officeDocument/2006/math">
+                      <m:sSub>
+                        <m:sSubPr>
+                          <m:ctrlPr>
+                            <a:rPr lang="de-DE" sz="1400" b="0" i="1" smtClean="0">
+                              <a:latin typeface="Cambria Math" panose="02040503050406030204" pitchFamily="18" charset="0"/>
+                            </a:rPr>
+                          </m:ctrlPr>
+                        </m:sSubPr>
+                        <m:e>
+                          <m:r>
+                            <a:rPr lang="de-DE" sz="1400" b="0" i="1" smtClean="0">
+                              <a:latin typeface="Cambria Math" panose="02040503050406030204" pitchFamily="18" charset="0"/>
+                            </a:rPr>
+                            <m:t>𝑔</m:t>
+                          </m:r>
+                        </m:e>
+                        <m:sub>
+                          <m:r>
+                            <a:rPr lang="de-DE" sz="1400" b="0" i="1" smtClean="0">
+                              <a:latin typeface="Cambria Math" panose="02040503050406030204" pitchFamily="18" charset="0"/>
+                            </a:rPr>
+                            <m:t>𝑛𝑒𝑖𝑔h𝑏𝑜𝑟𝑠</m:t>
+                          </m:r>
+                        </m:sub>
+                      </m:sSub>
+                    </m:oMath>
+                  </m:oMathPara>
+                </a14:m>
+                <a:endParaRPr lang="de-DE" sz="1400" dirty="0"/>
+              </a:p>
+            </p:txBody>
+          </p:sp>
+        </mc:Choice>
+        <mc:Fallback>
+          <p:sp>
+            <p:nvSpPr>
+              <p:cNvPr id="27" name="Textfeld 26">
+                <a:extLst>
+                  <a:ext uri="{FF2B5EF4-FFF2-40B4-BE49-F238E27FC236}">
+                    <a16:creationId xmlns:a16="http://schemas.microsoft.com/office/drawing/2014/main" id="{A52C0655-7A89-9EBF-A7AF-6E6AB38A2B4B}"/>
+                  </a:ext>
+                </a:extLst>
+              </p:cNvPr>
+              <p:cNvSpPr txBox="1">
+                <a:spLocks noRot="1" noChangeAspect="1" noMove="1" noResize="1" noEditPoints="1" noAdjustHandles="1" noChangeArrowheads="1" noChangeShapeType="1" noTextEdit="1"/>
+              </p:cNvSpPr>
+              <p:nvPr/>
+            </p:nvSpPr>
+            <p:spPr>
+              <a:xfrm>
+                <a:off x="3714965" y="2424094"/>
+                <a:ext cx="813492" cy="232949"/>
+              </a:xfrm>
+              <a:prstGeom prst="rect">
+                <a:avLst/>
+              </a:prstGeom>
+              <a:blipFill>
+                <a:blip r:embed="rId2"/>
+                <a:stretch>
+                  <a:fillRect l="-4478" r="-2239" b="-23684"/>
+                </a:stretch>
+              </a:blipFill>
+            </p:spPr>
+            <p:txBody>
+              <a:bodyPr/>
+              <a:lstStyle/>
+              <a:p>
+                <a:r>
+                  <a:rPr lang="de-DE">
+                    <a:noFill/>
+                  </a:rPr>
+                  <a:t> </a:t>
+                </a:r>
+              </a:p>
+            </p:txBody>
+          </p:sp>
+        </mc:Fallback>
+      </mc:AlternateContent>
+      <mc:AlternateContent xmlns:mc="http://schemas.openxmlformats.org/markup-compatibility/2006">
+        <mc:Choice xmlns:a14="http://schemas.microsoft.com/office/drawing/2010/main" Requires="a14">
+          <p:sp>
+            <p:nvSpPr>
+              <p:cNvPr id="29" name="Textfeld 28">
+                <a:extLst>
+                  <a:ext uri="{FF2B5EF4-FFF2-40B4-BE49-F238E27FC236}">
+                    <a16:creationId xmlns:a16="http://schemas.microsoft.com/office/drawing/2014/main" id="{67F37BC4-3BEA-6F17-AA92-48B8E0F4D7E2}"/>
+                  </a:ext>
+                </a:extLst>
+              </p:cNvPr>
+              <p:cNvSpPr txBox="1"/>
+              <p:nvPr/>
+            </p:nvSpPr>
+            <p:spPr>
+              <a:xfrm>
+                <a:off x="5667540" y="2481944"/>
+                <a:ext cx="582660" cy="232949"/>
+              </a:xfrm>
+              <a:prstGeom prst="rect">
+                <a:avLst/>
+              </a:prstGeom>
+              <a:noFill/>
+            </p:spPr>
+            <p:txBody>
+              <a:bodyPr wrap="none" lIns="0" tIns="0" rIns="0" bIns="0" rtlCol="0">
+                <a:spAutoFit/>
+              </a:bodyPr>
+              <a:lstStyle/>
+              <a:p>
+                <a14:m>
+                  <m:oMathPara xmlns:m="http://schemas.openxmlformats.org/officeDocument/2006/math">
+                    <m:oMathParaPr>
+                      <m:jc m:val="centerGroup"/>
+                    </m:oMathParaPr>
+                    <m:oMath xmlns:m="http://schemas.openxmlformats.org/officeDocument/2006/math">
+                      <m:sSub>
+                        <m:sSubPr>
+                          <m:ctrlPr>
+                            <a:rPr lang="de-DE" sz="1400" b="0" i="1" smtClean="0">
+                              <a:latin typeface="Cambria Math" panose="02040503050406030204" pitchFamily="18" charset="0"/>
+                            </a:rPr>
+                          </m:ctrlPr>
+                        </m:sSubPr>
+                        <m:e>
+                          <m:r>
+                            <a:rPr lang="de-DE" sz="1400" b="0" i="1" smtClean="0">
+                              <a:latin typeface="Cambria Math" panose="02040503050406030204" pitchFamily="18" charset="0"/>
+                            </a:rPr>
+                            <m:t>𝑝</m:t>
+                          </m:r>
+                        </m:e>
+                        <m:sub>
+                          <m:r>
+                            <a:rPr lang="de-DE" sz="1400" b="0" i="1" smtClean="0">
+                              <a:latin typeface="Cambria Math" panose="02040503050406030204" pitchFamily="18" charset="0"/>
+                            </a:rPr>
+                            <m:t>𝑓𝑜𝑟𝑔𝑒𝑡</m:t>
+                          </m:r>
+                        </m:sub>
+                      </m:sSub>
+                    </m:oMath>
+                  </m:oMathPara>
+                </a14:m>
+                <a:endParaRPr lang="de-DE" sz="1400" dirty="0"/>
+              </a:p>
+            </p:txBody>
+          </p:sp>
+        </mc:Choice>
+        <mc:Fallback>
+          <p:sp>
+            <p:nvSpPr>
+              <p:cNvPr id="29" name="Textfeld 28">
+                <a:extLst>
+                  <a:ext uri="{FF2B5EF4-FFF2-40B4-BE49-F238E27FC236}">
+                    <a16:creationId xmlns:a16="http://schemas.microsoft.com/office/drawing/2014/main" id="{67F37BC4-3BEA-6F17-AA92-48B8E0F4D7E2}"/>
+                  </a:ext>
+                </a:extLst>
+              </p:cNvPr>
+              <p:cNvSpPr txBox="1">
+                <a:spLocks noRot="1" noChangeAspect="1" noMove="1" noResize="1" noEditPoints="1" noAdjustHandles="1" noChangeArrowheads="1" noChangeShapeType="1" noTextEdit="1"/>
+              </p:cNvSpPr>
+              <p:nvPr/>
+            </p:nvSpPr>
+            <p:spPr>
+              <a:xfrm>
+                <a:off x="5667540" y="2481944"/>
+                <a:ext cx="582660" cy="232949"/>
+              </a:xfrm>
+              <a:prstGeom prst="rect">
+                <a:avLst/>
+              </a:prstGeom>
+              <a:blipFill>
+                <a:blip r:embed="rId3"/>
+                <a:stretch>
+                  <a:fillRect l="-7368" r="-3158" b="-26316"/>
+                </a:stretch>
+              </a:blipFill>
+            </p:spPr>
+            <p:txBody>
+              <a:bodyPr/>
+              <a:lstStyle/>
+              <a:p>
+                <a:r>
+                  <a:rPr lang="de-DE">
+                    <a:noFill/>
+                  </a:rPr>
+                  <a:t> </a:t>
+                </a:r>
+              </a:p>
+            </p:txBody>
+          </p:sp>
+        </mc:Fallback>
+      </mc:AlternateContent>
+      <p:cxnSp>
+        <p:nvCxnSpPr>
+          <p:cNvPr id="30" name="Gerade Verbindung mit Pfeil 29">
+            <a:extLst>
+              <a:ext uri="{FF2B5EF4-FFF2-40B4-BE49-F238E27FC236}">
+                <a16:creationId xmlns:a16="http://schemas.microsoft.com/office/drawing/2014/main" id="{EEDDD0A5-62A1-8491-A4F3-9DF3DF6C3309}"/>
+              </a:ext>
+            </a:extLst>
+          </p:cNvPr>
+          <p:cNvCxnSpPr>
+            <a:cxnSpLocks/>
+          </p:cNvCxnSpPr>
+          <p:nvPr/>
+        </p:nvCxnSpPr>
+        <p:spPr>
+          <a:xfrm>
+            <a:off x="6502018" y="2173993"/>
+            <a:ext cx="1413414" cy="1135229"/>
+          </a:xfrm>
+          <a:prstGeom prst="straightConnector1">
+            <a:avLst/>
+          </a:prstGeom>
+          <a:ln>
+            <a:tailEnd type="triangle"/>
+          </a:ln>
+        </p:spPr>
+        <p:style>
+          <a:lnRef idx="1">
+            <a:schemeClr val="dk1"/>
+          </a:lnRef>
+          <a:fillRef idx="0">
+            <a:schemeClr val="dk1"/>
+          </a:fillRef>
+          <a:effectRef idx="0">
+            <a:schemeClr val="dk1"/>
+          </a:effectRef>
+          <a:fontRef idx="minor">
+            <a:schemeClr val="tx1"/>
+          </a:fontRef>
+        </p:style>
+      </p:cxnSp>
+      <p:cxnSp>
+        <p:nvCxnSpPr>
+          <p:cNvPr id="33" name="Gerade Verbindung mit Pfeil 32">
+            <a:extLst>
+              <a:ext uri="{FF2B5EF4-FFF2-40B4-BE49-F238E27FC236}">
+                <a16:creationId xmlns:a16="http://schemas.microsoft.com/office/drawing/2014/main" id="{3DEABD77-16C0-0802-BAFD-9DD6B81A5BC7}"/>
+              </a:ext>
+            </a:extLst>
+          </p:cNvPr>
+          <p:cNvCxnSpPr>
+            <a:cxnSpLocks/>
+          </p:cNvCxnSpPr>
+          <p:nvPr/>
+        </p:nvCxnSpPr>
+        <p:spPr>
+          <a:xfrm flipH="1" flipV="1">
+            <a:off x="6150710" y="2170847"/>
+            <a:ext cx="1457567" cy="1135226"/>
+          </a:xfrm>
+          <a:prstGeom prst="straightConnector1">
+            <a:avLst/>
+          </a:prstGeom>
+          <a:ln>
+            <a:tailEnd type="triangle"/>
+          </a:ln>
+        </p:spPr>
+        <p:style>
+          <a:lnRef idx="1">
+            <a:schemeClr val="dk1"/>
+          </a:lnRef>
+          <a:fillRef idx="0">
+            <a:schemeClr val="dk1"/>
+          </a:fillRef>
+          <a:effectRef idx="0">
+            <a:schemeClr val="dk1"/>
+          </a:effectRef>
+          <a:fontRef idx="minor">
+            <a:schemeClr val="tx1"/>
+          </a:fontRef>
+        </p:style>
+      </p:cxnSp>
+      <p:cxnSp>
+        <p:nvCxnSpPr>
+          <p:cNvPr id="35" name="Gerade Verbindung mit Pfeil 34">
+            <a:extLst>
+              <a:ext uri="{FF2B5EF4-FFF2-40B4-BE49-F238E27FC236}">
+                <a16:creationId xmlns:a16="http://schemas.microsoft.com/office/drawing/2014/main" id="{B08AC044-99B7-A692-C4A7-0F4B74DA34DB}"/>
+              </a:ext>
+            </a:extLst>
+          </p:cNvPr>
+          <p:cNvCxnSpPr>
+            <a:cxnSpLocks/>
+            <a:stCxn id="21" idx="1"/>
+          </p:cNvCxnSpPr>
+          <p:nvPr/>
+        </p:nvCxnSpPr>
+        <p:spPr>
+          <a:xfrm flipH="1">
+            <a:off x="4795935" y="3615613"/>
+            <a:ext cx="2063969" cy="0"/>
+          </a:xfrm>
+          <a:prstGeom prst="straightConnector1">
+            <a:avLst/>
+          </a:prstGeom>
+          <a:ln>
+            <a:tailEnd type="triangle"/>
+          </a:ln>
+        </p:spPr>
+        <p:style>
+          <a:lnRef idx="1">
+            <a:schemeClr val="dk1"/>
+          </a:lnRef>
+          <a:fillRef idx="0">
+            <a:schemeClr val="dk1"/>
+          </a:fillRef>
+          <a:effectRef idx="0">
+            <a:schemeClr val="dk1"/>
+          </a:effectRef>
+          <a:fontRef idx="minor">
+            <a:schemeClr val="tx1"/>
+          </a:fontRef>
+        </p:style>
+      </p:cxnSp>
+      <mc:AlternateContent xmlns:mc="http://schemas.openxmlformats.org/markup-compatibility/2006">
+        <mc:Choice xmlns:a14="http://schemas.microsoft.com/office/drawing/2010/main" Requires="a14">
+          <p:sp>
+            <p:nvSpPr>
+              <p:cNvPr id="39" name="Textfeld 38">
+                <a:extLst>
+                  <a:ext uri="{FF2B5EF4-FFF2-40B4-BE49-F238E27FC236}">
+                    <a16:creationId xmlns:a16="http://schemas.microsoft.com/office/drawing/2014/main" id="{6B9D1D02-ED72-45DC-CA2F-CF8A17728857}"/>
+                  </a:ext>
+                </a:extLst>
+              </p:cNvPr>
+              <p:cNvSpPr txBox="1"/>
+              <p:nvPr/>
+            </p:nvSpPr>
+            <p:spPr>
+              <a:xfrm>
+                <a:off x="5675875" y="3656281"/>
+                <a:ext cx="565989" cy="232692"/>
+              </a:xfrm>
+              <a:prstGeom prst="rect">
+                <a:avLst/>
+              </a:prstGeom>
+              <a:noFill/>
+            </p:spPr>
+            <p:txBody>
+              <a:bodyPr wrap="none" lIns="0" tIns="0" rIns="0" bIns="0" rtlCol="0">
+                <a:spAutoFit/>
+              </a:bodyPr>
+              <a:lstStyle/>
+              <a:p>
+                <a14:m>
+                  <m:oMathPara xmlns:m="http://schemas.openxmlformats.org/officeDocument/2006/math">
+                    <m:oMathParaPr>
+                      <m:jc m:val="centerGroup"/>
+                    </m:oMathParaPr>
+                    <m:oMath xmlns:m="http://schemas.openxmlformats.org/officeDocument/2006/math">
+                      <m:sSub>
+                        <m:sSubPr>
+                          <m:ctrlPr>
+                            <a:rPr lang="de-DE" sz="1400" b="0" i="1" smtClean="0">
+                              <a:latin typeface="Cambria Math" panose="02040503050406030204" pitchFamily="18" charset="0"/>
+                            </a:rPr>
+                          </m:ctrlPr>
+                        </m:sSubPr>
+                        <m:e>
+                          <m:r>
+                            <a:rPr lang="de-DE" sz="1400" b="0" i="1" smtClean="0">
+                              <a:latin typeface="Cambria Math" panose="02040503050406030204" pitchFamily="18" charset="0"/>
+                            </a:rPr>
+                            <m:t>𝑝</m:t>
+                          </m:r>
+                        </m:e>
+                        <m:sub>
+                          <m:r>
+                            <a:rPr lang="de-DE" sz="1400" b="0" i="1" smtClean="0">
+                              <a:latin typeface="Cambria Math" panose="02040503050406030204" pitchFamily="18" charset="0"/>
+                            </a:rPr>
+                            <m:t>𝑣𝑒𝑟𝑖𝑓𝑦</m:t>
+                          </m:r>
+                        </m:sub>
+                      </m:sSub>
+                    </m:oMath>
+                  </m:oMathPara>
+                </a14:m>
+                <a:endParaRPr lang="de-DE" sz="1400" dirty="0"/>
+              </a:p>
+            </p:txBody>
+          </p:sp>
+        </mc:Choice>
+        <mc:Fallback>
+          <p:sp>
+            <p:nvSpPr>
+              <p:cNvPr id="39" name="Textfeld 38">
+                <a:extLst>
+                  <a:ext uri="{FF2B5EF4-FFF2-40B4-BE49-F238E27FC236}">
+                    <a16:creationId xmlns:a16="http://schemas.microsoft.com/office/drawing/2014/main" id="{6B9D1D02-ED72-45DC-CA2F-CF8A17728857}"/>
+                  </a:ext>
+                </a:extLst>
+              </p:cNvPr>
+              <p:cNvSpPr txBox="1">
+                <a:spLocks noRot="1" noChangeAspect="1" noMove="1" noResize="1" noEditPoints="1" noAdjustHandles="1" noChangeArrowheads="1" noChangeShapeType="1" noTextEdit="1"/>
+              </p:cNvSpPr>
+              <p:nvPr/>
+            </p:nvSpPr>
+            <p:spPr>
+              <a:xfrm>
+                <a:off x="5675875" y="3656281"/>
+                <a:ext cx="565989" cy="232692"/>
+              </a:xfrm>
+              <a:prstGeom prst="rect">
+                <a:avLst/>
+              </a:prstGeom>
+              <a:blipFill>
+                <a:blip r:embed="rId4"/>
+                <a:stretch>
+                  <a:fillRect l="-6452" r="-3226" b="-23684"/>
+                </a:stretch>
+              </a:blipFill>
+            </p:spPr>
+            <p:txBody>
+              <a:bodyPr/>
+              <a:lstStyle/>
+              <a:p>
+                <a:r>
+                  <a:rPr lang="de-DE">
+                    <a:noFill/>
+                  </a:rPr>
+                  <a:t> </a:t>
+                </a:r>
+              </a:p>
+            </p:txBody>
+          </p:sp>
+        </mc:Fallback>
+      </mc:AlternateContent>
+      <p:cxnSp>
+        <p:nvCxnSpPr>
+          <p:cNvPr id="41" name="Verbinder: gewinkelt 40">
+            <a:extLst>
+              <a:ext uri="{FF2B5EF4-FFF2-40B4-BE49-F238E27FC236}">
+                <a16:creationId xmlns:a16="http://schemas.microsoft.com/office/drawing/2014/main" id="{B070634C-CA5B-E156-B330-D58D9108987D}"/>
+              </a:ext>
+            </a:extLst>
+          </p:cNvPr>
+          <p:cNvCxnSpPr>
+            <a:stCxn id="20" idx="2"/>
+            <a:endCxn id="20" idx="1"/>
+          </p:cNvCxnSpPr>
+          <p:nvPr/>
+        </p:nvCxnSpPr>
+        <p:spPr>
+          <a:xfrm rot="5400000" flipH="1">
+            <a:off x="3305371" y="3320922"/>
+            <a:ext cx="303244" cy="892628"/>
+          </a:xfrm>
+          <a:prstGeom prst="bentConnector4">
+            <a:avLst>
+              <a:gd name="adj1" fmla="val -75385"/>
+              <a:gd name="adj2" fmla="val 125610"/>
+            </a:avLst>
+          </a:prstGeom>
+          <a:ln>
+            <a:tailEnd type="triangle"/>
+          </a:ln>
+        </p:spPr>
+        <p:style>
+          <a:lnRef idx="1">
+            <a:schemeClr val="dk1"/>
+          </a:lnRef>
+          <a:fillRef idx="0">
+            <a:schemeClr val="dk1"/>
+          </a:fillRef>
+          <a:effectRef idx="0">
+            <a:schemeClr val="dk1"/>
+          </a:effectRef>
+          <a:fontRef idx="minor">
+            <a:schemeClr val="tx1"/>
+          </a:fontRef>
+        </p:style>
+      </p:cxnSp>
+      <mc:AlternateContent xmlns:mc="http://schemas.openxmlformats.org/markup-compatibility/2006">
+        <mc:Choice xmlns:a14="http://schemas.microsoft.com/office/drawing/2010/main" Requires="a14">
+          <p:sp>
+            <p:nvSpPr>
+              <p:cNvPr id="42" name="Textfeld 41">
+                <a:extLst>
+                  <a:ext uri="{FF2B5EF4-FFF2-40B4-BE49-F238E27FC236}">
+                    <a16:creationId xmlns:a16="http://schemas.microsoft.com/office/drawing/2014/main" id="{AE372B47-8553-B1FB-D801-858B368324D6}"/>
+                  </a:ext>
+                </a:extLst>
+              </p:cNvPr>
+              <p:cNvSpPr txBox="1"/>
+              <p:nvPr/>
+            </p:nvSpPr>
+            <p:spPr>
+              <a:xfrm>
+                <a:off x="7151050" y="2365469"/>
+                <a:ext cx="780406" cy="232949"/>
+              </a:xfrm>
+              <a:prstGeom prst="rect">
+                <a:avLst/>
+              </a:prstGeom>
+              <a:noFill/>
+            </p:spPr>
+            <p:txBody>
+              <a:bodyPr wrap="none" lIns="0" tIns="0" rIns="0" bIns="0" rtlCol="0">
+                <a:spAutoFit/>
+              </a:bodyPr>
+              <a:lstStyle/>
+              <a:p>
+                <a14:m>
+                  <m:oMathPara xmlns:m="http://schemas.openxmlformats.org/officeDocument/2006/math">
+                    <m:oMathParaPr>
+                      <m:jc m:val="centerGroup"/>
+                    </m:oMathParaPr>
+                    <m:oMath xmlns:m="http://schemas.openxmlformats.org/officeDocument/2006/math">
+                      <m:sSub>
+                        <m:sSubPr>
+                          <m:ctrlPr>
+                            <a:rPr lang="de-DE" sz="1400" b="0" i="1" smtClean="0">
+                              <a:latin typeface="Cambria Math" panose="02040503050406030204" pitchFamily="18" charset="0"/>
+                            </a:rPr>
+                          </m:ctrlPr>
+                        </m:sSubPr>
+                        <m:e>
+                          <m:r>
+                            <a:rPr lang="de-DE" sz="1400" b="0" i="1" smtClean="0">
+                              <a:latin typeface="Cambria Math" panose="02040503050406030204" pitchFamily="18" charset="0"/>
+                            </a:rPr>
+                            <m:t>𝑓</m:t>
+                          </m:r>
+                        </m:e>
+                        <m:sub>
+                          <m:r>
+                            <a:rPr lang="de-DE" sz="1400" b="0" i="1" smtClean="0">
+                              <a:latin typeface="Cambria Math" panose="02040503050406030204" pitchFamily="18" charset="0"/>
+                            </a:rPr>
+                            <m:t>𝑛𝑒𝑖𝑔h𝑏𝑜𝑟𝑠</m:t>
+                          </m:r>
+                        </m:sub>
+                      </m:sSub>
+                    </m:oMath>
+                  </m:oMathPara>
+                </a14:m>
+                <a:endParaRPr lang="de-DE" sz="1400" dirty="0"/>
+              </a:p>
+            </p:txBody>
+          </p:sp>
+        </mc:Choice>
+        <mc:Fallback>
+          <p:sp>
+            <p:nvSpPr>
+              <p:cNvPr id="42" name="Textfeld 41">
+                <a:extLst>
+                  <a:ext uri="{FF2B5EF4-FFF2-40B4-BE49-F238E27FC236}">
+                    <a16:creationId xmlns:a16="http://schemas.microsoft.com/office/drawing/2014/main" id="{AE372B47-8553-B1FB-D801-858B368324D6}"/>
+                  </a:ext>
+                </a:extLst>
+              </p:cNvPr>
+              <p:cNvSpPr txBox="1">
+                <a:spLocks noRot="1" noChangeAspect="1" noMove="1" noResize="1" noEditPoints="1" noAdjustHandles="1" noChangeArrowheads="1" noChangeShapeType="1" noTextEdit="1"/>
+              </p:cNvSpPr>
+              <p:nvPr/>
+            </p:nvSpPr>
+            <p:spPr>
+              <a:xfrm>
+                <a:off x="7151050" y="2365469"/>
+                <a:ext cx="780406" cy="232949"/>
+              </a:xfrm>
+              <a:prstGeom prst="rect">
+                <a:avLst/>
+              </a:prstGeom>
+              <a:blipFill>
+                <a:blip r:embed="rId5"/>
+                <a:stretch>
+                  <a:fillRect l="-7031" r="-2344" b="-26316"/>
+                </a:stretch>
+              </a:blipFill>
+            </p:spPr>
+            <p:txBody>
+              <a:bodyPr/>
+              <a:lstStyle/>
+              <a:p>
+                <a:r>
+                  <a:rPr lang="de-DE">
+                    <a:noFill/>
+                  </a:rPr>
+                  <a:t> </a:t>
+                </a:r>
+              </a:p>
+            </p:txBody>
+          </p:sp>
+        </mc:Fallback>
+      </mc:AlternateContent>
+      <mc:AlternateContent xmlns:mc="http://schemas.openxmlformats.org/markup-compatibility/2006">
+        <mc:Choice xmlns:a14="http://schemas.microsoft.com/office/drawing/2010/main" Requires="a14">
+          <p:sp>
+            <p:nvSpPr>
+              <p:cNvPr id="43" name="Textfeld 42">
+                <a:extLst>
+                  <a:ext uri="{FF2B5EF4-FFF2-40B4-BE49-F238E27FC236}">
+                    <a16:creationId xmlns:a16="http://schemas.microsoft.com/office/drawing/2014/main" id="{BE6B589D-5969-CFAC-BD47-CBE514B02FEB}"/>
+                  </a:ext>
+                </a:extLst>
+              </p:cNvPr>
+              <p:cNvSpPr txBox="1"/>
+              <p:nvPr/>
+            </p:nvSpPr>
+            <p:spPr>
+              <a:xfrm>
+                <a:off x="2814009" y="4222103"/>
+                <a:ext cx="896464" cy="232949"/>
+              </a:xfrm>
+              <a:prstGeom prst="rect">
+                <a:avLst/>
+              </a:prstGeom>
+              <a:noFill/>
+            </p:spPr>
+            <p:txBody>
+              <a:bodyPr wrap="none" lIns="0" tIns="0" rIns="0" bIns="0" rtlCol="0">
+                <a:spAutoFit/>
+              </a:bodyPr>
+              <a:lstStyle/>
+              <a:p>
+                <a14:m>
+                  <m:oMathPara xmlns:m="http://schemas.openxmlformats.org/officeDocument/2006/math">
+                    <m:oMathParaPr>
+                      <m:jc m:val="centerGroup"/>
+                    </m:oMathParaPr>
+                    <m:oMath xmlns:m="http://schemas.openxmlformats.org/officeDocument/2006/math">
+                      <m:r>
+                        <a:rPr lang="de-DE" sz="1400" b="0" i="1" smtClean="0">
+                          <a:latin typeface="Cambria Math" panose="02040503050406030204" pitchFamily="18" charset="0"/>
+                        </a:rPr>
+                        <m:t>1−</m:t>
+                      </m:r>
+                      <m:sSub>
+                        <m:sSubPr>
+                          <m:ctrlPr>
+                            <a:rPr lang="de-DE" sz="1400" b="0" i="1" smtClean="0">
+                              <a:latin typeface="Cambria Math" panose="02040503050406030204" pitchFamily="18" charset="0"/>
+                            </a:rPr>
+                          </m:ctrlPr>
+                        </m:sSubPr>
+                        <m:e>
+                          <m:r>
+                            <a:rPr lang="de-DE" sz="1400" b="0" i="1" smtClean="0">
+                              <a:latin typeface="Cambria Math" panose="02040503050406030204" pitchFamily="18" charset="0"/>
+                            </a:rPr>
+                            <m:t>𝑝</m:t>
+                          </m:r>
+                        </m:e>
+                        <m:sub>
+                          <m:r>
+                            <a:rPr lang="de-DE" sz="1400" b="0" i="1" smtClean="0">
+                              <a:latin typeface="Cambria Math" panose="02040503050406030204" pitchFamily="18" charset="0"/>
+                            </a:rPr>
+                            <m:t>𝑓𝑜𝑟𝑔𝑒𝑡</m:t>
+                          </m:r>
+                        </m:sub>
+                      </m:sSub>
+                    </m:oMath>
+                  </m:oMathPara>
+                </a14:m>
+                <a:endParaRPr lang="de-DE" sz="1400" dirty="0"/>
+              </a:p>
+            </p:txBody>
+          </p:sp>
+        </mc:Choice>
+        <mc:Fallback>
+          <p:sp>
+            <p:nvSpPr>
+              <p:cNvPr id="43" name="Textfeld 42">
+                <a:extLst>
+                  <a:ext uri="{FF2B5EF4-FFF2-40B4-BE49-F238E27FC236}">
+                    <a16:creationId xmlns:a16="http://schemas.microsoft.com/office/drawing/2014/main" id="{BE6B589D-5969-CFAC-BD47-CBE514B02FEB}"/>
+                  </a:ext>
+                </a:extLst>
+              </p:cNvPr>
+              <p:cNvSpPr txBox="1">
+                <a:spLocks noRot="1" noChangeAspect="1" noMove="1" noResize="1" noEditPoints="1" noAdjustHandles="1" noChangeArrowheads="1" noChangeShapeType="1" noTextEdit="1"/>
+              </p:cNvSpPr>
+              <p:nvPr/>
+            </p:nvSpPr>
+            <p:spPr>
+              <a:xfrm>
+                <a:off x="2814009" y="4222103"/>
+                <a:ext cx="896464" cy="232949"/>
+              </a:xfrm>
+              <a:prstGeom prst="rect">
+                <a:avLst/>
+              </a:prstGeom>
+              <a:blipFill>
+                <a:blip r:embed="rId6"/>
+                <a:stretch>
+                  <a:fillRect l="-4082" r="-1361" b="-23684"/>
+                </a:stretch>
+              </a:blipFill>
+            </p:spPr>
+            <p:txBody>
+              <a:bodyPr/>
+              <a:lstStyle/>
+              <a:p>
+                <a:r>
+                  <a:rPr lang="de-DE">
+                    <a:noFill/>
+                  </a:rPr>
+                  <a:t> </a:t>
+                </a:r>
+              </a:p>
+            </p:txBody>
+          </p:sp>
+        </mc:Fallback>
+      </mc:AlternateContent>
+      <p:cxnSp>
+        <p:nvCxnSpPr>
+          <p:cNvPr id="47" name="Verbinder: gewinkelt 46">
+            <a:extLst>
+              <a:ext uri="{FF2B5EF4-FFF2-40B4-BE49-F238E27FC236}">
+                <a16:creationId xmlns:a16="http://schemas.microsoft.com/office/drawing/2014/main" id="{DE077F33-3709-F6C0-3954-A587D2575B7B}"/>
+              </a:ext>
+            </a:extLst>
+          </p:cNvPr>
+          <p:cNvCxnSpPr>
+            <a:stCxn id="22" idx="1"/>
+            <a:endCxn id="22" idx="0"/>
+          </p:cNvCxnSpPr>
+          <p:nvPr/>
+        </p:nvCxnSpPr>
+        <p:spPr>
+          <a:xfrm rot="10800000" flipH="1">
+            <a:off x="5057018" y="1570649"/>
+            <a:ext cx="892628" cy="303245"/>
+          </a:xfrm>
+          <a:prstGeom prst="bentConnector4">
+            <a:avLst>
+              <a:gd name="adj1" fmla="val -25610"/>
+              <a:gd name="adj2" fmla="val 175385"/>
+            </a:avLst>
+          </a:prstGeom>
+          <a:ln>
+            <a:tailEnd type="triangle"/>
+          </a:ln>
+        </p:spPr>
+        <p:style>
+          <a:lnRef idx="1">
+            <a:schemeClr val="dk1"/>
+          </a:lnRef>
+          <a:fillRef idx="0">
+            <a:schemeClr val="dk1"/>
+          </a:fillRef>
+          <a:effectRef idx="0">
+            <a:schemeClr val="dk1"/>
+          </a:effectRef>
+          <a:fontRef idx="minor">
+            <a:schemeClr val="tx1"/>
+          </a:fontRef>
+        </p:style>
+      </p:cxnSp>
+      <p:cxnSp>
+        <p:nvCxnSpPr>
+          <p:cNvPr id="49" name="Verbinder: gewinkelt 48">
+            <a:extLst>
+              <a:ext uri="{FF2B5EF4-FFF2-40B4-BE49-F238E27FC236}">
+                <a16:creationId xmlns:a16="http://schemas.microsoft.com/office/drawing/2014/main" id="{E9F2BDFA-24D9-6364-7FEC-6D0F9F913471}"/>
+              </a:ext>
+            </a:extLst>
+          </p:cNvPr>
+          <p:cNvCxnSpPr>
+            <a:stCxn id="21" idx="3"/>
+            <a:endCxn id="21" idx="2"/>
+          </p:cNvCxnSpPr>
+          <p:nvPr/>
+        </p:nvCxnSpPr>
+        <p:spPr>
+          <a:xfrm flipH="1">
+            <a:off x="7752532" y="3615613"/>
+            <a:ext cx="892628" cy="303244"/>
+          </a:xfrm>
+          <a:prstGeom prst="bentConnector4">
+            <a:avLst>
+              <a:gd name="adj1" fmla="val -25610"/>
+              <a:gd name="adj2" fmla="val 175385"/>
+            </a:avLst>
+          </a:prstGeom>
+          <a:ln>
+            <a:tailEnd type="triangle"/>
+          </a:ln>
+        </p:spPr>
+        <p:style>
+          <a:lnRef idx="1">
+            <a:schemeClr val="dk1"/>
+          </a:lnRef>
+          <a:fillRef idx="0">
+            <a:schemeClr val="dk1"/>
+          </a:fillRef>
+          <a:effectRef idx="0">
+            <a:schemeClr val="dk1"/>
+          </a:effectRef>
+          <a:fontRef idx="minor">
+            <a:schemeClr val="tx1"/>
+          </a:fontRef>
+        </p:style>
+      </p:cxnSp>
+      <mc:AlternateContent xmlns:mc="http://schemas.openxmlformats.org/markup-compatibility/2006">
+        <mc:Choice xmlns:a14="http://schemas.microsoft.com/office/drawing/2010/main" Requires="a14">
+          <p:sp>
+            <p:nvSpPr>
+              <p:cNvPr id="50" name="Textfeld 49">
+                <a:extLst>
+                  <a:ext uri="{FF2B5EF4-FFF2-40B4-BE49-F238E27FC236}">
+                    <a16:creationId xmlns:a16="http://schemas.microsoft.com/office/drawing/2014/main" id="{BCB17AF9-4A7B-76AC-B544-3CC07E782BA0}"/>
+                  </a:ext>
+                </a:extLst>
+              </p:cNvPr>
+              <p:cNvSpPr txBox="1"/>
+              <p:nvPr/>
+            </p:nvSpPr>
+            <p:spPr>
+              <a:xfrm>
+                <a:off x="4464524" y="978465"/>
+                <a:ext cx="2082045" cy="232949"/>
+              </a:xfrm>
+              <a:prstGeom prst="rect">
+                <a:avLst/>
+              </a:prstGeom>
+              <a:noFill/>
+            </p:spPr>
+            <p:txBody>
+              <a:bodyPr wrap="none" lIns="0" tIns="0" rIns="0" bIns="0" rtlCol="0">
+                <a:spAutoFit/>
+              </a:bodyPr>
+              <a:lstStyle/>
+              <a:p>
+                <a14:m>
+                  <m:oMathPara xmlns:m="http://schemas.openxmlformats.org/officeDocument/2006/math">
+                    <m:oMathParaPr>
+                      <m:jc m:val="centerGroup"/>
+                    </m:oMathParaPr>
+                    <m:oMath xmlns:m="http://schemas.openxmlformats.org/officeDocument/2006/math">
+                      <m:sSub>
+                        <m:sSubPr>
+                          <m:ctrlPr>
+                            <a:rPr lang="de-DE" sz="1400" b="0" i="1" smtClean="0">
+                              <a:latin typeface="Cambria Math" panose="02040503050406030204" pitchFamily="18" charset="0"/>
+                            </a:rPr>
+                          </m:ctrlPr>
+                        </m:sSubPr>
+                        <m:e>
+                          <m:r>
+                            <a:rPr lang="de-DE" sz="1400" b="0" i="1" smtClean="0">
+                              <a:latin typeface="Cambria Math" panose="02040503050406030204" pitchFamily="18" charset="0"/>
+                            </a:rPr>
+                            <m:t>1−</m:t>
+                          </m:r>
+                          <m:r>
+                            <a:rPr lang="de-DE" sz="1400" b="0" i="1" smtClean="0">
+                              <a:latin typeface="Cambria Math" panose="02040503050406030204" pitchFamily="18" charset="0"/>
+                            </a:rPr>
+                            <m:t>𝑔</m:t>
+                          </m:r>
+                        </m:e>
+                        <m:sub>
+                          <m:r>
+                            <a:rPr lang="de-DE" sz="1400" b="0" i="1" smtClean="0">
+                              <a:latin typeface="Cambria Math" panose="02040503050406030204" pitchFamily="18" charset="0"/>
+                            </a:rPr>
+                            <m:t>𝑛𝑒𝑖𝑔h𝑏𝑜𝑟𝑠</m:t>
+                          </m:r>
+                        </m:sub>
+                      </m:sSub>
+                      <m:r>
+                        <a:rPr lang="de-DE" sz="1400" b="0" i="1" smtClean="0">
+                          <a:latin typeface="Cambria Math" panose="02040503050406030204" pitchFamily="18" charset="0"/>
+                        </a:rPr>
+                        <m:t>−</m:t>
+                      </m:r>
+                      <m:sSub>
+                        <m:sSubPr>
+                          <m:ctrlPr>
+                            <a:rPr lang="de-DE" sz="1400" b="0" i="1" smtClean="0">
+                              <a:latin typeface="Cambria Math" panose="02040503050406030204" pitchFamily="18" charset="0"/>
+                            </a:rPr>
+                          </m:ctrlPr>
+                        </m:sSubPr>
+                        <m:e>
+                          <m:r>
+                            <a:rPr lang="de-DE" sz="1400" b="0" i="1" smtClean="0">
+                              <a:latin typeface="Cambria Math" panose="02040503050406030204" pitchFamily="18" charset="0"/>
+                            </a:rPr>
+                            <m:t>𝑓</m:t>
+                          </m:r>
+                        </m:e>
+                        <m:sub>
+                          <m:r>
+                            <a:rPr lang="de-DE" sz="1400" b="0" i="1" smtClean="0">
+                              <a:latin typeface="Cambria Math" panose="02040503050406030204" pitchFamily="18" charset="0"/>
+                            </a:rPr>
+                            <m:t>𝑛𝑒𝑖𝑔h𝑏𝑜𝑟𝑠</m:t>
+                          </m:r>
+                        </m:sub>
+                      </m:sSub>
+                    </m:oMath>
+                  </m:oMathPara>
+                </a14:m>
+                <a:endParaRPr lang="de-DE" sz="1400" dirty="0"/>
+              </a:p>
+            </p:txBody>
+          </p:sp>
+        </mc:Choice>
+        <mc:Fallback>
+          <p:sp>
+            <p:nvSpPr>
+              <p:cNvPr id="50" name="Textfeld 49">
+                <a:extLst>
+                  <a:ext uri="{FF2B5EF4-FFF2-40B4-BE49-F238E27FC236}">
+                    <a16:creationId xmlns:a16="http://schemas.microsoft.com/office/drawing/2014/main" id="{BCB17AF9-4A7B-76AC-B544-3CC07E782BA0}"/>
+                  </a:ext>
+                </a:extLst>
+              </p:cNvPr>
+              <p:cNvSpPr txBox="1">
+                <a:spLocks noRot="1" noChangeAspect="1" noMove="1" noResize="1" noEditPoints="1" noAdjustHandles="1" noChangeArrowheads="1" noChangeShapeType="1" noTextEdit="1"/>
+              </p:cNvSpPr>
+              <p:nvPr/>
+            </p:nvSpPr>
+            <p:spPr>
+              <a:xfrm>
+                <a:off x="4464524" y="978465"/>
+                <a:ext cx="2082045" cy="232949"/>
+              </a:xfrm>
+              <a:prstGeom prst="rect">
+                <a:avLst/>
+              </a:prstGeom>
+              <a:blipFill>
+                <a:blip r:embed="rId7"/>
+                <a:stretch>
+                  <a:fillRect l="-1462" r="-585" b="-23684"/>
+                </a:stretch>
+              </a:blipFill>
+            </p:spPr>
+            <p:txBody>
+              <a:bodyPr/>
+              <a:lstStyle/>
+              <a:p>
+                <a:r>
+                  <a:rPr lang="de-DE">
+                    <a:noFill/>
+                  </a:rPr>
+                  <a:t> </a:t>
+                </a:r>
+              </a:p>
+            </p:txBody>
+          </p:sp>
+        </mc:Fallback>
+      </mc:AlternateContent>
+      <mc:AlternateContent xmlns:mc="http://schemas.openxmlformats.org/markup-compatibility/2006">
+        <mc:Choice xmlns:a14="http://schemas.microsoft.com/office/drawing/2010/main" Requires="a14">
+          <p:sp>
+            <p:nvSpPr>
+              <p:cNvPr id="51" name="Textfeld 50">
+                <a:extLst>
+                  <a:ext uri="{FF2B5EF4-FFF2-40B4-BE49-F238E27FC236}">
+                    <a16:creationId xmlns:a16="http://schemas.microsoft.com/office/drawing/2014/main" id="{4F83388F-F183-1DF1-FC03-1409D803120E}"/>
+                  </a:ext>
+                </a:extLst>
+              </p:cNvPr>
+              <p:cNvSpPr txBox="1"/>
+              <p:nvPr/>
+            </p:nvSpPr>
+            <p:spPr>
+              <a:xfrm>
+                <a:off x="7826762" y="4245429"/>
+                <a:ext cx="1636795" cy="232949"/>
+              </a:xfrm>
+              <a:prstGeom prst="rect">
+                <a:avLst/>
+              </a:prstGeom>
+              <a:noFill/>
+            </p:spPr>
+            <p:txBody>
+              <a:bodyPr wrap="none" lIns="0" tIns="0" rIns="0" bIns="0" rtlCol="0">
+                <a:spAutoFit/>
+              </a:bodyPr>
+              <a:lstStyle/>
+              <a:p>
+                <a14:m>
+                  <m:oMathPara xmlns:m="http://schemas.openxmlformats.org/officeDocument/2006/math">
+                    <m:oMathParaPr>
+                      <m:jc m:val="centerGroup"/>
+                    </m:oMathParaPr>
+                    <m:oMath xmlns:m="http://schemas.openxmlformats.org/officeDocument/2006/math">
+                      <m:r>
+                        <a:rPr lang="de-DE" sz="1400" b="0" i="1" smtClean="0">
+                          <a:latin typeface="Cambria Math" panose="02040503050406030204" pitchFamily="18" charset="0"/>
+                        </a:rPr>
+                        <m:t>1−</m:t>
+                      </m:r>
+                      <m:sSub>
+                        <m:sSubPr>
+                          <m:ctrlPr>
+                            <a:rPr lang="de-DE" sz="1400" b="0" i="1" smtClean="0">
+                              <a:latin typeface="Cambria Math" panose="02040503050406030204" pitchFamily="18" charset="0"/>
+                            </a:rPr>
+                          </m:ctrlPr>
+                        </m:sSubPr>
+                        <m:e>
+                          <m:r>
+                            <a:rPr lang="de-DE" sz="1400" b="0" i="1" smtClean="0">
+                              <a:latin typeface="Cambria Math" panose="02040503050406030204" pitchFamily="18" charset="0"/>
+                            </a:rPr>
+                            <m:t>𝑝</m:t>
+                          </m:r>
+                        </m:e>
+                        <m:sub>
+                          <m:r>
+                            <a:rPr lang="de-DE" sz="1400" b="0" i="1" smtClean="0">
+                              <a:latin typeface="Cambria Math" panose="02040503050406030204" pitchFamily="18" charset="0"/>
+                            </a:rPr>
+                            <m:t>𝑓𝑜𝑟𝑔𝑒𝑡</m:t>
+                          </m:r>
+                        </m:sub>
+                      </m:sSub>
+                      <m:r>
+                        <a:rPr lang="de-DE" sz="1400" b="0" i="1" smtClean="0">
+                          <a:latin typeface="Cambria Math" panose="02040503050406030204" pitchFamily="18" charset="0"/>
+                        </a:rPr>
+                        <m:t>−</m:t>
+                      </m:r>
+                      <m:sSub>
+                        <m:sSubPr>
+                          <m:ctrlPr>
+                            <a:rPr lang="de-DE" sz="1400" b="0" i="1" smtClean="0">
+                              <a:latin typeface="Cambria Math" panose="02040503050406030204" pitchFamily="18" charset="0"/>
+                            </a:rPr>
+                          </m:ctrlPr>
+                        </m:sSubPr>
+                        <m:e>
+                          <m:r>
+                            <a:rPr lang="de-DE" sz="1400" b="0" i="1" smtClean="0">
+                              <a:latin typeface="Cambria Math" panose="02040503050406030204" pitchFamily="18" charset="0"/>
+                            </a:rPr>
+                            <m:t>𝑝</m:t>
+                          </m:r>
+                        </m:e>
+                        <m:sub>
+                          <m:r>
+                            <a:rPr lang="de-DE" sz="1400" b="0" i="1" smtClean="0">
+                              <a:latin typeface="Cambria Math" panose="02040503050406030204" pitchFamily="18" charset="0"/>
+                            </a:rPr>
+                            <m:t>𝑣𝑒𝑟𝑖𝑓𝑦</m:t>
+                          </m:r>
+                        </m:sub>
+                      </m:sSub>
+                    </m:oMath>
+                  </m:oMathPara>
+                </a14:m>
+                <a:endParaRPr lang="de-DE" sz="1400" dirty="0"/>
+              </a:p>
+            </p:txBody>
+          </p:sp>
+        </mc:Choice>
+        <mc:Fallback>
+          <p:sp>
+            <p:nvSpPr>
+              <p:cNvPr id="51" name="Textfeld 50">
+                <a:extLst>
+                  <a:ext uri="{FF2B5EF4-FFF2-40B4-BE49-F238E27FC236}">
+                    <a16:creationId xmlns:a16="http://schemas.microsoft.com/office/drawing/2014/main" id="{4F83388F-F183-1DF1-FC03-1409D803120E}"/>
+                  </a:ext>
+                </a:extLst>
+              </p:cNvPr>
+              <p:cNvSpPr txBox="1">
+                <a:spLocks noRot="1" noChangeAspect="1" noMove="1" noResize="1" noEditPoints="1" noAdjustHandles="1" noChangeArrowheads="1" noChangeShapeType="1" noTextEdit="1"/>
+              </p:cNvSpPr>
+              <p:nvPr/>
+            </p:nvSpPr>
+            <p:spPr>
+              <a:xfrm>
+                <a:off x="7826762" y="4245429"/>
+                <a:ext cx="1636795" cy="232949"/>
+              </a:xfrm>
+              <a:prstGeom prst="rect">
+                <a:avLst/>
+              </a:prstGeom>
+              <a:blipFill>
+                <a:blip r:embed="rId8"/>
+                <a:stretch>
+                  <a:fillRect l="-1866" r="-746" b="-23077"/>
+                </a:stretch>
+              </a:blipFill>
+            </p:spPr>
+            <p:txBody>
+              <a:bodyPr/>
+              <a:lstStyle/>
+              <a:p>
+                <a:r>
+                  <a:rPr lang="de-DE">
+                    <a:noFill/>
+                  </a:rPr>
+                  <a:t> </a:t>
+                </a:r>
+              </a:p>
+            </p:txBody>
+          </p:sp>
+        </mc:Fallback>
+      </mc:AlternateContent>
+    </p:spTree>
+    <p:extLst>
+      <p:ext uri="{BB962C8B-B14F-4D97-AF65-F5344CB8AC3E}">
+        <p14:creationId xmlns:p14="http://schemas.microsoft.com/office/powerpoint/2010/main" val="2439263106"/>
+      </p:ext>
+    </p:extLst>
+  </p:cSld>
+  <p:clrMapOvr>
+    <a:masterClrMapping/>
+  </p:clrMapOvr>
+</p:sld>
+</file>
+
+<file path=ppt/slides/slide4.xml><?xml version="1.0" encoding="utf-8"?>
+<p:sld xmlns:a="http://schemas.openxmlformats.org/drawingml/2006/main" xmlns:r="http://schemas.openxmlformats.org/officeDocument/2006/relationships" xmlns:p="http://schemas.openxmlformats.org/presentationml/2006/main">
+  <p:cSld>
+    <p:spTree>
+      <p:nvGrpSpPr>
+        <p:cNvPr id="1" name=""/>
+        <p:cNvGrpSpPr/>
+        <p:nvPr/>
+      </p:nvGrpSpPr>
+      <p:grpSpPr>
+        <a:xfrm>
+          <a:off x="0" y="0"/>
+          <a:ext cx="0" cy="0"/>
+          <a:chOff x="0" y="0"/>
+          <a:chExt cx="0" cy="0"/>
+        </a:xfrm>
+      </p:grpSpPr>
+      <p:sp>
+        <p:nvSpPr>
+          <p:cNvPr id="32" name="Rechteck: abgerundete Ecken 31">
+            <a:extLst>
+              <a:ext uri="{FF2B5EF4-FFF2-40B4-BE49-F238E27FC236}">
+                <a16:creationId xmlns:a16="http://schemas.microsoft.com/office/drawing/2014/main" id="{445E8BF8-7448-3643-F7B4-5DD7720D4895}"/>
+              </a:ext>
+            </a:extLst>
+          </p:cNvPr>
+          <p:cNvSpPr/>
+          <p:nvPr/>
+        </p:nvSpPr>
+        <p:spPr>
+          <a:xfrm>
+            <a:off x="3010679" y="3312369"/>
+            <a:ext cx="1785256" cy="606489"/>
+          </a:xfrm>
+          <a:prstGeom prst="roundRect">
+            <a:avLst/>
+          </a:prstGeom>
+        </p:spPr>
+        <p:style>
+          <a:lnRef idx="2">
+            <a:schemeClr val="dk1"/>
+          </a:lnRef>
+          <a:fillRef idx="1">
+            <a:schemeClr val="lt1"/>
+          </a:fillRef>
+          <a:effectRef idx="0">
+            <a:schemeClr val="dk1"/>
+          </a:effectRef>
+          <a:fontRef idx="minor">
+            <a:schemeClr val="dk1"/>
+          </a:fontRef>
+        </p:style>
+        <p:txBody>
+          <a:bodyPr rtlCol="0" anchor="ctr"/>
+          <a:lstStyle/>
+          <a:p>
+            <a:pPr algn="ctr"/>
+            <a:r>
+              <a:rPr lang="en-US" dirty="0"/>
+              <a:t>Recovered</a:t>
+            </a:r>
+          </a:p>
+        </p:txBody>
+      </p:sp>
+      <p:sp>
+        <p:nvSpPr>
+          <p:cNvPr id="34" name="Rechteck: abgerundete Ecken 33">
+            <a:extLst>
+              <a:ext uri="{FF2B5EF4-FFF2-40B4-BE49-F238E27FC236}">
+                <a16:creationId xmlns:a16="http://schemas.microsoft.com/office/drawing/2014/main" id="{E7F642EF-E805-668D-2687-C95D5E9BB9F1}"/>
+              </a:ext>
+            </a:extLst>
+          </p:cNvPr>
+          <p:cNvSpPr/>
+          <p:nvPr/>
+        </p:nvSpPr>
+        <p:spPr>
+          <a:xfrm>
+            <a:off x="6859904" y="3312368"/>
+            <a:ext cx="1785256" cy="606489"/>
+          </a:xfrm>
+          <a:prstGeom prst="roundRect">
+            <a:avLst/>
+          </a:prstGeom>
+        </p:spPr>
+        <p:style>
+          <a:lnRef idx="2">
+            <a:schemeClr val="dk1"/>
+          </a:lnRef>
+          <a:fillRef idx="1">
+            <a:schemeClr val="lt1"/>
+          </a:fillRef>
+          <a:effectRef idx="0">
+            <a:schemeClr val="dk1"/>
+          </a:effectRef>
+          <a:fontRef idx="minor">
+            <a:schemeClr val="dk1"/>
+          </a:fontRef>
+        </p:style>
+        <p:txBody>
+          <a:bodyPr rtlCol="0" anchor="ctr"/>
+          <a:lstStyle/>
+          <a:p>
+            <a:pPr algn="ctr"/>
+            <a:r>
+              <a:rPr lang="en-US" dirty="0"/>
+              <a:t>Infected</a:t>
+            </a:r>
+          </a:p>
+        </p:txBody>
+      </p:sp>
+      <p:sp>
+        <p:nvSpPr>
+          <p:cNvPr id="36" name="Rechteck: abgerundete Ecken 35">
+            <a:extLst>
+              <a:ext uri="{FF2B5EF4-FFF2-40B4-BE49-F238E27FC236}">
+                <a16:creationId xmlns:a16="http://schemas.microsoft.com/office/drawing/2014/main" id="{EACF0D6A-B850-6BCD-D5BF-ED0CD40DFC03}"/>
+              </a:ext>
+            </a:extLst>
+          </p:cNvPr>
+          <p:cNvSpPr/>
+          <p:nvPr/>
+        </p:nvSpPr>
+        <p:spPr>
+          <a:xfrm>
+            <a:off x="5057018" y="1570648"/>
+            <a:ext cx="1785256" cy="606489"/>
+          </a:xfrm>
+          <a:prstGeom prst="roundRect">
+            <a:avLst/>
+          </a:prstGeom>
+        </p:spPr>
+        <p:style>
+          <a:lnRef idx="2">
+            <a:schemeClr val="dk1"/>
+          </a:lnRef>
+          <a:fillRef idx="1">
+            <a:schemeClr val="lt1"/>
+          </a:fillRef>
+          <a:effectRef idx="0">
+            <a:schemeClr val="dk1"/>
+          </a:effectRef>
+          <a:fontRef idx="minor">
+            <a:schemeClr val="dk1"/>
+          </a:fontRef>
+        </p:style>
+        <p:txBody>
+          <a:bodyPr rtlCol="0" anchor="ctr"/>
+          <a:lstStyle/>
+          <a:p>
+            <a:pPr algn="ctr"/>
+            <a:r>
+              <a:rPr lang="en-US" dirty="0"/>
+              <a:t>Susceptible</a:t>
+            </a:r>
+          </a:p>
+        </p:txBody>
+      </p:sp>
+      <p:cxnSp>
+        <p:nvCxnSpPr>
+          <p:cNvPr id="37" name="Gerade Verbindung mit Pfeil 36">
+            <a:extLst>
+              <a:ext uri="{FF2B5EF4-FFF2-40B4-BE49-F238E27FC236}">
+                <a16:creationId xmlns:a16="http://schemas.microsoft.com/office/drawing/2014/main" id="{12736418-2B44-8518-10FE-9F0C94886403}"/>
+              </a:ext>
+            </a:extLst>
+          </p:cNvPr>
+          <p:cNvCxnSpPr>
+            <a:cxnSpLocks/>
+          </p:cNvCxnSpPr>
+          <p:nvPr/>
+        </p:nvCxnSpPr>
+        <p:spPr>
+          <a:xfrm flipH="1">
+            <a:off x="3671882" y="2175353"/>
+            <a:ext cx="1660847" cy="1135227"/>
+          </a:xfrm>
+          <a:prstGeom prst="straightConnector1">
+            <a:avLst/>
+          </a:prstGeom>
+          <a:ln>
+            <a:tailEnd type="triangle"/>
+          </a:ln>
+        </p:spPr>
+        <p:style>
+          <a:lnRef idx="1">
+            <a:schemeClr val="dk1"/>
+          </a:lnRef>
+          <a:fillRef idx="0">
+            <a:schemeClr val="dk1"/>
+          </a:fillRef>
+          <a:effectRef idx="0">
+            <a:schemeClr val="dk1"/>
+          </a:effectRef>
+          <a:fontRef idx="minor">
+            <a:schemeClr val="tx1"/>
+          </a:fontRef>
+        </p:style>
+      </p:cxnSp>
+      <mc:AlternateContent xmlns:mc="http://schemas.openxmlformats.org/markup-compatibility/2006">
+        <mc:Choice xmlns:a14="http://schemas.microsoft.com/office/drawing/2010/main" Requires="a14">
+          <p:sp>
+            <p:nvSpPr>
+              <p:cNvPr id="40" name="Textfeld 39">
+                <a:extLst>
+                  <a:ext uri="{FF2B5EF4-FFF2-40B4-BE49-F238E27FC236}">
+                    <a16:creationId xmlns:a16="http://schemas.microsoft.com/office/drawing/2014/main" id="{891CF306-4DBF-F1BB-C75B-6DD14C15CCE2}"/>
+                  </a:ext>
+                </a:extLst>
+              </p:cNvPr>
+              <p:cNvSpPr txBox="1"/>
+              <p:nvPr/>
+            </p:nvSpPr>
+            <p:spPr>
+              <a:xfrm>
+                <a:off x="3714965" y="2424094"/>
+                <a:ext cx="813492" cy="232949"/>
+              </a:xfrm>
+              <a:prstGeom prst="rect">
+                <a:avLst/>
+              </a:prstGeom>
+              <a:noFill/>
+            </p:spPr>
+            <p:txBody>
+              <a:bodyPr wrap="none" lIns="0" tIns="0" rIns="0" bIns="0" rtlCol="0">
+                <a:spAutoFit/>
+              </a:bodyPr>
+              <a:lstStyle/>
+              <a:p>
+                <a14:m>
+                  <m:oMathPara xmlns:m="http://schemas.openxmlformats.org/officeDocument/2006/math">
+                    <m:oMathParaPr>
+                      <m:jc m:val="centerGroup"/>
+                    </m:oMathParaPr>
+                    <m:oMath xmlns:m="http://schemas.openxmlformats.org/officeDocument/2006/math">
+                      <m:sSub>
+                        <m:sSubPr>
+                          <m:ctrlPr>
+                            <a:rPr lang="de-DE" sz="1400" b="0" i="1" smtClean="0">
+                              <a:latin typeface="Cambria Math" panose="02040503050406030204" pitchFamily="18" charset="0"/>
+                            </a:rPr>
+                          </m:ctrlPr>
+                        </m:sSubPr>
+                        <m:e>
+                          <m:r>
+                            <a:rPr lang="de-DE" sz="1400" b="0" i="1" smtClean="0">
+                              <a:latin typeface="Cambria Math" panose="02040503050406030204" pitchFamily="18" charset="0"/>
+                            </a:rPr>
+                            <m:t>𝑔</m:t>
+                          </m:r>
+                        </m:e>
+                        <m:sub>
+                          <m:r>
+                            <a:rPr lang="de-DE" sz="1400" b="0" i="1" smtClean="0">
+                              <a:latin typeface="Cambria Math" panose="02040503050406030204" pitchFamily="18" charset="0"/>
+                            </a:rPr>
+                            <m:t>𝑛𝑒𝑖𝑔h𝑏𝑜𝑟𝑠</m:t>
+                          </m:r>
+                        </m:sub>
+                      </m:sSub>
+                    </m:oMath>
+                  </m:oMathPara>
+                </a14:m>
+                <a:endParaRPr lang="de-DE" sz="1400" dirty="0"/>
+              </a:p>
+            </p:txBody>
+          </p:sp>
+        </mc:Choice>
+        <mc:Fallback>
+          <p:sp>
+            <p:nvSpPr>
+              <p:cNvPr id="40" name="Textfeld 39">
+                <a:extLst>
+                  <a:ext uri="{FF2B5EF4-FFF2-40B4-BE49-F238E27FC236}">
+                    <a16:creationId xmlns:a16="http://schemas.microsoft.com/office/drawing/2014/main" id="{891CF306-4DBF-F1BB-C75B-6DD14C15CCE2}"/>
+                  </a:ext>
+                </a:extLst>
+              </p:cNvPr>
+              <p:cNvSpPr txBox="1">
+                <a:spLocks noRot="1" noChangeAspect="1" noMove="1" noResize="1" noEditPoints="1" noAdjustHandles="1" noChangeArrowheads="1" noChangeShapeType="1" noTextEdit="1"/>
+              </p:cNvSpPr>
+              <p:nvPr/>
+            </p:nvSpPr>
+            <p:spPr>
+              <a:xfrm>
+                <a:off x="3714965" y="2424094"/>
+                <a:ext cx="813492" cy="232949"/>
+              </a:xfrm>
+              <a:prstGeom prst="rect">
+                <a:avLst/>
+              </a:prstGeom>
+              <a:blipFill>
+                <a:blip r:embed="rId2"/>
+                <a:stretch>
+                  <a:fillRect l="-4478" r="-2239" b="-23684"/>
+                </a:stretch>
+              </a:blipFill>
+            </p:spPr>
+            <p:txBody>
+              <a:bodyPr/>
+              <a:lstStyle/>
+              <a:p>
+                <a:r>
+                  <a:rPr lang="de-DE">
+                    <a:noFill/>
+                  </a:rPr>
+                  <a:t> </a:t>
+                </a:r>
+              </a:p>
+            </p:txBody>
+          </p:sp>
+        </mc:Fallback>
+      </mc:AlternateContent>
+      <p:cxnSp>
+        <p:nvCxnSpPr>
+          <p:cNvPr id="45" name="Gerade Verbindung mit Pfeil 44">
+            <a:extLst>
+              <a:ext uri="{FF2B5EF4-FFF2-40B4-BE49-F238E27FC236}">
+                <a16:creationId xmlns:a16="http://schemas.microsoft.com/office/drawing/2014/main" id="{BAFF3747-58EF-4148-222F-305B49C35684}"/>
+              </a:ext>
+            </a:extLst>
+          </p:cNvPr>
+          <p:cNvCxnSpPr>
+            <a:cxnSpLocks/>
+          </p:cNvCxnSpPr>
+          <p:nvPr/>
+        </p:nvCxnSpPr>
+        <p:spPr>
+          <a:xfrm>
+            <a:off x="6502018" y="2173993"/>
+            <a:ext cx="1413414" cy="1135229"/>
+          </a:xfrm>
+          <a:prstGeom prst="straightConnector1">
+            <a:avLst/>
+          </a:prstGeom>
+          <a:ln>
+            <a:tailEnd type="triangle"/>
+          </a:ln>
+        </p:spPr>
+        <p:style>
+          <a:lnRef idx="1">
+            <a:schemeClr val="dk1"/>
+          </a:lnRef>
+          <a:fillRef idx="0">
+            <a:schemeClr val="dk1"/>
+          </a:fillRef>
+          <a:effectRef idx="0">
+            <a:schemeClr val="dk1"/>
+          </a:effectRef>
+          <a:fontRef idx="minor">
+            <a:schemeClr val="tx1"/>
+          </a:fontRef>
+        </p:style>
+      </p:cxnSp>
+      <p:cxnSp>
+        <p:nvCxnSpPr>
+          <p:cNvPr id="48" name="Gerade Verbindung mit Pfeil 47">
+            <a:extLst>
+              <a:ext uri="{FF2B5EF4-FFF2-40B4-BE49-F238E27FC236}">
+                <a16:creationId xmlns:a16="http://schemas.microsoft.com/office/drawing/2014/main" id="{8A149A1D-AA3F-91C7-9040-AA2B5D4BE809}"/>
+              </a:ext>
+            </a:extLst>
+          </p:cNvPr>
+          <p:cNvCxnSpPr>
+            <a:cxnSpLocks/>
+            <a:stCxn id="34" idx="1"/>
+          </p:cNvCxnSpPr>
+          <p:nvPr/>
+        </p:nvCxnSpPr>
+        <p:spPr>
+          <a:xfrm flipH="1">
+            <a:off x="4795935" y="3615613"/>
+            <a:ext cx="2063969" cy="0"/>
+          </a:xfrm>
+          <a:prstGeom prst="straightConnector1">
+            <a:avLst/>
+          </a:prstGeom>
+          <a:ln>
+            <a:tailEnd type="triangle"/>
+          </a:ln>
+        </p:spPr>
+        <p:style>
+          <a:lnRef idx="1">
+            <a:schemeClr val="dk1"/>
+          </a:lnRef>
+          <a:fillRef idx="0">
+            <a:schemeClr val="dk1"/>
+          </a:fillRef>
+          <a:effectRef idx="0">
+            <a:schemeClr val="dk1"/>
+          </a:effectRef>
+          <a:fontRef idx="minor">
+            <a:schemeClr val="tx1"/>
+          </a:fontRef>
+        </p:style>
+      </p:cxnSp>
+      <mc:AlternateContent xmlns:mc="http://schemas.openxmlformats.org/markup-compatibility/2006">
+        <mc:Choice xmlns:a14="http://schemas.microsoft.com/office/drawing/2010/main" Requires="a14">
+          <p:sp>
+            <p:nvSpPr>
+              <p:cNvPr id="52" name="Textfeld 51">
+                <a:extLst>
+                  <a:ext uri="{FF2B5EF4-FFF2-40B4-BE49-F238E27FC236}">
+                    <a16:creationId xmlns:a16="http://schemas.microsoft.com/office/drawing/2014/main" id="{C93643DD-4F1B-65B0-2CEE-F5FCA3DF8F14}"/>
+                  </a:ext>
+                </a:extLst>
+              </p:cNvPr>
+              <p:cNvSpPr txBox="1"/>
+              <p:nvPr/>
+            </p:nvSpPr>
+            <p:spPr>
+              <a:xfrm>
+                <a:off x="5675875" y="3656281"/>
+                <a:ext cx="565989" cy="232692"/>
+              </a:xfrm>
+              <a:prstGeom prst="rect">
+                <a:avLst/>
+              </a:prstGeom>
+              <a:noFill/>
+            </p:spPr>
+            <p:txBody>
+              <a:bodyPr wrap="none" lIns="0" tIns="0" rIns="0" bIns="0" rtlCol="0">
+                <a:spAutoFit/>
+              </a:bodyPr>
+              <a:lstStyle/>
+              <a:p>
+                <a14:m>
+                  <m:oMathPara xmlns:m="http://schemas.openxmlformats.org/officeDocument/2006/math">
+                    <m:oMathParaPr>
+                      <m:jc m:val="centerGroup"/>
+                    </m:oMathParaPr>
+                    <m:oMath xmlns:m="http://schemas.openxmlformats.org/officeDocument/2006/math">
+                      <m:sSub>
+                        <m:sSubPr>
+                          <m:ctrlPr>
+                            <a:rPr lang="de-DE" sz="1400" b="0" i="1" smtClean="0">
+                              <a:latin typeface="Cambria Math" panose="02040503050406030204" pitchFamily="18" charset="0"/>
+                            </a:rPr>
+                          </m:ctrlPr>
+                        </m:sSubPr>
+                        <m:e>
+                          <m:r>
+                            <a:rPr lang="de-DE" sz="1400" b="0" i="1" smtClean="0">
+                              <a:latin typeface="Cambria Math" panose="02040503050406030204" pitchFamily="18" charset="0"/>
+                            </a:rPr>
+                            <m:t>𝑝</m:t>
+                          </m:r>
+                        </m:e>
+                        <m:sub>
+                          <m:r>
+                            <a:rPr lang="de-DE" sz="1400" b="0" i="1" smtClean="0">
+                              <a:latin typeface="Cambria Math" panose="02040503050406030204" pitchFamily="18" charset="0"/>
+                            </a:rPr>
+                            <m:t>𝑣𝑒𝑟𝑖𝑓𝑦</m:t>
+                          </m:r>
+                        </m:sub>
+                      </m:sSub>
+                    </m:oMath>
+                  </m:oMathPara>
+                </a14:m>
+                <a:endParaRPr lang="de-DE" sz="1400" dirty="0"/>
+              </a:p>
+            </p:txBody>
+          </p:sp>
+        </mc:Choice>
+        <mc:Fallback>
+          <p:sp>
+            <p:nvSpPr>
+              <p:cNvPr id="52" name="Textfeld 51">
+                <a:extLst>
+                  <a:ext uri="{FF2B5EF4-FFF2-40B4-BE49-F238E27FC236}">
+                    <a16:creationId xmlns:a16="http://schemas.microsoft.com/office/drawing/2014/main" id="{C93643DD-4F1B-65B0-2CEE-F5FCA3DF8F14}"/>
+                  </a:ext>
+                </a:extLst>
+              </p:cNvPr>
+              <p:cNvSpPr txBox="1">
+                <a:spLocks noRot="1" noChangeAspect="1" noMove="1" noResize="1" noEditPoints="1" noAdjustHandles="1" noChangeArrowheads="1" noChangeShapeType="1" noTextEdit="1"/>
+              </p:cNvSpPr>
+              <p:nvPr/>
+            </p:nvSpPr>
+            <p:spPr>
+              <a:xfrm>
+                <a:off x="5675875" y="3656281"/>
+                <a:ext cx="565989" cy="232692"/>
+              </a:xfrm>
+              <a:prstGeom prst="rect">
+                <a:avLst/>
+              </a:prstGeom>
+              <a:blipFill>
+                <a:blip r:embed="rId3"/>
+                <a:stretch>
+                  <a:fillRect l="-6452" r="-3226" b="-23684"/>
+                </a:stretch>
+              </a:blipFill>
+            </p:spPr>
+            <p:txBody>
+              <a:bodyPr/>
+              <a:lstStyle/>
+              <a:p>
+                <a:r>
+                  <a:rPr lang="de-DE">
+                    <a:noFill/>
+                  </a:rPr>
+                  <a:t> </a:t>
+                </a:r>
+              </a:p>
+            </p:txBody>
+          </p:sp>
+        </mc:Fallback>
+      </mc:AlternateContent>
+      <p:cxnSp>
+        <p:nvCxnSpPr>
+          <p:cNvPr id="53" name="Verbinder: gewinkelt 52">
+            <a:extLst>
+              <a:ext uri="{FF2B5EF4-FFF2-40B4-BE49-F238E27FC236}">
+                <a16:creationId xmlns:a16="http://schemas.microsoft.com/office/drawing/2014/main" id="{2263C789-BD18-D4FA-13C9-9A3EECB3D6C7}"/>
+              </a:ext>
+            </a:extLst>
+          </p:cNvPr>
+          <p:cNvCxnSpPr>
+            <a:stCxn id="32" idx="2"/>
+            <a:endCxn id="32" idx="1"/>
+          </p:cNvCxnSpPr>
+          <p:nvPr/>
+        </p:nvCxnSpPr>
+        <p:spPr>
+          <a:xfrm rot="5400000" flipH="1">
+            <a:off x="3305371" y="3320922"/>
+            <a:ext cx="303244" cy="892628"/>
+          </a:xfrm>
+          <a:prstGeom prst="bentConnector4">
+            <a:avLst>
+              <a:gd name="adj1" fmla="val -75385"/>
+              <a:gd name="adj2" fmla="val 125610"/>
+            </a:avLst>
+          </a:prstGeom>
+          <a:ln>
+            <a:tailEnd type="triangle"/>
+          </a:ln>
+        </p:spPr>
+        <p:style>
+          <a:lnRef idx="1">
+            <a:schemeClr val="dk1"/>
+          </a:lnRef>
+          <a:fillRef idx="0">
+            <a:schemeClr val="dk1"/>
+          </a:fillRef>
+          <a:effectRef idx="0">
+            <a:schemeClr val="dk1"/>
+          </a:effectRef>
+          <a:fontRef idx="minor">
+            <a:schemeClr val="tx1"/>
+          </a:fontRef>
+        </p:style>
+      </p:cxnSp>
+      <mc:AlternateContent xmlns:mc="http://schemas.openxmlformats.org/markup-compatibility/2006">
+        <mc:Choice xmlns:a14="http://schemas.microsoft.com/office/drawing/2010/main" Requires="a14">
+          <p:sp>
+            <p:nvSpPr>
+              <p:cNvPr id="54" name="Textfeld 53">
+                <a:extLst>
+                  <a:ext uri="{FF2B5EF4-FFF2-40B4-BE49-F238E27FC236}">
+                    <a16:creationId xmlns:a16="http://schemas.microsoft.com/office/drawing/2014/main" id="{3C99110D-1389-E9ED-6CDB-EBC2EF52FB9F}"/>
+                  </a:ext>
+                </a:extLst>
+              </p:cNvPr>
+              <p:cNvSpPr txBox="1"/>
+              <p:nvPr/>
+            </p:nvSpPr>
+            <p:spPr>
+              <a:xfrm>
+                <a:off x="7151050" y="2365469"/>
+                <a:ext cx="780406" cy="232949"/>
+              </a:xfrm>
+              <a:prstGeom prst="rect">
+                <a:avLst/>
+              </a:prstGeom>
+              <a:noFill/>
+            </p:spPr>
+            <p:txBody>
+              <a:bodyPr wrap="none" lIns="0" tIns="0" rIns="0" bIns="0" rtlCol="0">
+                <a:spAutoFit/>
+              </a:bodyPr>
+              <a:lstStyle/>
+              <a:p>
+                <a14:m>
+                  <m:oMathPara xmlns:m="http://schemas.openxmlformats.org/officeDocument/2006/math">
+                    <m:oMathParaPr>
+                      <m:jc m:val="centerGroup"/>
+                    </m:oMathParaPr>
+                    <m:oMath xmlns:m="http://schemas.openxmlformats.org/officeDocument/2006/math">
+                      <m:sSub>
+                        <m:sSubPr>
+                          <m:ctrlPr>
+                            <a:rPr lang="de-DE" sz="1400" b="0" i="1" smtClean="0">
+                              <a:latin typeface="Cambria Math" panose="02040503050406030204" pitchFamily="18" charset="0"/>
+                            </a:rPr>
+                          </m:ctrlPr>
+                        </m:sSubPr>
+                        <m:e>
+                          <m:r>
+                            <a:rPr lang="de-DE" sz="1400" b="0" i="1" smtClean="0">
+                              <a:latin typeface="Cambria Math" panose="02040503050406030204" pitchFamily="18" charset="0"/>
+                            </a:rPr>
+                            <m:t>𝑓</m:t>
+                          </m:r>
+                        </m:e>
+                        <m:sub>
+                          <m:r>
+                            <a:rPr lang="de-DE" sz="1400" b="0" i="1" smtClean="0">
+                              <a:latin typeface="Cambria Math" panose="02040503050406030204" pitchFamily="18" charset="0"/>
+                            </a:rPr>
+                            <m:t>𝑛𝑒𝑖𝑔h𝑏𝑜𝑟𝑠</m:t>
+                          </m:r>
+                        </m:sub>
+                      </m:sSub>
+                    </m:oMath>
+                  </m:oMathPara>
+                </a14:m>
+                <a:endParaRPr lang="de-DE" sz="1400" dirty="0"/>
+              </a:p>
+            </p:txBody>
+          </p:sp>
+        </mc:Choice>
+        <mc:Fallback>
+          <p:sp>
+            <p:nvSpPr>
+              <p:cNvPr id="54" name="Textfeld 53">
+                <a:extLst>
+                  <a:ext uri="{FF2B5EF4-FFF2-40B4-BE49-F238E27FC236}">
+                    <a16:creationId xmlns:a16="http://schemas.microsoft.com/office/drawing/2014/main" id="{3C99110D-1389-E9ED-6CDB-EBC2EF52FB9F}"/>
+                  </a:ext>
+                </a:extLst>
+              </p:cNvPr>
+              <p:cNvSpPr txBox="1">
+                <a:spLocks noRot="1" noChangeAspect="1" noMove="1" noResize="1" noEditPoints="1" noAdjustHandles="1" noChangeArrowheads="1" noChangeShapeType="1" noTextEdit="1"/>
+              </p:cNvSpPr>
+              <p:nvPr/>
+            </p:nvSpPr>
+            <p:spPr>
+              <a:xfrm>
+                <a:off x="7151050" y="2365469"/>
+                <a:ext cx="780406" cy="232949"/>
+              </a:xfrm>
+              <a:prstGeom prst="rect">
+                <a:avLst/>
+              </a:prstGeom>
+              <a:blipFill>
+                <a:blip r:embed="rId4"/>
+                <a:stretch>
+                  <a:fillRect l="-7031" r="-2344" b="-26316"/>
+                </a:stretch>
+              </a:blipFill>
+            </p:spPr>
+            <p:txBody>
+              <a:bodyPr/>
+              <a:lstStyle/>
+              <a:p>
+                <a:r>
+                  <a:rPr lang="de-DE">
+                    <a:noFill/>
+                  </a:rPr>
+                  <a:t> </a:t>
+                </a:r>
+              </a:p>
+            </p:txBody>
+          </p:sp>
+        </mc:Fallback>
+      </mc:AlternateContent>
+      <mc:AlternateContent xmlns:mc="http://schemas.openxmlformats.org/markup-compatibility/2006">
+        <mc:Choice xmlns:a14="http://schemas.microsoft.com/office/drawing/2010/main" Requires="a14">
+          <p:sp>
+            <p:nvSpPr>
+              <p:cNvPr id="55" name="Textfeld 54">
+                <a:extLst>
+                  <a:ext uri="{FF2B5EF4-FFF2-40B4-BE49-F238E27FC236}">
+                    <a16:creationId xmlns:a16="http://schemas.microsoft.com/office/drawing/2014/main" id="{C51B48B2-7462-56BB-5897-C29FF2B4D399}"/>
+                  </a:ext>
+                </a:extLst>
+              </p:cNvPr>
+              <p:cNvSpPr txBox="1"/>
+              <p:nvPr/>
+            </p:nvSpPr>
+            <p:spPr>
+              <a:xfrm>
+                <a:off x="2814009" y="4222103"/>
+                <a:ext cx="139461" cy="215444"/>
+              </a:xfrm>
+              <a:prstGeom prst="rect">
+                <a:avLst/>
+              </a:prstGeom>
+              <a:noFill/>
+            </p:spPr>
+            <p:txBody>
+              <a:bodyPr wrap="none" lIns="0" tIns="0" rIns="0" bIns="0" rtlCol="0">
+                <a:spAutoFit/>
+              </a:bodyPr>
+              <a:lstStyle/>
+              <a:p>
+                <a14:m>
+                  <m:oMathPara xmlns:m="http://schemas.openxmlformats.org/officeDocument/2006/math">
+                    <m:oMathParaPr>
+                      <m:jc m:val="centerGroup"/>
+                    </m:oMathParaPr>
+                    <m:oMath xmlns:m="http://schemas.openxmlformats.org/officeDocument/2006/math">
+                      <m:r>
+                        <a:rPr lang="de-DE" sz="1400" b="0" i="1" smtClean="0">
+                          <a:latin typeface="Cambria Math" panose="02040503050406030204" pitchFamily="18" charset="0"/>
+                        </a:rPr>
+                        <m:t>1</m:t>
+                      </m:r>
+                    </m:oMath>
+                  </m:oMathPara>
+                </a14:m>
+                <a:endParaRPr lang="de-DE" sz="1400" dirty="0"/>
+              </a:p>
+            </p:txBody>
+          </p:sp>
+        </mc:Choice>
+        <mc:Fallback>
+          <p:sp>
+            <p:nvSpPr>
+              <p:cNvPr id="55" name="Textfeld 54">
+                <a:extLst>
+                  <a:ext uri="{FF2B5EF4-FFF2-40B4-BE49-F238E27FC236}">
+                    <a16:creationId xmlns:a16="http://schemas.microsoft.com/office/drawing/2014/main" id="{C51B48B2-7462-56BB-5897-C29FF2B4D399}"/>
+                  </a:ext>
+                </a:extLst>
+              </p:cNvPr>
+              <p:cNvSpPr txBox="1">
+                <a:spLocks noRot="1" noChangeAspect="1" noMove="1" noResize="1" noEditPoints="1" noAdjustHandles="1" noChangeArrowheads="1" noChangeShapeType="1" noTextEdit="1"/>
+              </p:cNvSpPr>
+              <p:nvPr/>
+            </p:nvSpPr>
+            <p:spPr>
+              <a:xfrm>
+                <a:off x="2814009" y="4222103"/>
+                <a:ext cx="139461" cy="215444"/>
+              </a:xfrm>
+              <a:prstGeom prst="rect">
+                <a:avLst/>
+              </a:prstGeom>
+              <a:blipFill>
+                <a:blip r:embed="rId5"/>
+                <a:stretch>
+                  <a:fillRect l="-31818" r="-31818" b="-5714"/>
+                </a:stretch>
+              </a:blipFill>
+            </p:spPr>
+            <p:txBody>
+              <a:bodyPr/>
+              <a:lstStyle/>
+              <a:p>
+                <a:r>
+                  <a:rPr lang="de-DE">
+                    <a:noFill/>
+                  </a:rPr>
+                  <a:t> </a:t>
+                </a:r>
+              </a:p>
+            </p:txBody>
+          </p:sp>
+        </mc:Fallback>
+      </mc:AlternateContent>
+      <p:cxnSp>
+        <p:nvCxnSpPr>
+          <p:cNvPr id="56" name="Verbinder: gewinkelt 55">
+            <a:extLst>
+              <a:ext uri="{FF2B5EF4-FFF2-40B4-BE49-F238E27FC236}">
+                <a16:creationId xmlns:a16="http://schemas.microsoft.com/office/drawing/2014/main" id="{F0E69714-535B-34CA-1BB1-87BCE87793BC}"/>
+              </a:ext>
+            </a:extLst>
+          </p:cNvPr>
+          <p:cNvCxnSpPr>
+            <a:stCxn id="36" idx="1"/>
+            <a:endCxn id="36" idx="0"/>
+          </p:cNvCxnSpPr>
+          <p:nvPr/>
+        </p:nvCxnSpPr>
+        <p:spPr>
+          <a:xfrm rot="10800000" flipH="1">
+            <a:off x="5057018" y="1570649"/>
+            <a:ext cx="892628" cy="303245"/>
+          </a:xfrm>
+          <a:prstGeom prst="bentConnector4">
+            <a:avLst>
+              <a:gd name="adj1" fmla="val -25610"/>
+              <a:gd name="adj2" fmla="val 175385"/>
+            </a:avLst>
+          </a:prstGeom>
+          <a:ln>
+            <a:tailEnd type="triangle"/>
+          </a:ln>
+        </p:spPr>
+        <p:style>
+          <a:lnRef idx="1">
+            <a:schemeClr val="dk1"/>
+          </a:lnRef>
+          <a:fillRef idx="0">
+            <a:schemeClr val="dk1"/>
+          </a:fillRef>
+          <a:effectRef idx="0">
+            <a:schemeClr val="dk1"/>
+          </a:effectRef>
+          <a:fontRef idx="minor">
+            <a:schemeClr val="tx1"/>
+          </a:fontRef>
+        </p:style>
+      </p:cxnSp>
+      <p:cxnSp>
+        <p:nvCxnSpPr>
+          <p:cNvPr id="57" name="Verbinder: gewinkelt 56">
+            <a:extLst>
+              <a:ext uri="{FF2B5EF4-FFF2-40B4-BE49-F238E27FC236}">
+                <a16:creationId xmlns:a16="http://schemas.microsoft.com/office/drawing/2014/main" id="{5156D7E0-670F-4A59-1B1F-AD83F463E143}"/>
+              </a:ext>
+            </a:extLst>
+          </p:cNvPr>
+          <p:cNvCxnSpPr>
+            <a:stCxn id="34" idx="3"/>
+            <a:endCxn id="34" idx="2"/>
+          </p:cNvCxnSpPr>
+          <p:nvPr/>
+        </p:nvCxnSpPr>
+        <p:spPr>
+          <a:xfrm flipH="1">
+            <a:off x="7752532" y="3615613"/>
+            <a:ext cx="892628" cy="303244"/>
+          </a:xfrm>
+          <a:prstGeom prst="bentConnector4">
+            <a:avLst>
+              <a:gd name="adj1" fmla="val -25610"/>
+              <a:gd name="adj2" fmla="val 175385"/>
+            </a:avLst>
+          </a:prstGeom>
+          <a:ln>
+            <a:tailEnd type="triangle"/>
+          </a:ln>
+        </p:spPr>
+        <p:style>
+          <a:lnRef idx="1">
+            <a:schemeClr val="dk1"/>
+          </a:lnRef>
+          <a:fillRef idx="0">
+            <a:schemeClr val="dk1"/>
+          </a:fillRef>
+          <a:effectRef idx="0">
+            <a:schemeClr val="dk1"/>
+          </a:effectRef>
+          <a:fontRef idx="minor">
+            <a:schemeClr val="tx1"/>
+          </a:fontRef>
+        </p:style>
+      </p:cxnSp>
+      <mc:AlternateContent xmlns:mc="http://schemas.openxmlformats.org/markup-compatibility/2006">
+        <mc:Choice xmlns:a14="http://schemas.microsoft.com/office/drawing/2010/main" Requires="a14">
+          <p:sp>
+            <p:nvSpPr>
+              <p:cNvPr id="58" name="Textfeld 57">
+                <a:extLst>
+                  <a:ext uri="{FF2B5EF4-FFF2-40B4-BE49-F238E27FC236}">
+                    <a16:creationId xmlns:a16="http://schemas.microsoft.com/office/drawing/2014/main" id="{916A7B1B-BD04-4FB8-8AF9-08C2CB5E21F4}"/>
+                  </a:ext>
+                </a:extLst>
+              </p:cNvPr>
+              <p:cNvSpPr txBox="1"/>
+              <p:nvPr/>
+            </p:nvSpPr>
+            <p:spPr>
+              <a:xfrm>
+                <a:off x="4464524" y="978465"/>
+                <a:ext cx="2082045" cy="232949"/>
+              </a:xfrm>
+              <a:prstGeom prst="rect">
+                <a:avLst/>
+              </a:prstGeom>
+              <a:noFill/>
+            </p:spPr>
+            <p:txBody>
+              <a:bodyPr wrap="none" lIns="0" tIns="0" rIns="0" bIns="0" rtlCol="0">
+                <a:spAutoFit/>
+              </a:bodyPr>
+              <a:lstStyle/>
+              <a:p>
+                <a14:m>
+                  <m:oMathPara xmlns:m="http://schemas.openxmlformats.org/officeDocument/2006/math">
+                    <m:oMathParaPr>
+                      <m:jc m:val="centerGroup"/>
+                    </m:oMathParaPr>
+                    <m:oMath xmlns:m="http://schemas.openxmlformats.org/officeDocument/2006/math">
+                      <m:sSub>
+                        <m:sSubPr>
+                          <m:ctrlPr>
+                            <a:rPr lang="de-DE" sz="1400" b="0" i="1" smtClean="0">
+                              <a:latin typeface="Cambria Math" panose="02040503050406030204" pitchFamily="18" charset="0"/>
+                            </a:rPr>
+                          </m:ctrlPr>
+                        </m:sSubPr>
+                        <m:e>
+                          <m:r>
+                            <a:rPr lang="de-DE" sz="1400" b="0" i="1" smtClean="0">
+                              <a:latin typeface="Cambria Math" panose="02040503050406030204" pitchFamily="18" charset="0"/>
+                            </a:rPr>
+                            <m:t>1−</m:t>
+                          </m:r>
+                          <m:r>
+                            <a:rPr lang="de-DE" sz="1400" b="0" i="1" smtClean="0">
+                              <a:latin typeface="Cambria Math" panose="02040503050406030204" pitchFamily="18" charset="0"/>
+                            </a:rPr>
+                            <m:t>𝑔</m:t>
+                          </m:r>
+                        </m:e>
+                        <m:sub>
+                          <m:r>
+                            <a:rPr lang="de-DE" sz="1400" b="0" i="1" smtClean="0">
+                              <a:latin typeface="Cambria Math" panose="02040503050406030204" pitchFamily="18" charset="0"/>
+                            </a:rPr>
+                            <m:t>𝑛𝑒𝑖𝑔h𝑏𝑜𝑟𝑠</m:t>
+                          </m:r>
+                        </m:sub>
+                      </m:sSub>
+                      <m:r>
+                        <a:rPr lang="de-DE" sz="1400" b="0" i="1" smtClean="0">
+                          <a:latin typeface="Cambria Math" panose="02040503050406030204" pitchFamily="18" charset="0"/>
+                        </a:rPr>
+                        <m:t>−</m:t>
+                      </m:r>
+                      <m:sSub>
+                        <m:sSubPr>
+                          <m:ctrlPr>
+                            <a:rPr lang="de-DE" sz="1400" b="0" i="1" smtClean="0">
+                              <a:latin typeface="Cambria Math" panose="02040503050406030204" pitchFamily="18" charset="0"/>
+                            </a:rPr>
+                          </m:ctrlPr>
+                        </m:sSubPr>
+                        <m:e>
+                          <m:r>
+                            <a:rPr lang="de-DE" sz="1400" b="0" i="1" smtClean="0">
+                              <a:latin typeface="Cambria Math" panose="02040503050406030204" pitchFamily="18" charset="0"/>
+                            </a:rPr>
+                            <m:t>𝑓</m:t>
+                          </m:r>
+                        </m:e>
+                        <m:sub>
+                          <m:r>
+                            <a:rPr lang="de-DE" sz="1400" b="0" i="1" smtClean="0">
+                              <a:latin typeface="Cambria Math" panose="02040503050406030204" pitchFamily="18" charset="0"/>
+                            </a:rPr>
+                            <m:t>𝑛𝑒𝑖𝑔h𝑏𝑜𝑟𝑠</m:t>
+                          </m:r>
+                        </m:sub>
+                      </m:sSub>
+                    </m:oMath>
+                  </m:oMathPara>
+                </a14:m>
+                <a:endParaRPr lang="de-DE" sz="1400" dirty="0"/>
+              </a:p>
+            </p:txBody>
+          </p:sp>
+        </mc:Choice>
+        <mc:Fallback>
+          <p:sp>
+            <p:nvSpPr>
+              <p:cNvPr id="58" name="Textfeld 57">
+                <a:extLst>
+                  <a:ext uri="{FF2B5EF4-FFF2-40B4-BE49-F238E27FC236}">
+                    <a16:creationId xmlns:a16="http://schemas.microsoft.com/office/drawing/2014/main" id="{916A7B1B-BD04-4FB8-8AF9-08C2CB5E21F4}"/>
+                  </a:ext>
+                </a:extLst>
+              </p:cNvPr>
+              <p:cNvSpPr txBox="1">
+                <a:spLocks noRot="1" noChangeAspect="1" noMove="1" noResize="1" noEditPoints="1" noAdjustHandles="1" noChangeArrowheads="1" noChangeShapeType="1" noTextEdit="1"/>
+              </p:cNvSpPr>
+              <p:nvPr/>
+            </p:nvSpPr>
+            <p:spPr>
+              <a:xfrm>
+                <a:off x="4464524" y="978465"/>
+                <a:ext cx="2082045" cy="232949"/>
+              </a:xfrm>
+              <a:prstGeom prst="rect">
+                <a:avLst/>
+              </a:prstGeom>
+              <a:blipFill>
+                <a:blip r:embed="rId6"/>
+                <a:stretch>
+                  <a:fillRect l="-1462" r="-585" b="-23684"/>
+                </a:stretch>
+              </a:blipFill>
+            </p:spPr>
+            <p:txBody>
+              <a:bodyPr/>
+              <a:lstStyle/>
+              <a:p>
+                <a:r>
+                  <a:rPr lang="de-DE">
+                    <a:noFill/>
+                  </a:rPr>
+                  <a:t> </a:t>
+                </a:r>
+              </a:p>
+            </p:txBody>
+          </p:sp>
+        </mc:Fallback>
+      </mc:AlternateContent>
+      <mc:AlternateContent xmlns:mc="http://schemas.openxmlformats.org/markup-compatibility/2006">
+        <mc:Choice xmlns:a14="http://schemas.microsoft.com/office/drawing/2010/main" Requires="a14">
+          <p:sp>
+            <p:nvSpPr>
+              <p:cNvPr id="59" name="Textfeld 58">
+                <a:extLst>
+                  <a:ext uri="{FF2B5EF4-FFF2-40B4-BE49-F238E27FC236}">
+                    <a16:creationId xmlns:a16="http://schemas.microsoft.com/office/drawing/2014/main" id="{62C2A237-3232-5954-21A6-6944E48083E4}"/>
+                  </a:ext>
+                </a:extLst>
+              </p:cNvPr>
+              <p:cNvSpPr txBox="1"/>
+              <p:nvPr/>
+            </p:nvSpPr>
+            <p:spPr>
+              <a:xfrm>
+                <a:off x="7826762" y="4245429"/>
+                <a:ext cx="879792" cy="232692"/>
+              </a:xfrm>
+              <a:prstGeom prst="rect">
+                <a:avLst/>
+              </a:prstGeom>
+              <a:noFill/>
+            </p:spPr>
+            <p:txBody>
+              <a:bodyPr wrap="none" lIns="0" tIns="0" rIns="0" bIns="0" rtlCol="0">
+                <a:spAutoFit/>
+              </a:bodyPr>
+              <a:lstStyle/>
+              <a:p>
+                <a14:m>
+                  <m:oMathPara xmlns:m="http://schemas.openxmlformats.org/officeDocument/2006/math">
+                    <m:oMathParaPr>
+                      <m:jc m:val="centerGroup"/>
+                    </m:oMathParaPr>
+                    <m:oMath xmlns:m="http://schemas.openxmlformats.org/officeDocument/2006/math">
+                      <m:r>
+                        <a:rPr lang="de-DE" sz="1400" b="0" i="1" smtClean="0">
+                          <a:latin typeface="Cambria Math" panose="02040503050406030204" pitchFamily="18" charset="0"/>
+                        </a:rPr>
+                        <m:t>1−</m:t>
+                      </m:r>
+                      <m:sSub>
+                        <m:sSubPr>
+                          <m:ctrlPr>
+                            <a:rPr lang="de-DE" sz="1400" b="0" i="1" smtClean="0">
+                              <a:latin typeface="Cambria Math" panose="02040503050406030204" pitchFamily="18" charset="0"/>
+                            </a:rPr>
+                          </m:ctrlPr>
+                        </m:sSubPr>
+                        <m:e>
+                          <m:r>
+                            <a:rPr lang="de-DE" sz="1400" b="0" i="1" smtClean="0">
+                              <a:latin typeface="Cambria Math" panose="02040503050406030204" pitchFamily="18" charset="0"/>
+                            </a:rPr>
+                            <m:t>𝑝</m:t>
+                          </m:r>
+                        </m:e>
+                        <m:sub>
+                          <m:r>
+                            <a:rPr lang="de-DE" sz="1400" b="0" i="1" smtClean="0">
+                              <a:latin typeface="Cambria Math" panose="02040503050406030204" pitchFamily="18" charset="0"/>
+                            </a:rPr>
+                            <m:t>𝑣𝑒𝑟𝑖𝑓𝑦</m:t>
+                          </m:r>
+                        </m:sub>
+                      </m:sSub>
+                    </m:oMath>
+                  </m:oMathPara>
+                </a14:m>
+                <a:endParaRPr lang="de-DE" sz="1400" dirty="0"/>
+              </a:p>
+            </p:txBody>
+          </p:sp>
+        </mc:Choice>
+        <mc:Fallback>
+          <p:sp>
+            <p:nvSpPr>
+              <p:cNvPr id="59" name="Textfeld 58">
+                <a:extLst>
+                  <a:ext uri="{FF2B5EF4-FFF2-40B4-BE49-F238E27FC236}">
+                    <a16:creationId xmlns:a16="http://schemas.microsoft.com/office/drawing/2014/main" id="{62C2A237-3232-5954-21A6-6944E48083E4}"/>
+                  </a:ext>
+                </a:extLst>
+              </p:cNvPr>
+              <p:cNvSpPr txBox="1">
+                <a:spLocks noRot="1" noChangeAspect="1" noMove="1" noResize="1" noEditPoints="1" noAdjustHandles="1" noChangeArrowheads="1" noChangeShapeType="1" noTextEdit="1"/>
+              </p:cNvSpPr>
+              <p:nvPr/>
+            </p:nvSpPr>
+            <p:spPr>
+              <a:xfrm>
+                <a:off x="7826762" y="4245429"/>
+                <a:ext cx="879792" cy="232692"/>
+              </a:xfrm>
+              <a:prstGeom prst="rect">
+                <a:avLst/>
+              </a:prstGeom>
+              <a:blipFill>
+                <a:blip r:embed="rId7"/>
+                <a:stretch>
+                  <a:fillRect l="-4167" r="-2083" b="-23077"/>
+                </a:stretch>
+              </a:blipFill>
+            </p:spPr>
+            <p:txBody>
+              <a:bodyPr/>
+              <a:lstStyle/>
+              <a:p>
+                <a:r>
+                  <a:rPr lang="de-DE">
+                    <a:noFill/>
+                  </a:rPr>
+                  <a:t> </a:t>
+                </a:r>
+              </a:p>
+            </p:txBody>
+          </p:sp>
+        </mc:Fallback>
+      </mc:AlternateContent>
+    </p:spTree>
+    <p:extLst>
+      <p:ext uri="{BB962C8B-B14F-4D97-AF65-F5344CB8AC3E}">
+        <p14:creationId xmlns:p14="http://schemas.microsoft.com/office/powerpoint/2010/main" val="3952970300"/>
       </p:ext>
     </p:extLst>
   </p:cSld>

--- a/presentations/GrafikenThesis.pptx
+++ b/presentations/GrafikenThesis.pptx
@@ -9,6 +9,7 @@
     <p:sldId id="258" r:id="rId3"/>
     <p:sldId id="259" r:id="rId4"/>
     <p:sldId id="260" r:id="rId5"/>
+    <p:sldId id="261" r:id="rId6"/>
   </p:sldIdLst>
   <p:sldSz cx="12192000" cy="6858000"/>
   <p:notesSz cx="6858000" cy="9144000"/>
@@ -262,7 +263,7 @@
           <a:p>
             <a:fld id="{1E68AC87-6ADD-4255-8209-B0E6CC8A4267}" type="datetimeFigureOut">
               <a:rPr lang="de-DE" smtClean="0"/>
-              <a:t>10.08.2023</a:t>
+              <a:t>21.08.2023</a:t>
             </a:fld>
             <a:endParaRPr lang="de-DE"/>
           </a:p>
@@ -460,7 +461,7 @@
           <a:p>
             <a:fld id="{1E68AC87-6ADD-4255-8209-B0E6CC8A4267}" type="datetimeFigureOut">
               <a:rPr lang="de-DE" smtClean="0"/>
-              <a:t>10.08.2023</a:t>
+              <a:t>21.08.2023</a:t>
             </a:fld>
             <a:endParaRPr lang="de-DE"/>
           </a:p>
@@ -668,7 +669,7 @@
           <a:p>
             <a:fld id="{1E68AC87-6ADD-4255-8209-B0E6CC8A4267}" type="datetimeFigureOut">
               <a:rPr lang="de-DE" smtClean="0"/>
-              <a:t>10.08.2023</a:t>
+              <a:t>21.08.2023</a:t>
             </a:fld>
             <a:endParaRPr lang="de-DE"/>
           </a:p>
@@ -866,7 +867,7 @@
           <a:p>
             <a:fld id="{1E68AC87-6ADD-4255-8209-B0E6CC8A4267}" type="datetimeFigureOut">
               <a:rPr lang="de-DE" smtClean="0"/>
-              <a:t>10.08.2023</a:t>
+              <a:t>21.08.2023</a:t>
             </a:fld>
             <a:endParaRPr lang="de-DE"/>
           </a:p>
@@ -1141,7 +1142,7 @@
           <a:p>
             <a:fld id="{1E68AC87-6ADD-4255-8209-B0E6CC8A4267}" type="datetimeFigureOut">
               <a:rPr lang="de-DE" smtClean="0"/>
-              <a:t>10.08.2023</a:t>
+              <a:t>21.08.2023</a:t>
             </a:fld>
             <a:endParaRPr lang="de-DE"/>
           </a:p>
@@ -1406,7 +1407,7 @@
           <a:p>
             <a:fld id="{1E68AC87-6ADD-4255-8209-B0E6CC8A4267}" type="datetimeFigureOut">
               <a:rPr lang="de-DE" smtClean="0"/>
-              <a:t>10.08.2023</a:t>
+              <a:t>21.08.2023</a:t>
             </a:fld>
             <a:endParaRPr lang="de-DE"/>
           </a:p>
@@ -1818,7 +1819,7 @@
           <a:p>
             <a:fld id="{1E68AC87-6ADD-4255-8209-B0E6CC8A4267}" type="datetimeFigureOut">
               <a:rPr lang="de-DE" smtClean="0"/>
-              <a:t>10.08.2023</a:t>
+              <a:t>21.08.2023</a:t>
             </a:fld>
             <a:endParaRPr lang="de-DE"/>
           </a:p>
@@ -1959,7 +1960,7 @@
           <a:p>
             <a:fld id="{1E68AC87-6ADD-4255-8209-B0E6CC8A4267}" type="datetimeFigureOut">
               <a:rPr lang="de-DE" smtClean="0"/>
-              <a:t>10.08.2023</a:t>
+              <a:t>21.08.2023</a:t>
             </a:fld>
             <a:endParaRPr lang="de-DE"/>
           </a:p>
@@ -2072,7 +2073,7 @@
           <a:p>
             <a:fld id="{1E68AC87-6ADD-4255-8209-B0E6CC8A4267}" type="datetimeFigureOut">
               <a:rPr lang="de-DE" smtClean="0"/>
-              <a:t>10.08.2023</a:t>
+              <a:t>21.08.2023</a:t>
             </a:fld>
             <a:endParaRPr lang="de-DE"/>
           </a:p>
@@ -2383,7 +2384,7 @@
           <a:p>
             <a:fld id="{1E68AC87-6ADD-4255-8209-B0E6CC8A4267}" type="datetimeFigureOut">
               <a:rPr lang="de-DE" smtClean="0"/>
-              <a:t>10.08.2023</a:t>
+              <a:t>21.08.2023</a:t>
             </a:fld>
             <a:endParaRPr lang="de-DE"/>
           </a:p>
@@ -2671,7 +2672,7 @@
           <a:p>
             <a:fld id="{1E68AC87-6ADD-4255-8209-B0E6CC8A4267}" type="datetimeFigureOut">
               <a:rPr lang="de-DE" smtClean="0"/>
-              <a:t>10.08.2023</a:t>
+              <a:t>21.08.2023</a:t>
             </a:fld>
             <a:endParaRPr lang="de-DE"/>
           </a:p>
@@ -2912,7 +2913,7 @@
           <a:p>
             <a:fld id="{1E68AC87-6ADD-4255-8209-B0E6CC8A4267}" type="datetimeFigureOut">
               <a:rPr lang="de-DE" smtClean="0"/>
-              <a:t>10.08.2023</a:t>
+              <a:t>21.08.2023</a:t>
             </a:fld>
             <a:endParaRPr lang="de-DE"/>
           </a:p>
@@ -3371,7 +3372,7 @@
             <a:pPr algn="ctr"/>
             <a:r>
               <a:rPr lang="en-US" dirty="0"/>
-              <a:t>search for relevant social media posts</a:t>
+              <a:t>Search for relevant social media posts</a:t>
             </a:r>
           </a:p>
         </p:txBody>
@@ -3418,7 +3419,7 @@
             <a:pPr algn="ctr"/>
             <a:r>
               <a:rPr lang="en-US" dirty="0"/>
-              <a:t>count the amount of social media posts over a given amount of time</a:t>
+              <a:t>Count the amount of social media posts over a given amount of time</a:t>
             </a:r>
           </a:p>
         </p:txBody>
@@ -3465,7 +3466,7 @@
             <a:pPr algn="ctr"/>
             <a:r>
               <a:rPr lang="en-US" dirty="0"/>
-              <a:t>filter the data plot</a:t>
+              <a:t>Filter the data plot</a:t>
             </a:r>
           </a:p>
         </p:txBody>
@@ -3514,7 +3515,7 @@
                 <a:pPr algn="ctr"/>
                 <a:r>
                   <a:rPr lang="en-US" dirty="0"/>
-                  <a:t>minimize</a:t>
+                  <a:t>Minimize</a:t>
                 </a:r>
               </a:p>
               <a:p>
@@ -3642,7 +3643,7 @@
               <a:blipFill>
                 <a:blip r:embed="rId2"/>
                 <a:stretch>
-                  <a:fillRect l="-862"/>
+                  <a:fillRect/>
                 </a:stretch>
               </a:blipFill>
             </p:spPr>
@@ -3703,7 +3704,7 @@
             <a:pPr algn="ctr"/>
             <a:r>
               <a:rPr lang="en-US" dirty="0"/>
-              <a:t>solve differential equations</a:t>
+              <a:t>Solve differential equations</a:t>
             </a:r>
           </a:p>
         </p:txBody>
@@ -3994,7 +3995,7 @@
             <a:pPr algn="ctr"/>
             <a:r>
               <a:rPr lang="en-US" dirty="0"/>
-              <a:t>search for relevant social media posts</a:t>
+              <a:t>Search for relevant social media posts</a:t>
             </a:r>
           </a:p>
         </p:txBody>
@@ -4041,7 +4042,7 @@
             <a:pPr algn="ctr"/>
             <a:r>
               <a:rPr lang="en-US" dirty="0"/>
-              <a:t>estimate system parameters</a:t>
+              <a:t>Estimate system parameters</a:t>
             </a:r>
           </a:p>
         </p:txBody>
@@ -4088,7 +4089,7 @@
             <a:pPr algn="ctr"/>
             <a:r>
               <a:rPr lang="en-US" dirty="0"/>
-              <a:t>run simulation</a:t>
+              <a:t>Run simulation</a:t>
             </a:r>
           </a:p>
         </p:txBody>
@@ -4524,8 +4525,8 @@
           </a:fontRef>
         </p:style>
       </p:cxnSp>
-      <mc:AlternateContent xmlns:mc="http://schemas.openxmlformats.org/markup-compatibility/2006">
-        <mc:Choice xmlns:a14="http://schemas.microsoft.com/office/drawing/2010/main" Requires="a14">
+      <mc:AlternateContent xmlns:mc="http://schemas.openxmlformats.org/markup-compatibility/2006" xmlns:a14="http://schemas.microsoft.com/office/drawing/2010/main">
+        <mc:Choice Requires="a14">
           <p:sp>
             <p:nvSpPr>
               <p:cNvPr id="27" name="Textfeld 26">
@@ -4554,6 +4555,7 @@
               </a:bodyPr>
               <a:lstStyle/>
               <a:p>
+                <a:pPr/>
                 <a14:m>
                   <m:oMathPara xmlns:m="http://schemas.openxmlformats.org/officeDocument/2006/math">
                     <m:oMathParaPr>
@@ -4593,7 +4595,7 @@
             </p:txBody>
           </p:sp>
         </mc:Choice>
-        <mc:Fallback>
+        <mc:Fallback xmlns="">
           <p:sp>
             <p:nvSpPr>
               <p:cNvPr id="27" name="Textfeld 26">
@@ -4638,8 +4640,8 @@
           </p:sp>
         </mc:Fallback>
       </mc:AlternateContent>
-      <mc:AlternateContent xmlns:mc="http://schemas.openxmlformats.org/markup-compatibility/2006">
-        <mc:Choice xmlns:a14="http://schemas.microsoft.com/office/drawing/2010/main" Requires="a14">
+      <mc:AlternateContent xmlns:mc="http://schemas.openxmlformats.org/markup-compatibility/2006" xmlns:a14="http://schemas.microsoft.com/office/drawing/2010/main">
+        <mc:Choice Requires="a14">
           <p:sp>
             <p:nvSpPr>
               <p:cNvPr id="29" name="Textfeld 28">
@@ -4668,6 +4670,7 @@
               </a:bodyPr>
               <a:lstStyle/>
               <a:p>
+                <a:pPr/>
                 <a14:m>
                   <m:oMathPara xmlns:m="http://schemas.openxmlformats.org/officeDocument/2006/math">
                     <m:oMathParaPr>
@@ -4707,7 +4710,7 @@
             </p:txBody>
           </p:sp>
         </mc:Choice>
-        <mc:Fallback>
+        <mc:Fallback xmlns="">
           <p:sp>
             <p:nvSpPr>
               <p:cNvPr id="29" name="Textfeld 28">
@@ -4876,8 +4879,8 @@
           </a:fontRef>
         </p:style>
       </p:cxnSp>
-      <mc:AlternateContent xmlns:mc="http://schemas.openxmlformats.org/markup-compatibility/2006">
-        <mc:Choice xmlns:a14="http://schemas.microsoft.com/office/drawing/2010/main" Requires="a14">
+      <mc:AlternateContent xmlns:mc="http://schemas.openxmlformats.org/markup-compatibility/2006" xmlns:a14="http://schemas.microsoft.com/office/drawing/2010/main">
+        <mc:Choice Requires="a14">
           <p:sp>
             <p:nvSpPr>
               <p:cNvPr id="39" name="Textfeld 38">
@@ -4906,6 +4909,7 @@
               </a:bodyPr>
               <a:lstStyle/>
               <a:p>
+                <a:pPr/>
                 <a14:m>
                   <m:oMathPara xmlns:m="http://schemas.openxmlformats.org/officeDocument/2006/math">
                     <m:oMathParaPr>
@@ -4945,7 +4949,7 @@
             </p:txBody>
           </p:sp>
         </mc:Choice>
-        <mc:Fallback>
+        <mc:Fallback xmlns="">
           <p:sp>
             <p:nvSpPr>
               <p:cNvPr id="39" name="Textfeld 38">
@@ -5035,8 +5039,8 @@
           </a:fontRef>
         </p:style>
       </p:cxnSp>
-      <mc:AlternateContent xmlns:mc="http://schemas.openxmlformats.org/markup-compatibility/2006">
-        <mc:Choice xmlns:a14="http://schemas.microsoft.com/office/drawing/2010/main" Requires="a14">
+      <mc:AlternateContent xmlns:mc="http://schemas.openxmlformats.org/markup-compatibility/2006" xmlns:a14="http://schemas.microsoft.com/office/drawing/2010/main">
+        <mc:Choice Requires="a14">
           <p:sp>
             <p:nvSpPr>
               <p:cNvPr id="42" name="Textfeld 41">
@@ -5065,6 +5069,7 @@
               </a:bodyPr>
               <a:lstStyle/>
               <a:p>
+                <a:pPr/>
                 <a14:m>
                   <m:oMathPara xmlns:m="http://schemas.openxmlformats.org/officeDocument/2006/math">
                     <m:oMathParaPr>
@@ -5104,7 +5109,7 @@
             </p:txBody>
           </p:sp>
         </mc:Choice>
-        <mc:Fallback>
+        <mc:Fallback xmlns="">
           <p:sp>
             <p:nvSpPr>
               <p:cNvPr id="42" name="Textfeld 41">
@@ -5149,8 +5154,8 @@
           </p:sp>
         </mc:Fallback>
       </mc:AlternateContent>
-      <mc:AlternateContent xmlns:mc="http://schemas.openxmlformats.org/markup-compatibility/2006">
-        <mc:Choice xmlns:a14="http://schemas.microsoft.com/office/drawing/2010/main" Requires="a14">
+      <mc:AlternateContent xmlns:mc="http://schemas.openxmlformats.org/markup-compatibility/2006" xmlns:a14="http://schemas.microsoft.com/office/drawing/2010/main">
+        <mc:Choice Requires="a14">
           <p:sp>
             <p:nvSpPr>
               <p:cNvPr id="43" name="Textfeld 42">
@@ -5179,6 +5184,7 @@
               </a:bodyPr>
               <a:lstStyle/>
               <a:p>
+                <a:pPr/>
                 <a14:m>
                   <m:oMathPara xmlns:m="http://schemas.openxmlformats.org/officeDocument/2006/math">
                     <m:oMathParaPr>
@@ -5224,7 +5230,7 @@
             </p:txBody>
           </p:sp>
         </mc:Choice>
-        <mc:Fallback>
+        <mc:Fallback xmlns="">
           <p:sp>
             <p:nvSpPr>
               <p:cNvPr id="43" name="Textfeld 42">
@@ -5359,8 +5365,8 @@
           </a:fontRef>
         </p:style>
       </p:cxnSp>
-      <mc:AlternateContent xmlns:mc="http://schemas.openxmlformats.org/markup-compatibility/2006">
-        <mc:Choice xmlns:a14="http://schemas.microsoft.com/office/drawing/2010/main" Requires="a14">
+      <mc:AlternateContent xmlns:mc="http://schemas.openxmlformats.org/markup-compatibility/2006" xmlns:a14="http://schemas.microsoft.com/office/drawing/2010/main">
+        <mc:Choice Requires="a14">
           <p:sp>
             <p:nvSpPr>
               <p:cNvPr id="50" name="Textfeld 49">
@@ -5389,6 +5395,7 @@
               </a:bodyPr>
               <a:lstStyle/>
               <a:p>
+                <a:pPr/>
                 <a14:m>
                   <m:oMathPara xmlns:m="http://schemas.openxmlformats.org/officeDocument/2006/math">
                     <m:oMathParaPr>
@@ -5465,7 +5472,7 @@
             </p:txBody>
           </p:sp>
         </mc:Choice>
-        <mc:Fallback>
+        <mc:Fallback xmlns="">
           <p:sp>
             <p:nvSpPr>
               <p:cNvPr id="50" name="Textfeld 49">
@@ -5510,8 +5517,8 @@
           </p:sp>
         </mc:Fallback>
       </mc:AlternateContent>
-      <mc:AlternateContent xmlns:mc="http://schemas.openxmlformats.org/markup-compatibility/2006">
-        <mc:Choice xmlns:a14="http://schemas.microsoft.com/office/drawing/2010/main" Requires="a14">
+      <mc:AlternateContent xmlns:mc="http://schemas.openxmlformats.org/markup-compatibility/2006" xmlns:a14="http://schemas.microsoft.com/office/drawing/2010/main">
+        <mc:Choice Requires="a14">
           <p:sp>
             <p:nvSpPr>
               <p:cNvPr id="51" name="Textfeld 50">
@@ -5540,6 +5547,7 @@
               </a:bodyPr>
               <a:lstStyle/>
               <a:p>
+                <a:pPr/>
                 <a14:m>
                   <m:oMathPara xmlns:m="http://schemas.openxmlformats.org/officeDocument/2006/math">
                     <m:oMathParaPr>
@@ -5616,7 +5624,7 @@
             </p:txBody>
           </p:sp>
         </mc:Choice>
-        <mc:Fallback>
+        <mc:Fallback xmlns="">
           <p:sp>
             <p:nvSpPr>
               <p:cNvPr id="51" name="Textfeld 50">
@@ -5873,8 +5881,8 @@
           </a:fontRef>
         </p:style>
       </p:cxnSp>
-      <mc:AlternateContent xmlns:mc="http://schemas.openxmlformats.org/markup-compatibility/2006">
-        <mc:Choice xmlns:a14="http://schemas.microsoft.com/office/drawing/2010/main" Requires="a14">
+      <mc:AlternateContent xmlns:mc="http://schemas.openxmlformats.org/markup-compatibility/2006" xmlns:a14="http://schemas.microsoft.com/office/drawing/2010/main">
+        <mc:Choice Requires="a14">
           <p:sp>
             <p:nvSpPr>
               <p:cNvPr id="40" name="Textfeld 39">
@@ -5903,6 +5911,7 @@
               </a:bodyPr>
               <a:lstStyle/>
               <a:p>
+                <a:pPr/>
                 <a14:m>
                   <m:oMathPara xmlns:m="http://schemas.openxmlformats.org/officeDocument/2006/math">
                     <m:oMathParaPr>
@@ -5942,7 +5951,7 @@
             </p:txBody>
           </p:sp>
         </mc:Choice>
-        <mc:Fallback>
+        <mc:Fallback xmlns="">
           <p:sp>
             <p:nvSpPr>
               <p:cNvPr id="40" name="Textfeld 39">
@@ -6070,8 +6079,8 @@
           </a:fontRef>
         </p:style>
       </p:cxnSp>
-      <mc:AlternateContent xmlns:mc="http://schemas.openxmlformats.org/markup-compatibility/2006">
-        <mc:Choice xmlns:a14="http://schemas.microsoft.com/office/drawing/2010/main" Requires="a14">
+      <mc:AlternateContent xmlns:mc="http://schemas.openxmlformats.org/markup-compatibility/2006" xmlns:a14="http://schemas.microsoft.com/office/drawing/2010/main">
+        <mc:Choice Requires="a14">
           <p:sp>
             <p:nvSpPr>
               <p:cNvPr id="52" name="Textfeld 51">
@@ -6100,6 +6109,7 @@
               </a:bodyPr>
               <a:lstStyle/>
               <a:p>
+                <a:pPr/>
                 <a14:m>
                   <m:oMathPara xmlns:m="http://schemas.openxmlformats.org/officeDocument/2006/math">
                     <m:oMathParaPr>
@@ -6139,7 +6149,7 @@
             </p:txBody>
           </p:sp>
         </mc:Choice>
-        <mc:Fallback>
+        <mc:Fallback xmlns="">
           <p:sp>
             <p:nvSpPr>
               <p:cNvPr id="52" name="Textfeld 51">
@@ -6229,8 +6239,8 @@
           </a:fontRef>
         </p:style>
       </p:cxnSp>
-      <mc:AlternateContent xmlns:mc="http://schemas.openxmlformats.org/markup-compatibility/2006">
-        <mc:Choice xmlns:a14="http://schemas.microsoft.com/office/drawing/2010/main" Requires="a14">
+      <mc:AlternateContent xmlns:mc="http://schemas.openxmlformats.org/markup-compatibility/2006" xmlns:a14="http://schemas.microsoft.com/office/drawing/2010/main">
+        <mc:Choice Requires="a14">
           <p:sp>
             <p:nvSpPr>
               <p:cNvPr id="54" name="Textfeld 53">
@@ -6259,6 +6269,7 @@
               </a:bodyPr>
               <a:lstStyle/>
               <a:p>
+                <a:pPr/>
                 <a14:m>
                   <m:oMathPara xmlns:m="http://schemas.openxmlformats.org/officeDocument/2006/math">
                     <m:oMathParaPr>
@@ -6298,7 +6309,7 @@
             </p:txBody>
           </p:sp>
         </mc:Choice>
-        <mc:Fallback>
+        <mc:Fallback xmlns="">
           <p:sp>
             <p:nvSpPr>
               <p:cNvPr id="54" name="Textfeld 53">
@@ -6343,8 +6354,8 @@
           </p:sp>
         </mc:Fallback>
       </mc:AlternateContent>
-      <mc:AlternateContent xmlns:mc="http://schemas.openxmlformats.org/markup-compatibility/2006">
-        <mc:Choice xmlns:a14="http://schemas.microsoft.com/office/drawing/2010/main" Requires="a14">
+      <mc:AlternateContent xmlns:mc="http://schemas.openxmlformats.org/markup-compatibility/2006" xmlns:a14="http://schemas.microsoft.com/office/drawing/2010/main">
+        <mc:Choice Requires="a14">
           <p:sp>
             <p:nvSpPr>
               <p:cNvPr id="55" name="Textfeld 54">
@@ -6373,6 +6384,7 @@
               </a:bodyPr>
               <a:lstStyle/>
               <a:p>
+                <a:pPr/>
                 <a14:m>
                   <m:oMathPara xmlns:m="http://schemas.openxmlformats.org/officeDocument/2006/math">
                     <m:oMathParaPr>
@@ -6393,7 +6405,7 @@
             </p:txBody>
           </p:sp>
         </mc:Choice>
-        <mc:Fallback>
+        <mc:Fallback xmlns="">
           <p:sp>
             <p:nvSpPr>
               <p:cNvPr id="55" name="Textfeld 54">
@@ -6528,8 +6540,8 @@
           </a:fontRef>
         </p:style>
       </p:cxnSp>
-      <mc:AlternateContent xmlns:mc="http://schemas.openxmlformats.org/markup-compatibility/2006">
-        <mc:Choice xmlns:a14="http://schemas.microsoft.com/office/drawing/2010/main" Requires="a14">
+      <mc:AlternateContent xmlns:mc="http://schemas.openxmlformats.org/markup-compatibility/2006" xmlns:a14="http://schemas.microsoft.com/office/drawing/2010/main">
+        <mc:Choice Requires="a14">
           <p:sp>
             <p:nvSpPr>
               <p:cNvPr id="58" name="Textfeld 57">
@@ -6558,6 +6570,7 @@
               </a:bodyPr>
               <a:lstStyle/>
               <a:p>
+                <a:pPr/>
                 <a14:m>
                   <m:oMathPara xmlns:m="http://schemas.openxmlformats.org/officeDocument/2006/math">
                     <m:oMathParaPr>
@@ -6634,7 +6647,7 @@
             </p:txBody>
           </p:sp>
         </mc:Choice>
-        <mc:Fallback>
+        <mc:Fallback xmlns="">
           <p:sp>
             <p:nvSpPr>
               <p:cNvPr id="58" name="Textfeld 57">
@@ -6679,8 +6692,8 @@
           </p:sp>
         </mc:Fallback>
       </mc:AlternateContent>
-      <mc:AlternateContent xmlns:mc="http://schemas.openxmlformats.org/markup-compatibility/2006">
-        <mc:Choice xmlns:a14="http://schemas.microsoft.com/office/drawing/2010/main" Requires="a14">
+      <mc:AlternateContent xmlns:mc="http://schemas.openxmlformats.org/markup-compatibility/2006" xmlns:a14="http://schemas.microsoft.com/office/drawing/2010/main">
+        <mc:Choice Requires="a14">
           <p:sp>
             <p:nvSpPr>
               <p:cNvPr id="59" name="Textfeld 58">
@@ -6709,6 +6722,7 @@
               </a:bodyPr>
               <a:lstStyle/>
               <a:p>
+                <a:pPr/>
                 <a14:m>
                   <m:oMathPara xmlns:m="http://schemas.openxmlformats.org/officeDocument/2006/math">
                     <m:oMathParaPr>
@@ -6754,7 +6768,7 @@
             </p:txBody>
           </p:sp>
         </mc:Choice>
-        <mc:Fallback>
+        <mc:Fallback xmlns="">
           <p:sp>
             <p:nvSpPr>
               <p:cNvPr id="59" name="Textfeld 58">
@@ -6803,6 +6817,869 @@
     <p:extLst>
       <p:ext uri="{BB962C8B-B14F-4D97-AF65-F5344CB8AC3E}">
         <p14:creationId xmlns:p14="http://schemas.microsoft.com/office/powerpoint/2010/main" val="3952970300"/>
+      </p:ext>
+    </p:extLst>
+  </p:cSld>
+  <p:clrMapOvr>
+    <a:masterClrMapping/>
+  </p:clrMapOvr>
+</p:sld>
+</file>
+
+<file path=ppt/slides/slide5.xml><?xml version="1.0" encoding="utf-8"?>
+<p:sld xmlns:a="http://schemas.openxmlformats.org/drawingml/2006/main" xmlns:r="http://schemas.openxmlformats.org/officeDocument/2006/relationships" xmlns:p="http://schemas.openxmlformats.org/presentationml/2006/main">
+  <p:cSld>
+    <p:spTree>
+      <p:nvGrpSpPr>
+        <p:cNvPr id="1" name=""/>
+        <p:cNvGrpSpPr/>
+        <p:nvPr/>
+      </p:nvGrpSpPr>
+      <p:grpSpPr>
+        <a:xfrm>
+          <a:off x="0" y="0"/>
+          <a:ext cx="0" cy="0"/>
+          <a:chOff x="0" y="0"/>
+          <a:chExt cx="0" cy="0"/>
+        </a:xfrm>
+      </p:grpSpPr>
+      <p:sp>
+        <p:nvSpPr>
+          <p:cNvPr id="4" name="Rechteck: abgerundete Ecken 3">
+            <a:extLst>
+              <a:ext uri="{FF2B5EF4-FFF2-40B4-BE49-F238E27FC236}">
+                <a16:creationId xmlns:a16="http://schemas.microsoft.com/office/drawing/2014/main" id="{9126F907-4B56-607F-4E1D-EC878DE6AEB0}"/>
+              </a:ext>
+            </a:extLst>
+          </p:cNvPr>
+          <p:cNvSpPr/>
+          <p:nvPr/>
+        </p:nvSpPr>
+        <p:spPr>
+          <a:xfrm>
+            <a:off x="212272" y="1338353"/>
+            <a:ext cx="2108718" cy="4134639"/>
+          </a:xfrm>
+          <a:prstGeom prst="roundRect">
+            <a:avLst/>
+          </a:prstGeom>
+        </p:spPr>
+        <p:style>
+          <a:lnRef idx="2">
+            <a:schemeClr val="dk1"/>
+          </a:lnRef>
+          <a:fillRef idx="1">
+            <a:schemeClr val="lt1"/>
+          </a:fillRef>
+          <a:effectRef idx="0">
+            <a:schemeClr val="dk1"/>
+          </a:effectRef>
+          <a:fontRef idx="minor">
+            <a:schemeClr val="dk1"/>
+          </a:fontRef>
+        </p:style>
+        <p:txBody>
+          <a:bodyPr rtlCol="0" anchor="ctr"/>
+          <a:lstStyle/>
+          <a:p>
+            <a:pPr algn="ctr"/>
+            <a:r>
+              <a:rPr lang="en-US" dirty="0"/>
+              <a:t>Input:</a:t>
+            </a:r>
+          </a:p>
+          <a:p>
+            <a:pPr algn="ctr"/>
+            <a:endParaRPr lang="en-US" dirty="0"/>
+          </a:p>
+          <a:p>
+            <a:pPr algn="ctr"/>
+            <a:endParaRPr lang="en-US" dirty="0"/>
+          </a:p>
+          <a:p>
+            <a:pPr algn="ctr"/>
+            <a:endParaRPr lang="en-US" dirty="0"/>
+          </a:p>
+          <a:p>
+            <a:pPr algn="ctr"/>
+            <a:endParaRPr lang="en-US" dirty="0"/>
+          </a:p>
+          <a:p>
+            <a:pPr algn="ctr"/>
+            <a:endParaRPr lang="en-US" dirty="0"/>
+          </a:p>
+          <a:p>
+            <a:pPr algn="ctr"/>
+            <a:endParaRPr lang="en-US" dirty="0"/>
+          </a:p>
+          <a:p>
+            <a:pPr algn="ctr"/>
+            <a:endParaRPr lang="en-US" dirty="0"/>
+          </a:p>
+          <a:p>
+            <a:pPr algn="ctr"/>
+            <a:endParaRPr lang="en-US" dirty="0"/>
+          </a:p>
+          <a:p>
+            <a:pPr algn="ctr"/>
+            <a:endParaRPr lang="en-US" dirty="0"/>
+          </a:p>
+          <a:p>
+            <a:pPr algn="ctr"/>
+            <a:endParaRPr lang="en-US" dirty="0"/>
+          </a:p>
+          <a:p>
+            <a:pPr algn="ctr"/>
+            <a:endParaRPr lang="en-US" dirty="0"/>
+          </a:p>
+          <a:p>
+            <a:pPr algn="ctr"/>
+            <a:endParaRPr lang="en-US" dirty="0"/>
+          </a:p>
+          <a:p>
+            <a:pPr algn="ctr"/>
+            <a:endParaRPr lang="en-US" dirty="0"/>
+          </a:p>
+        </p:txBody>
+      </p:sp>
+      <mc:AlternateContent xmlns:mc="http://schemas.openxmlformats.org/markup-compatibility/2006">
+        <mc:Choice xmlns:a14="http://schemas.microsoft.com/office/drawing/2010/main" Requires="a14">
+          <p:sp>
+            <p:nvSpPr>
+              <p:cNvPr id="5" name="Rechteck: abgerundete Ecken 4">
+                <a:extLst>
+                  <a:ext uri="{FF2B5EF4-FFF2-40B4-BE49-F238E27FC236}">
+                    <a16:creationId xmlns:a16="http://schemas.microsoft.com/office/drawing/2014/main" id="{7578C3A9-59A2-1568-E5E3-55796468011A}"/>
+                  </a:ext>
+                </a:extLst>
+              </p:cNvPr>
+              <p:cNvSpPr/>
+              <p:nvPr/>
+            </p:nvSpPr>
+            <p:spPr>
+              <a:xfrm>
+                <a:off x="2597022" y="1338353"/>
+                <a:ext cx="5595256" cy="4134639"/>
+              </a:xfrm>
+              <a:prstGeom prst="roundRect">
+                <a:avLst/>
+              </a:prstGeom>
+            </p:spPr>
+            <p:style>
+              <a:lnRef idx="2">
+                <a:schemeClr val="dk1"/>
+              </a:lnRef>
+              <a:fillRef idx="1">
+                <a:schemeClr val="lt1"/>
+              </a:fillRef>
+              <a:effectRef idx="0">
+                <a:schemeClr val="dk1"/>
+              </a:effectRef>
+              <a:fontRef idx="minor">
+                <a:schemeClr val="dk1"/>
+              </a:fontRef>
+            </p:style>
+            <p:txBody>
+              <a:bodyPr rtlCol="0" anchor="ctr"/>
+              <a:lstStyle/>
+              <a:p>
+                <a:pPr algn="ctr"/>
+                <a:r>
+                  <a:rPr lang="en-US" dirty="0"/>
+                  <a:t>Simulation steps:</a:t>
+                </a:r>
+              </a:p>
+              <a:p>
+                <a:pPr algn="ctr"/>
+                <a:endParaRPr lang="en-US" dirty="0"/>
+              </a:p>
+              <a:p>
+                <a:pPr marL="342900" indent="-342900">
+                  <a:buFont typeface="+mj-lt"/>
+                  <a:buAutoNum type="arabicPeriod"/>
+                </a:pPr>
+                <a:r>
+                  <a:rPr lang="en-US" dirty="0"/>
+                  <a:t>Initialize the network graph with one node as a source of information</a:t>
+                </a:r>
+              </a:p>
+              <a:p>
+                <a:pPr marL="342900" indent="-342900">
+                  <a:buFont typeface="+mj-lt"/>
+                  <a:buAutoNum type="arabicPeriod"/>
+                </a:pPr>
+                <a:r>
+                  <a:rPr lang="en-US" dirty="0"/>
+                  <a:t>For each iteration step </a:t>
+                </a:r>
+                <a14:m>
+                  <m:oMath xmlns:m="http://schemas.openxmlformats.org/officeDocument/2006/math">
+                    <m:sSub>
+                      <m:sSubPr>
+                        <m:ctrlPr>
+                          <a:rPr lang="en-US" i="1" smtClean="0">
+                            <a:latin typeface="Cambria Math" panose="02040503050406030204" pitchFamily="18" charset="0"/>
+                          </a:rPr>
+                        </m:ctrlPr>
+                      </m:sSubPr>
+                      <m:e>
+                        <m:r>
+                          <a:rPr lang="de-DE" b="0" i="1" smtClean="0">
+                            <a:latin typeface="Cambria Math" panose="02040503050406030204" pitchFamily="18" charset="0"/>
+                          </a:rPr>
+                          <m:t>𝑡</m:t>
+                        </m:r>
+                      </m:e>
+                      <m:sub>
+                        <m:r>
+                          <a:rPr lang="de-DE" b="0" i="1" smtClean="0">
+                            <a:latin typeface="Cambria Math" panose="02040503050406030204" pitchFamily="18" charset="0"/>
+                          </a:rPr>
+                          <m:t>𝑖</m:t>
+                        </m:r>
+                      </m:sub>
+                    </m:sSub>
+                  </m:oMath>
+                </a14:m>
+                <a:r>
+                  <a:rPr lang="en-US" dirty="0"/>
+                  <a:t>:</a:t>
+                </a:r>
+              </a:p>
+              <a:p>
+                <a:pPr marL="800100" lvl="1" indent="-342900">
+                  <a:buFont typeface="+mj-lt"/>
+                  <a:buAutoNum type="alphaLcPeriod"/>
+                </a:pPr>
+                <a:r>
+                  <a:rPr lang="en-US" sz="1600" dirty="0"/>
+                  <a:t>Calculate the power consumption as the sum of the power consumption of all nodes, where each node </a:t>
+                </a:r>
+                <a14:m>
+                  <m:oMath xmlns:m="http://schemas.openxmlformats.org/officeDocument/2006/math">
+                    <m:r>
+                      <a:rPr lang="de-DE" sz="1600" b="0" i="1" smtClean="0">
+                        <a:latin typeface="Cambria Math" panose="02040503050406030204" pitchFamily="18" charset="0"/>
+                      </a:rPr>
+                      <m:t>𝑛</m:t>
+                    </m:r>
+                  </m:oMath>
+                </a14:m>
+                <a:r>
+                  <a:rPr lang="en-US" sz="1600" dirty="0"/>
+                  <a:t> consumes power given the equation </a:t>
+                </a:r>
+                <a14:m>
+                  <m:oMath xmlns:m="http://schemas.openxmlformats.org/officeDocument/2006/math">
+                    <m:sSub>
+                      <m:sSubPr>
+                        <m:ctrlPr>
+                          <a:rPr lang="en-US" sz="1600" i="1" smtClean="0">
+                            <a:latin typeface="Cambria Math" panose="02040503050406030204" pitchFamily="18" charset="0"/>
+                          </a:rPr>
+                        </m:ctrlPr>
+                      </m:sSubPr>
+                      <m:e>
+                        <m:r>
+                          <a:rPr lang="de-DE" sz="1600" b="0" i="1" smtClean="0">
+                            <a:latin typeface="Cambria Math" panose="02040503050406030204" pitchFamily="18" charset="0"/>
+                          </a:rPr>
+                          <m:t>𝑝𝑜𝑤𝑒𝑟</m:t>
+                        </m:r>
+                      </m:e>
+                      <m:sub>
+                        <m:r>
+                          <a:rPr lang="de-DE" sz="1600" b="0" i="1" smtClean="0">
+                            <a:latin typeface="Cambria Math" panose="02040503050406030204" pitchFamily="18" charset="0"/>
+                          </a:rPr>
+                          <m:t>𝑛</m:t>
+                        </m:r>
+                      </m:sub>
+                    </m:sSub>
+                    <m:r>
+                      <a:rPr lang="de-DE" sz="1600" b="0" i="1" smtClean="0">
+                        <a:latin typeface="Cambria Math" panose="02040503050406030204" pitchFamily="18" charset="0"/>
+                      </a:rPr>
+                      <m:t>=</m:t>
+                    </m:r>
+                    <m:r>
+                      <a:rPr lang="de-DE" sz="1600" b="0" i="1" smtClean="0">
+                        <a:latin typeface="Cambria Math" panose="02040503050406030204" pitchFamily="18" charset="0"/>
+                      </a:rPr>
+                      <m:t>𝑎</m:t>
+                    </m:r>
+                    <m:r>
+                      <a:rPr lang="de-DE" sz="1600" b="0" i="1" smtClean="0">
+                        <a:latin typeface="Cambria Math" panose="02040503050406030204" pitchFamily="18" charset="0"/>
+                        <a:ea typeface="Cambria Math" panose="02040503050406030204" pitchFamily="18" charset="0"/>
+                      </a:rPr>
+                      <m:t>∙</m:t>
+                    </m:r>
+                    <m:sSub>
+                      <m:sSubPr>
+                        <m:ctrlPr>
+                          <a:rPr lang="de-DE" sz="1600" b="0" i="1" smtClean="0">
+                            <a:latin typeface="Cambria Math" panose="02040503050406030204" pitchFamily="18" charset="0"/>
+                            <a:ea typeface="Cambria Math" panose="02040503050406030204" pitchFamily="18" charset="0"/>
+                          </a:rPr>
+                        </m:ctrlPr>
+                      </m:sSubPr>
+                      <m:e>
+                        <m:r>
+                          <a:rPr lang="de-DE" sz="1600" b="0" i="1" smtClean="0">
+                            <a:latin typeface="Cambria Math" panose="02040503050406030204" pitchFamily="18" charset="0"/>
+                            <a:ea typeface="Cambria Math" panose="02040503050406030204" pitchFamily="18" charset="0"/>
+                          </a:rPr>
+                          <m:t>𝑝𝑜𝑤𝑒𝑟</m:t>
+                        </m:r>
+                      </m:e>
+                      <m:sub>
+                        <m:r>
+                          <a:rPr lang="de-DE" sz="1600" b="0" i="1" smtClean="0">
+                            <a:latin typeface="Cambria Math" panose="02040503050406030204" pitchFamily="18" charset="0"/>
+                            <a:ea typeface="Cambria Math" panose="02040503050406030204" pitchFamily="18" charset="0"/>
+                          </a:rPr>
+                          <m:t>𝑟𝑒𝑓</m:t>
+                        </m:r>
+                      </m:sub>
+                    </m:sSub>
+                    <m:r>
+                      <a:rPr lang="de-DE" sz="1600" b="0" i="1" smtClean="0">
+                        <a:latin typeface="Cambria Math" panose="02040503050406030204" pitchFamily="18" charset="0"/>
+                        <a:ea typeface="Cambria Math" panose="02040503050406030204" pitchFamily="18" charset="0"/>
+                      </a:rPr>
+                      <m:t>+</m:t>
+                    </m:r>
+                    <m:r>
+                      <a:rPr lang="de-DE" sz="1600" b="0" i="1" smtClean="0">
+                        <a:latin typeface="Cambria Math" panose="02040503050406030204" pitchFamily="18" charset="0"/>
+                        <a:ea typeface="Cambria Math" panose="02040503050406030204" pitchFamily="18" charset="0"/>
+                      </a:rPr>
+                      <m:t>𝑜𝑓𝑓𝑠𝑒𝑡</m:t>
+                    </m:r>
+                  </m:oMath>
+                </a14:m>
+                <a:r>
+                  <a:rPr lang="en-US" sz="1600" dirty="0"/>
+                  <a:t>, where </a:t>
+                </a:r>
+                <a14:m>
+                  <m:oMath xmlns:m="http://schemas.openxmlformats.org/officeDocument/2006/math">
+                    <m:r>
+                      <a:rPr lang="de-DE" sz="1600" b="0" i="1" smtClean="0">
+                        <a:latin typeface="Cambria Math" panose="02040503050406030204" pitchFamily="18" charset="0"/>
+                      </a:rPr>
+                      <m:t>𝑎</m:t>
+                    </m:r>
+                  </m:oMath>
+                </a14:m>
+                <a:r>
+                  <a:rPr lang="en-US" sz="1600" dirty="0"/>
+                  <a:t> is the constant overconsumption factor and </a:t>
+                </a:r>
+                <a14:m>
+                  <m:oMath xmlns:m="http://schemas.openxmlformats.org/officeDocument/2006/math">
+                    <m:r>
+                      <a:rPr lang="de-DE" sz="1600" b="0" i="1" smtClean="0">
+                        <a:latin typeface="Cambria Math" panose="02040503050406030204" pitchFamily="18" charset="0"/>
+                      </a:rPr>
+                      <m:t>𝑜𝑓𝑓𝑠𝑒𝑡</m:t>
+                    </m:r>
+                  </m:oMath>
+                </a14:m>
+                <a:r>
+                  <a:rPr lang="en-US" sz="1600" dirty="0"/>
+                  <a:t> is the excess power demand by the usage of the appliances defined in the JSON file</a:t>
+                </a:r>
+              </a:p>
+              <a:p>
+                <a:pPr marL="800100" lvl="1" indent="-342900">
+                  <a:buFont typeface="+mj-lt"/>
+                  <a:buAutoNum type="alphaLcPeriod"/>
+                </a:pPr>
+                <a:r>
+                  <a:rPr lang="en-US" sz="1600" dirty="0"/>
+                  <a:t>Calculate the next step of the information propagation process</a:t>
+                </a:r>
+                <a:endParaRPr lang="en-US" dirty="0"/>
+              </a:p>
+              <a:p>
+                <a:pPr algn="ctr"/>
+                <a:endParaRPr lang="en-US" dirty="0"/>
+              </a:p>
+              <a:p>
+                <a:pPr algn="ctr"/>
+                <a:endParaRPr lang="en-US" dirty="0"/>
+              </a:p>
+            </p:txBody>
+          </p:sp>
+        </mc:Choice>
+        <mc:Fallback>
+          <p:sp>
+            <p:nvSpPr>
+              <p:cNvPr id="5" name="Rechteck: abgerundete Ecken 4">
+                <a:extLst>
+                  <a:ext uri="{FF2B5EF4-FFF2-40B4-BE49-F238E27FC236}">
+                    <a16:creationId xmlns:a16="http://schemas.microsoft.com/office/drawing/2014/main" id="{7578C3A9-59A2-1568-E5E3-55796468011A}"/>
+                  </a:ext>
+                </a:extLst>
+              </p:cNvPr>
+              <p:cNvSpPr>
+                <a:spLocks noRot="1" noChangeAspect="1" noMove="1" noResize="1" noEditPoints="1" noAdjustHandles="1" noChangeArrowheads="1" noChangeShapeType="1" noTextEdit="1"/>
+              </p:cNvSpPr>
+              <p:nvPr/>
+            </p:nvSpPr>
+            <p:spPr>
+              <a:xfrm>
+                <a:off x="2597022" y="1338353"/>
+                <a:ext cx="5595256" cy="4134639"/>
+              </a:xfrm>
+              <a:prstGeom prst="roundRect">
+                <a:avLst/>
+              </a:prstGeom>
+              <a:blipFill>
+                <a:blip r:embed="rId2"/>
+                <a:stretch>
+                  <a:fillRect t="-1765"/>
+                </a:stretch>
+              </a:blipFill>
+            </p:spPr>
+            <p:txBody>
+              <a:bodyPr/>
+              <a:lstStyle/>
+              <a:p>
+                <a:r>
+                  <a:rPr lang="de-DE">
+                    <a:noFill/>
+                  </a:rPr>
+                  <a:t> </a:t>
+                </a:r>
+              </a:p>
+            </p:txBody>
+          </p:sp>
+        </mc:Fallback>
+      </mc:AlternateContent>
+      <p:cxnSp>
+        <p:nvCxnSpPr>
+          <p:cNvPr id="10" name="Gerade Verbindung mit Pfeil 9">
+            <a:extLst>
+              <a:ext uri="{FF2B5EF4-FFF2-40B4-BE49-F238E27FC236}">
+                <a16:creationId xmlns:a16="http://schemas.microsoft.com/office/drawing/2014/main" id="{146B2A59-696E-03E1-3386-0B2AF06D3AB4}"/>
+              </a:ext>
+            </a:extLst>
+          </p:cNvPr>
+          <p:cNvCxnSpPr>
+            <a:cxnSpLocks/>
+            <a:stCxn id="4" idx="3"/>
+            <a:endCxn id="5" idx="1"/>
+          </p:cNvCxnSpPr>
+          <p:nvPr/>
+        </p:nvCxnSpPr>
+        <p:spPr>
+          <a:xfrm>
+            <a:off x="2320990" y="3405673"/>
+            <a:ext cx="276032" cy="0"/>
+          </a:xfrm>
+          <a:prstGeom prst="straightConnector1">
+            <a:avLst/>
+          </a:prstGeom>
+          <a:ln>
+            <a:tailEnd type="triangle"/>
+          </a:ln>
+        </p:spPr>
+        <p:style>
+          <a:lnRef idx="1">
+            <a:schemeClr val="dk1"/>
+          </a:lnRef>
+          <a:fillRef idx="0">
+            <a:schemeClr val="dk1"/>
+          </a:fillRef>
+          <a:effectRef idx="0">
+            <a:schemeClr val="dk1"/>
+          </a:effectRef>
+          <a:fontRef idx="minor">
+            <a:schemeClr val="tx1"/>
+          </a:fontRef>
+        </p:style>
+      </p:cxnSp>
+      <p:pic>
+        <p:nvPicPr>
+          <p:cNvPr id="20" name="Grafik 19" descr="Ein Bild, das Mond, Dunkelheit, Schwarz, Natur enthält.&#10;&#10;Automatisch generierte Beschreibung">
+            <a:extLst>
+              <a:ext uri="{FF2B5EF4-FFF2-40B4-BE49-F238E27FC236}">
+                <a16:creationId xmlns:a16="http://schemas.microsoft.com/office/drawing/2014/main" id="{293B21F1-7199-DE47-E6B2-E0BFA934B602}"/>
+              </a:ext>
+            </a:extLst>
+          </p:cNvPr>
+          <p:cNvPicPr>
+            <a:picLocks noChangeAspect="1"/>
+          </p:cNvPicPr>
+          <p:nvPr/>
+        </p:nvPicPr>
+        <p:blipFill rotWithShape="1">
+          <a:blip r:embed="rId3">
+            <a:extLst>
+              <a:ext uri="{28A0092B-C50C-407E-A947-70E740481C1C}">
+                <a14:useLocalDpi xmlns:a14="http://schemas.microsoft.com/office/drawing/2010/main" val="0"/>
+              </a:ext>
+            </a:extLst>
+          </a:blip>
+          <a:srcRect l="40561" r="30510"/>
+          <a:stretch/>
+        </p:blipFill>
+        <p:spPr>
+          <a:xfrm rot="18203354">
+            <a:off x="885332" y="1801435"/>
+            <a:ext cx="761162" cy="898936"/>
+          </a:xfrm>
+          <a:prstGeom prst="rect">
+            <a:avLst/>
+          </a:prstGeom>
+        </p:spPr>
+      </p:pic>
+      <p:sp>
+        <p:nvSpPr>
+          <p:cNvPr id="34" name="Textfeld 33">
+            <a:extLst>
+              <a:ext uri="{FF2B5EF4-FFF2-40B4-BE49-F238E27FC236}">
+                <a16:creationId xmlns:a16="http://schemas.microsoft.com/office/drawing/2014/main" id="{61806AD9-95F6-4922-EA10-268AC03881F1}"/>
+              </a:ext>
+            </a:extLst>
+          </p:cNvPr>
+          <p:cNvSpPr txBox="1"/>
+          <p:nvPr/>
+        </p:nvSpPr>
+        <p:spPr>
+          <a:xfrm>
+            <a:off x="587701" y="2604357"/>
+            <a:ext cx="1497564" cy="261610"/>
+          </a:xfrm>
+          <a:prstGeom prst="rect">
+            <a:avLst/>
+          </a:prstGeom>
+          <a:noFill/>
+        </p:spPr>
+        <p:txBody>
+          <a:bodyPr wrap="square" rtlCol="0">
+            <a:spAutoFit/>
+          </a:bodyPr>
+          <a:lstStyle/>
+          <a:p>
+            <a:r>
+              <a:rPr lang="en-US" sz="1100" dirty="0"/>
+              <a:t>Social network graph</a:t>
+            </a:r>
+            <a:endParaRPr lang="de-DE" dirty="0"/>
+          </a:p>
+        </p:txBody>
+      </p:sp>
+      <p:pic>
+        <p:nvPicPr>
+          <p:cNvPr id="39" name="Grafik 38">
+            <a:extLst>
+              <a:ext uri="{FF2B5EF4-FFF2-40B4-BE49-F238E27FC236}">
+                <a16:creationId xmlns:a16="http://schemas.microsoft.com/office/drawing/2014/main" id="{AE27EE35-2996-74F7-6FFE-2A57C3C1D3AF}"/>
+              </a:ext>
+            </a:extLst>
+          </p:cNvPr>
+          <p:cNvPicPr>
+            <a:picLocks noChangeAspect="1"/>
+          </p:cNvPicPr>
+          <p:nvPr/>
+        </p:nvPicPr>
+        <p:blipFill>
+          <a:blip r:embed="rId4"/>
+          <a:stretch>
+            <a:fillRect/>
+          </a:stretch>
+        </p:blipFill>
+        <p:spPr>
+          <a:xfrm>
+            <a:off x="792385" y="4260023"/>
+            <a:ext cx="948491" cy="955055"/>
+          </a:xfrm>
+          <a:prstGeom prst="rect">
+            <a:avLst/>
+          </a:prstGeom>
+        </p:spPr>
+      </p:pic>
+      <p:sp>
+        <p:nvSpPr>
+          <p:cNvPr id="40" name="Textfeld 39">
+            <a:extLst>
+              <a:ext uri="{FF2B5EF4-FFF2-40B4-BE49-F238E27FC236}">
+                <a16:creationId xmlns:a16="http://schemas.microsoft.com/office/drawing/2014/main" id="{AB08F8B1-4D79-E7A2-3503-D7CA56C608BF}"/>
+              </a:ext>
+            </a:extLst>
+          </p:cNvPr>
+          <p:cNvSpPr txBox="1"/>
+          <p:nvPr/>
+        </p:nvSpPr>
+        <p:spPr>
+          <a:xfrm>
+            <a:off x="886556" y="5173920"/>
+            <a:ext cx="779903" cy="261610"/>
+          </a:xfrm>
+          <a:prstGeom prst="rect">
+            <a:avLst/>
+          </a:prstGeom>
+          <a:noFill/>
+        </p:spPr>
+        <p:txBody>
+          <a:bodyPr wrap="square" rtlCol="0">
+            <a:spAutoFit/>
+          </a:bodyPr>
+          <a:lstStyle/>
+          <a:p>
+            <a:r>
+              <a:rPr lang="en-US" sz="1100" dirty="0"/>
+              <a:t>JSON file</a:t>
+            </a:r>
+            <a:endParaRPr lang="de-DE" dirty="0"/>
+          </a:p>
+        </p:txBody>
+      </p:sp>
+      <p:sp>
+        <p:nvSpPr>
+          <p:cNvPr id="41" name="Rechteck: abgerundete Ecken 40">
+            <a:extLst>
+              <a:ext uri="{FF2B5EF4-FFF2-40B4-BE49-F238E27FC236}">
+                <a16:creationId xmlns:a16="http://schemas.microsoft.com/office/drawing/2014/main" id="{5860AEC8-D72A-F69E-B8A6-04F4CF78350D}"/>
+              </a:ext>
+            </a:extLst>
+          </p:cNvPr>
+          <p:cNvSpPr/>
+          <p:nvPr/>
+        </p:nvSpPr>
+        <p:spPr>
+          <a:xfrm>
+            <a:off x="8468310" y="1338353"/>
+            <a:ext cx="3561184" cy="4134639"/>
+          </a:xfrm>
+          <a:prstGeom prst="roundRect">
+            <a:avLst/>
+          </a:prstGeom>
+        </p:spPr>
+        <p:style>
+          <a:lnRef idx="2">
+            <a:schemeClr val="dk1"/>
+          </a:lnRef>
+          <a:fillRef idx="1">
+            <a:schemeClr val="lt1"/>
+          </a:fillRef>
+          <a:effectRef idx="0">
+            <a:schemeClr val="dk1"/>
+          </a:effectRef>
+          <a:fontRef idx="minor">
+            <a:schemeClr val="dk1"/>
+          </a:fontRef>
+        </p:style>
+        <p:txBody>
+          <a:bodyPr rtlCol="0" anchor="ctr"/>
+          <a:lstStyle/>
+          <a:p>
+            <a:pPr algn="ctr"/>
+            <a:r>
+              <a:rPr lang="en-US" dirty="0"/>
+              <a:t>Output:</a:t>
+            </a:r>
+          </a:p>
+          <a:p>
+            <a:pPr algn="ctr"/>
+            <a:endParaRPr lang="en-US" dirty="0"/>
+          </a:p>
+          <a:p>
+            <a:pPr algn="ctr"/>
+            <a:endParaRPr lang="en-US" dirty="0"/>
+          </a:p>
+          <a:p>
+            <a:pPr algn="ctr"/>
+            <a:endParaRPr lang="en-US" dirty="0"/>
+          </a:p>
+          <a:p>
+            <a:pPr algn="ctr"/>
+            <a:endParaRPr lang="en-US" dirty="0"/>
+          </a:p>
+          <a:p>
+            <a:pPr algn="ctr"/>
+            <a:endParaRPr lang="en-US" dirty="0"/>
+          </a:p>
+          <a:p>
+            <a:pPr algn="ctr"/>
+            <a:endParaRPr lang="en-US" dirty="0"/>
+          </a:p>
+          <a:p>
+            <a:pPr algn="ctr"/>
+            <a:endParaRPr lang="en-US" dirty="0"/>
+          </a:p>
+          <a:p>
+            <a:pPr algn="ctr"/>
+            <a:endParaRPr lang="en-US" dirty="0"/>
+          </a:p>
+          <a:p>
+            <a:pPr algn="ctr"/>
+            <a:endParaRPr lang="en-US" dirty="0"/>
+          </a:p>
+          <a:p>
+            <a:pPr algn="ctr"/>
+            <a:endParaRPr lang="en-US" dirty="0"/>
+          </a:p>
+          <a:p>
+            <a:pPr algn="ctr"/>
+            <a:endParaRPr lang="en-US" dirty="0"/>
+          </a:p>
+          <a:p>
+            <a:pPr algn="ctr"/>
+            <a:endParaRPr lang="en-US" dirty="0"/>
+          </a:p>
+          <a:p>
+            <a:pPr algn="ctr"/>
+            <a:endParaRPr lang="en-US" dirty="0"/>
+          </a:p>
+        </p:txBody>
+      </p:sp>
+      <p:cxnSp>
+        <p:nvCxnSpPr>
+          <p:cNvPr id="43" name="Gerade Verbindung mit Pfeil 42">
+            <a:extLst>
+              <a:ext uri="{FF2B5EF4-FFF2-40B4-BE49-F238E27FC236}">
+                <a16:creationId xmlns:a16="http://schemas.microsoft.com/office/drawing/2014/main" id="{7B647D0B-E4FB-916B-603E-8BB270B78723}"/>
+              </a:ext>
+            </a:extLst>
+          </p:cNvPr>
+          <p:cNvCxnSpPr>
+            <a:cxnSpLocks/>
+            <a:stCxn id="5" idx="3"/>
+            <a:endCxn id="41" idx="1"/>
+          </p:cNvCxnSpPr>
+          <p:nvPr/>
+        </p:nvCxnSpPr>
+        <p:spPr>
+          <a:xfrm>
+            <a:off x="8192278" y="3405673"/>
+            <a:ext cx="276032" cy="0"/>
+          </a:xfrm>
+          <a:prstGeom prst="straightConnector1">
+            <a:avLst/>
+          </a:prstGeom>
+          <a:ln>
+            <a:tailEnd type="triangle"/>
+          </a:ln>
+        </p:spPr>
+        <p:style>
+          <a:lnRef idx="1">
+            <a:schemeClr val="dk1"/>
+          </a:lnRef>
+          <a:fillRef idx="0">
+            <a:schemeClr val="dk1"/>
+          </a:fillRef>
+          <a:effectRef idx="0">
+            <a:schemeClr val="dk1"/>
+          </a:effectRef>
+          <a:fontRef idx="minor">
+            <a:schemeClr val="tx1"/>
+          </a:fontRef>
+        </p:style>
+      </p:cxnSp>
+      <p:pic>
+        <p:nvPicPr>
+          <p:cNvPr id="46" name="Grafik 45">
+            <a:extLst>
+              <a:ext uri="{FF2B5EF4-FFF2-40B4-BE49-F238E27FC236}">
+                <a16:creationId xmlns:a16="http://schemas.microsoft.com/office/drawing/2014/main" id="{253D059B-4C0F-B89F-BE7E-CCAFAC71283A}"/>
+              </a:ext>
+            </a:extLst>
+          </p:cNvPr>
+          <p:cNvPicPr>
+            <a:picLocks noChangeAspect="1"/>
+          </p:cNvPicPr>
+          <p:nvPr/>
+        </p:nvPicPr>
+        <p:blipFill>
+          <a:blip r:embed="rId5"/>
+          <a:stretch>
+            <a:fillRect/>
+          </a:stretch>
+        </p:blipFill>
+        <p:spPr>
+          <a:xfrm>
+            <a:off x="577105" y="2902020"/>
+            <a:ext cx="1377615" cy="1032213"/>
+          </a:xfrm>
+          <a:prstGeom prst="rect">
+            <a:avLst/>
+          </a:prstGeom>
+        </p:spPr>
+      </p:pic>
+      <p:sp>
+        <p:nvSpPr>
+          <p:cNvPr id="48" name="Textfeld 47">
+            <a:extLst>
+              <a:ext uri="{FF2B5EF4-FFF2-40B4-BE49-F238E27FC236}">
+                <a16:creationId xmlns:a16="http://schemas.microsoft.com/office/drawing/2014/main" id="{1E4A0C9B-DB08-EF16-59C9-90947A237671}"/>
+              </a:ext>
+            </a:extLst>
+          </p:cNvPr>
+          <p:cNvSpPr txBox="1"/>
+          <p:nvPr/>
+        </p:nvSpPr>
+        <p:spPr>
+          <a:xfrm>
+            <a:off x="527725" y="3927613"/>
+            <a:ext cx="1497564" cy="261610"/>
+          </a:xfrm>
+          <a:prstGeom prst="rect">
+            <a:avLst/>
+          </a:prstGeom>
+          <a:noFill/>
+        </p:spPr>
+        <p:txBody>
+          <a:bodyPr wrap="square" rtlCol="0">
+            <a:spAutoFit/>
+          </a:bodyPr>
+          <a:lstStyle/>
+          <a:p>
+            <a:r>
+              <a:rPr lang="en-US" sz="1100" dirty="0"/>
+              <a:t>Reference power data</a:t>
+            </a:r>
+            <a:endParaRPr lang="de-DE" dirty="0"/>
+          </a:p>
+        </p:txBody>
+      </p:sp>
+      <p:pic>
+        <p:nvPicPr>
+          <p:cNvPr id="65" name="Grafik 64">
+            <a:extLst>
+              <a:ext uri="{FF2B5EF4-FFF2-40B4-BE49-F238E27FC236}">
+                <a16:creationId xmlns:a16="http://schemas.microsoft.com/office/drawing/2014/main" id="{40CC10EE-C351-BE5B-064E-F8D440250E88}"/>
+              </a:ext>
+            </a:extLst>
+          </p:cNvPr>
+          <p:cNvPicPr>
+            <a:picLocks noChangeAspect="1"/>
+          </p:cNvPicPr>
+          <p:nvPr/>
+        </p:nvPicPr>
+        <p:blipFill rotWithShape="1">
+          <a:blip r:embed="rId6"/>
+          <a:srcRect l="1313" t="4028" r="50000" b="1"/>
+          <a:stretch/>
+        </p:blipFill>
+        <p:spPr>
+          <a:xfrm>
+            <a:off x="8511627" y="1881314"/>
+            <a:ext cx="3474550" cy="3095372"/>
+          </a:xfrm>
+          <a:prstGeom prst="rect">
+            <a:avLst/>
+          </a:prstGeom>
+        </p:spPr>
+      </p:pic>
+    </p:spTree>
+    <p:extLst>
+      <p:ext uri="{BB962C8B-B14F-4D97-AF65-F5344CB8AC3E}">
+        <p14:creationId xmlns:p14="http://schemas.microsoft.com/office/powerpoint/2010/main" val="1211478565"/>
       </p:ext>
     </p:extLst>
   </p:cSld>

--- a/presentations/GrafikenThesis.pptx
+++ b/presentations/GrafikenThesis.pptx
@@ -6958,8 +6958,8 @@
             </p:nvSpPr>
             <p:spPr>
               <a:xfrm>
-                <a:off x="2597022" y="1338353"/>
-                <a:ext cx="5595256" cy="4134639"/>
+                <a:off x="2597022" y="746449"/>
+                <a:ext cx="5595256" cy="5318449"/>
               </a:xfrm>
               <a:prstGeom prst="roundRect">
                 <a:avLst/>
@@ -7201,10 +7201,26 @@
                   <a:rPr lang="en-US" sz="1600" dirty="0"/>
                   <a:t>Calculate the next step of the information propagation process</a:t>
                 </a:r>
-                <a:endParaRPr lang="en-US" dirty="0"/>
               </a:p>
               <a:p>
-                <a:pPr algn="ctr"/>
+                <a:pPr marL="1257300" lvl="2" indent="-342900">
+                  <a:buFont typeface="+mj-lt"/>
+                  <a:buAutoNum type="romanLcPeriod"/>
+                </a:pPr>
+                <a:r>
+                  <a:rPr lang="en-US" sz="1400" dirty="0"/>
+                  <a:t>Check if newly infected households will ever act on the information</a:t>
+                </a:r>
+              </a:p>
+              <a:p>
+                <a:pPr marL="1257300" lvl="2" indent="-342900">
+                  <a:buFont typeface="+mj-lt"/>
+                  <a:buAutoNum type="romanLcPeriod"/>
+                </a:pPr>
+                <a:r>
+                  <a:rPr lang="en-US" sz="1400" dirty="0"/>
+                  <a:t>Check if infected households will delay their actions</a:t>
+                </a:r>
                 <a:endParaRPr lang="en-US" dirty="0"/>
               </a:p>
               <a:p>
@@ -7231,8 +7247,8 @@
             </p:nvSpPr>
             <p:spPr>
               <a:xfrm>
-                <a:off x="2597022" y="1338353"/>
-                <a:ext cx="5595256" cy="4134639"/>
+                <a:off x="2597022" y="746449"/>
+                <a:ext cx="5595256" cy="5318449"/>
               </a:xfrm>
               <a:prstGeom prst="roundRect">
                 <a:avLst/>
@@ -7240,7 +7256,7 @@
               <a:blipFill>
                 <a:blip r:embed="rId2"/>
                 <a:stretch>
-                  <a:fillRect t="-1765"/>
+                  <a:fillRect/>
                 </a:stretch>
               </a:blipFill>
             </p:spPr>
@@ -7278,7 +7294,7 @@
         <p:spPr>
           <a:xfrm>
             <a:off x="2320990" y="3405673"/>
-            <a:ext cx="276032" cy="0"/>
+            <a:ext cx="276032" cy="1"/>
           </a:xfrm>
           <a:prstGeom prst="straightConnector1">
             <a:avLst/>
@@ -7555,9 +7571,9 @@
           <p:nvPr/>
         </p:nvCxnSpPr>
         <p:spPr>
-          <a:xfrm>
+          <a:xfrm flipV="1">
             <a:off x="8192278" y="3405673"/>
-            <a:ext cx="276032" cy="0"/>
+            <a:ext cx="276032" cy="1"/>
           </a:xfrm>
           <a:prstGeom prst="straightConnector1">
             <a:avLst/>

--- a/presentations/GrafikenThesis.pptx
+++ b/presentations/GrafikenThesis.pptx
@@ -6,10 +6,11 @@
   </p:sldMasterIdLst>
   <p:sldIdLst>
     <p:sldId id="257" r:id="rId2"/>
-    <p:sldId id="258" r:id="rId3"/>
-    <p:sldId id="259" r:id="rId4"/>
-    <p:sldId id="260" r:id="rId5"/>
-    <p:sldId id="261" r:id="rId6"/>
+    <p:sldId id="262" r:id="rId3"/>
+    <p:sldId id="258" r:id="rId4"/>
+    <p:sldId id="259" r:id="rId5"/>
+    <p:sldId id="260" r:id="rId6"/>
+    <p:sldId id="261" r:id="rId7"/>
   </p:sldIdLst>
   <p:sldSz cx="12192000" cy="6858000"/>
   <p:notesSz cx="6858000" cy="9144000"/>
@@ -263,7 +264,7 @@
           <a:p>
             <a:fld id="{1E68AC87-6ADD-4255-8209-B0E6CC8A4267}" type="datetimeFigureOut">
               <a:rPr lang="de-DE" smtClean="0"/>
-              <a:t>21.08.2023</a:t>
+              <a:t>14.09.2023</a:t>
             </a:fld>
             <a:endParaRPr lang="de-DE"/>
           </a:p>
@@ -461,7 +462,7 @@
           <a:p>
             <a:fld id="{1E68AC87-6ADD-4255-8209-B0E6CC8A4267}" type="datetimeFigureOut">
               <a:rPr lang="de-DE" smtClean="0"/>
-              <a:t>21.08.2023</a:t>
+              <a:t>14.09.2023</a:t>
             </a:fld>
             <a:endParaRPr lang="de-DE"/>
           </a:p>
@@ -669,7 +670,7 @@
           <a:p>
             <a:fld id="{1E68AC87-6ADD-4255-8209-B0E6CC8A4267}" type="datetimeFigureOut">
               <a:rPr lang="de-DE" smtClean="0"/>
-              <a:t>21.08.2023</a:t>
+              <a:t>14.09.2023</a:t>
             </a:fld>
             <a:endParaRPr lang="de-DE"/>
           </a:p>
@@ -867,7 +868,7 @@
           <a:p>
             <a:fld id="{1E68AC87-6ADD-4255-8209-B0E6CC8A4267}" type="datetimeFigureOut">
               <a:rPr lang="de-DE" smtClean="0"/>
-              <a:t>21.08.2023</a:t>
+              <a:t>14.09.2023</a:t>
             </a:fld>
             <a:endParaRPr lang="de-DE"/>
           </a:p>
@@ -1142,7 +1143,7 @@
           <a:p>
             <a:fld id="{1E68AC87-6ADD-4255-8209-B0E6CC8A4267}" type="datetimeFigureOut">
               <a:rPr lang="de-DE" smtClean="0"/>
-              <a:t>21.08.2023</a:t>
+              <a:t>14.09.2023</a:t>
             </a:fld>
             <a:endParaRPr lang="de-DE"/>
           </a:p>
@@ -1407,7 +1408,7 @@
           <a:p>
             <a:fld id="{1E68AC87-6ADD-4255-8209-B0E6CC8A4267}" type="datetimeFigureOut">
               <a:rPr lang="de-DE" smtClean="0"/>
-              <a:t>21.08.2023</a:t>
+              <a:t>14.09.2023</a:t>
             </a:fld>
             <a:endParaRPr lang="de-DE"/>
           </a:p>
@@ -1819,7 +1820,7 @@
           <a:p>
             <a:fld id="{1E68AC87-6ADD-4255-8209-B0E6CC8A4267}" type="datetimeFigureOut">
               <a:rPr lang="de-DE" smtClean="0"/>
-              <a:t>21.08.2023</a:t>
+              <a:t>14.09.2023</a:t>
             </a:fld>
             <a:endParaRPr lang="de-DE"/>
           </a:p>
@@ -1960,7 +1961,7 @@
           <a:p>
             <a:fld id="{1E68AC87-6ADD-4255-8209-B0E6CC8A4267}" type="datetimeFigureOut">
               <a:rPr lang="de-DE" smtClean="0"/>
-              <a:t>21.08.2023</a:t>
+              <a:t>14.09.2023</a:t>
             </a:fld>
             <a:endParaRPr lang="de-DE"/>
           </a:p>
@@ -2073,7 +2074,7 @@
           <a:p>
             <a:fld id="{1E68AC87-6ADD-4255-8209-B0E6CC8A4267}" type="datetimeFigureOut">
               <a:rPr lang="de-DE" smtClean="0"/>
-              <a:t>21.08.2023</a:t>
+              <a:t>14.09.2023</a:t>
             </a:fld>
             <a:endParaRPr lang="de-DE"/>
           </a:p>
@@ -2384,7 +2385,7 @@
           <a:p>
             <a:fld id="{1E68AC87-6ADD-4255-8209-B0E6CC8A4267}" type="datetimeFigureOut">
               <a:rPr lang="de-DE" smtClean="0"/>
-              <a:t>21.08.2023</a:t>
+              <a:t>14.09.2023</a:t>
             </a:fld>
             <a:endParaRPr lang="de-DE"/>
           </a:p>
@@ -2672,7 +2673,7 @@
           <a:p>
             <a:fld id="{1E68AC87-6ADD-4255-8209-B0E6CC8A4267}" type="datetimeFigureOut">
               <a:rPr lang="de-DE" smtClean="0"/>
-              <a:t>21.08.2023</a:t>
+              <a:t>14.09.2023</a:t>
             </a:fld>
             <a:endParaRPr lang="de-DE"/>
           </a:p>
@@ -2913,7 +2914,7 @@
           <a:p>
             <a:fld id="{1E68AC87-6ADD-4255-8209-B0E6CC8A4267}" type="datetimeFigureOut">
               <a:rPr lang="de-DE" smtClean="0"/>
-              <a:t>21.08.2023</a:t>
+              <a:t>14.09.2023</a:t>
             </a:fld>
             <a:endParaRPr lang="de-DE"/>
           </a:p>
@@ -3955,6 +3956,138 @@
       </p:grpSpPr>
       <p:sp>
         <p:nvSpPr>
+          <p:cNvPr id="2" name="Titel 1">
+            <a:extLst>
+              <a:ext uri="{FF2B5EF4-FFF2-40B4-BE49-F238E27FC236}">
+                <a16:creationId xmlns:a16="http://schemas.microsoft.com/office/drawing/2014/main" id="{5429A3E5-88E6-858B-A118-DADD2EEF027C}"/>
+              </a:ext>
+            </a:extLst>
+          </p:cNvPr>
+          <p:cNvSpPr>
+            <a:spLocks noGrp="1"/>
+          </p:cNvSpPr>
+          <p:nvPr>
+            <p:ph type="title"/>
+          </p:nvPr>
+        </p:nvSpPr>
+        <p:spPr/>
+        <p:txBody>
+          <a:bodyPr/>
+          <a:lstStyle/>
+          <a:p>
+            <a:endParaRPr lang="de-DE"/>
+          </a:p>
+        </p:txBody>
+      </p:sp>
+      <p:sp>
+        <p:nvSpPr>
+          <p:cNvPr id="3" name="Inhaltsplatzhalter 2">
+            <a:extLst>
+              <a:ext uri="{FF2B5EF4-FFF2-40B4-BE49-F238E27FC236}">
+                <a16:creationId xmlns:a16="http://schemas.microsoft.com/office/drawing/2014/main" id="{DA366AF4-A336-3F12-18E4-56E21009C2F5}"/>
+              </a:ext>
+            </a:extLst>
+          </p:cNvPr>
+          <p:cNvSpPr>
+            <a:spLocks noGrp="1"/>
+          </p:cNvSpPr>
+          <p:nvPr>
+            <p:ph idx="1"/>
+          </p:nvPr>
+        </p:nvSpPr>
+        <p:spPr/>
+        <p:txBody>
+          <a:bodyPr/>
+          <a:lstStyle/>
+          <a:p>
+            <a:endParaRPr lang="de-DE" dirty="0"/>
+          </a:p>
+        </p:txBody>
+      </p:sp>
+      <p:sp>
+        <p:nvSpPr>
+          <p:cNvPr id="4" name="Rechteck 3">
+            <a:extLst>
+              <a:ext uri="{FF2B5EF4-FFF2-40B4-BE49-F238E27FC236}">
+                <a16:creationId xmlns:a16="http://schemas.microsoft.com/office/drawing/2014/main" id="{AC087537-CF14-F790-E9E2-91D159F5DF5B}"/>
+              </a:ext>
+            </a:extLst>
+          </p:cNvPr>
+          <p:cNvSpPr/>
+          <p:nvPr/>
+        </p:nvSpPr>
+        <p:spPr>
+          <a:xfrm>
+            <a:off x="3498980" y="2397967"/>
+            <a:ext cx="1212979" cy="942392"/>
+          </a:xfrm>
+          <a:prstGeom prst="rect">
+            <a:avLst/>
+          </a:prstGeom>
+          <a:solidFill>
+            <a:srgbClr val="FF0000"/>
+          </a:solidFill>
+        </p:spPr>
+        <p:style>
+          <a:lnRef idx="2">
+            <a:schemeClr val="accent1">
+              <a:shade val="15000"/>
+            </a:schemeClr>
+          </a:lnRef>
+          <a:fillRef idx="1">
+            <a:schemeClr val="accent1"/>
+          </a:fillRef>
+          <a:effectRef idx="0">
+            <a:schemeClr val="accent1"/>
+          </a:effectRef>
+          <a:fontRef idx="minor">
+            <a:schemeClr val="lt1"/>
+          </a:fontRef>
+        </p:style>
+        <p:txBody>
+          <a:bodyPr rtlCol="0" anchor="ctr"/>
+          <a:lstStyle/>
+          <a:p>
+            <a:pPr algn="ctr"/>
+            <a:r>
+              <a:rPr lang="de-DE" b="1" dirty="0"/>
+              <a:t>E.OFF</a:t>
+            </a:r>
+          </a:p>
+        </p:txBody>
+      </p:sp>
+    </p:spTree>
+    <p:extLst>
+      <p:ext uri="{BB962C8B-B14F-4D97-AF65-F5344CB8AC3E}">
+        <p14:creationId xmlns:p14="http://schemas.microsoft.com/office/powerpoint/2010/main" val="3343440942"/>
+      </p:ext>
+    </p:extLst>
+  </p:cSld>
+  <p:clrMapOvr>
+    <a:masterClrMapping/>
+  </p:clrMapOvr>
+</p:sld>
+</file>
+
+<file path=ppt/slides/slide3.xml><?xml version="1.0" encoding="utf-8"?>
+<p:sld xmlns:a="http://schemas.openxmlformats.org/drawingml/2006/main" xmlns:r="http://schemas.openxmlformats.org/officeDocument/2006/relationships" xmlns:p="http://schemas.openxmlformats.org/presentationml/2006/main">
+  <p:cSld>
+    <p:spTree>
+      <p:nvGrpSpPr>
+        <p:cNvPr id="1" name=""/>
+        <p:cNvGrpSpPr/>
+        <p:nvPr/>
+      </p:nvGrpSpPr>
+      <p:grpSpPr>
+        <a:xfrm>
+          <a:off x="0" y="0"/>
+          <a:ext cx="0" cy="0"/>
+          <a:chOff x="0" y="0"/>
+          <a:chExt cx="0" cy="0"/>
+        </a:xfrm>
+      </p:grpSpPr>
+      <p:sp>
+        <p:nvSpPr>
           <p:cNvPr id="4" name="Rechteck: abgerundete Ecken 3">
             <a:extLst>
               <a:ext uri="{FF2B5EF4-FFF2-40B4-BE49-F238E27FC236}">
@@ -4287,7 +4420,7 @@
 </p:sld>
 </file>
 
-<file path=ppt/slides/slide3.xml><?xml version="1.0" encoding="utf-8"?>
+<file path=ppt/slides/slide4.xml><?xml version="1.0" encoding="utf-8"?>
 <p:sld xmlns:a="http://schemas.openxmlformats.org/drawingml/2006/main" xmlns:r="http://schemas.openxmlformats.org/officeDocument/2006/relationships" xmlns:p="http://schemas.openxmlformats.org/presentationml/2006/main">
   <p:cSld>
     <p:spTree>
@@ -5682,7 +5815,7 @@
 </p:sld>
 </file>
 
-<file path=ppt/slides/slide4.xml><?xml version="1.0" encoding="utf-8"?>
+<file path=ppt/slides/slide5.xml><?xml version="1.0" encoding="utf-8"?>
 <p:sld xmlns:a="http://schemas.openxmlformats.org/drawingml/2006/main" xmlns:r="http://schemas.openxmlformats.org/officeDocument/2006/relationships" xmlns:p="http://schemas.openxmlformats.org/presentationml/2006/main">
   <p:cSld>
     <p:spTree>
@@ -6826,7 +6959,7 @@
 </p:sld>
 </file>
 
-<file path=ppt/slides/slide5.xml><?xml version="1.0" encoding="utf-8"?>
+<file path=ppt/slides/slide6.xml><?xml version="1.0" encoding="utf-8"?>
 <p:sld xmlns:a="http://schemas.openxmlformats.org/drawingml/2006/main" xmlns:r="http://schemas.openxmlformats.org/officeDocument/2006/relationships" xmlns:p="http://schemas.openxmlformats.org/presentationml/2006/main">
   <p:cSld>
     <p:spTree>
@@ -6942,8 +7075,8 @@
           </a:p>
         </p:txBody>
       </p:sp>
-      <mc:AlternateContent xmlns:mc="http://schemas.openxmlformats.org/markup-compatibility/2006">
-        <mc:Choice xmlns:a14="http://schemas.microsoft.com/office/drawing/2010/main" Requires="a14">
+      <mc:AlternateContent xmlns:mc="http://schemas.openxmlformats.org/markup-compatibility/2006" xmlns:a14="http://schemas.microsoft.com/office/drawing/2010/main">
+        <mc:Choice Requires="a14">
           <p:sp>
             <p:nvSpPr>
               <p:cNvPr id="5" name="Rechteck: abgerundete Ecken 4">
@@ -7230,7 +7363,7 @@
             </p:txBody>
           </p:sp>
         </mc:Choice>
-        <mc:Fallback>
+        <mc:Fallback xmlns="">
           <p:sp>
             <p:nvSpPr>
               <p:cNvPr id="5" name="Rechteck: abgerundete Ecken 4">

--- a/presentations/GrafikenThesis.pptx
+++ b/presentations/GrafikenThesis.pptx
@@ -264,7 +264,7 @@
           <a:p>
             <a:fld id="{1E68AC87-6ADD-4255-8209-B0E6CC8A4267}" type="datetimeFigureOut">
               <a:rPr lang="de-DE" smtClean="0"/>
-              <a:t>14.09.2023</a:t>
+              <a:t>27.09.2023</a:t>
             </a:fld>
             <a:endParaRPr lang="de-DE"/>
           </a:p>
@@ -462,7 +462,7 @@
           <a:p>
             <a:fld id="{1E68AC87-6ADD-4255-8209-B0E6CC8A4267}" type="datetimeFigureOut">
               <a:rPr lang="de-DE" smtClean="0"/>
-              <a:t>14.09.2023</a:t>
+              <a:t>27.09.2023</a:t>
             </a:fld>
             <a:endParaRPr lang="de-DE"/>
           </a:p>
@@ -670,7 +670,7 @@
           <a:p>
             <a:fld id="{1E68AC87-6ADD-4255-8209-B0E6CC8A4267}" type="datetimeFigureOut">
               <a:rPr lang="de-DE" smtClean="0"/>
-              <a:t>14.09.2023</a:t>
+              <a:t>27.09.2023</a:t>
             </a:fld>
             <a:endParaRPr lang="de-DE"/>
           </a:p>
@@ -868,7 +868,7 @@
           <a:p>
             <a:fld id="{1E68AC87-6ADD-4255-8209-B0E6CC8A4267}" type="datetimeFigureOut">
               <a:rPr lang="de-DE" smtClean="0"/>
-              <a:t>14.09.2023</a:t>
+              <a:t>27.09.2023</a:t>
             </a:fld>
             <a:endParaRPr lang="de-DE"/>
           </a:p>
@@ -1143,7 +1143,7 @@
           <a:p>
             <a:fld id="{1E68AC87-6ADD-4255-8209-B0E6CC8A4267}" type="datetimeFigureOut">
               <a:rPr lang="de-DE" smtClean="0"/>
-              <a:t>14.09.2023</a:t>
+              <a:t>27.09.2023</a:t>
             </a:fld>
             <a:endParaRPr lang="de-DE"/>
           </a:p>
@@ -1408,7 +1408,7 @@
           <a:p>
             <a:fld id="{1E68AC87-6ADD-4255-8209-B0E6CC8A4267}" type="datetimeFigureOut">
               <a:rPr lang="de-DE" smtClean="0"/>
-              <a:t>14.09.2023</a:t>
+              <a:t>27.09.2023</a:t>
             </a:fld>
             <a:endParaRPr lang="de-DE"/>
           </a:p>
@@ -1820,7 +1820,7 @@
           <a:p>
             <a:fld id="{1E68AC87-6ADD-4255-8209-B0E6CC8A4267}" type="datetimeFigureOut">
               <a:rPr lang="de-DE" smtClean="0"/>
-              <a:t>14.09.2023</a:t>
+              <a:t>27.09.2023</a:t>
             </a:fld>
             <a:endParaRPr lang="de-DE"/>
           </a:p>
@@ -1961,7 +1961,7 @@
           <a:p>
             <a:fld id="{1E68AC87-6ADD-4255-8209-B0E6CC8A4267}" type="datetimeFigureOut">
               <a:rPr lang="de-DE" smtClean="0"/>
-              <a:t>14.09.2023</a:t>
+              <a:t>27.09.2023</a:t>
             </a:fld>
             <a:endParaRPr lang="de-DE"/>
           </a:p>
@@ -2074,7 +2074,7 @@
           <a:p>
             <a:fld id="{1E68AC87-6ADD-4255-8209-B0E6CC8A4267}" type="datetimeFigureOut">
               <a:rPr lang="de-DE" smtClean="0"/>
-              <a:t>14.09.2023</a:t>
+              <a:t>27.09.2023</a:t>
             </a:fld>
             <a:endParaRPr lang="de-DE"/>
           </a:p>
@@ -2385,7 +2385,7 @@
           <a:p>
             <a:fld id="{1E68AC87-6ADD-4255-8209-B0E6CC8A4267}" type="datetimeFigureOut">
               <a:rPr lang="de-DE" smtClean="0"/>
-              <a:t>14.09.2023</a:t>
+              <a:t>27.09.2023</a:t>
             </a:fld>
             <a:endParaRPr lang="de-DE"/>
           </a:p>
@@ -2673,7 +2673,7 @@
           <a:p>
             <a:fld id="{1E68AC87-6ADD-4255-8209-B0E6CC8A4267}" type="datetimeFigureOut">
               <a:rPr lang="de-DE" smtClean="0"/>
-              <a:t>14.09.2023</a:t>
+              <a:t>27.09.2023</a:t>
             </a:fld>
             <a:endParaRPr lang="de-DE"/>
           </a:p>
@@ -2914,7 +2914,7 @@
           <a:p>
             <a:fld id="{1E68AC87-6ADD-4255-8209-B0E6CC8A4267}" type="datetimeFigureOut">
               <a:rPr lang="de-DE" smtClean="0"/>
-              <a:t>14.09.2023</a:t>
+              <a:t>27.09.2023</a:t>
             </a:fld>
             <a:endParaRPr lang="de-DE"/>
           </a:p>
@@ -3345,7 +3345,7 @@
         </p:nvSpPr>
         <p:spPr>
           <a:xfrm>
-            <a:off x="195946" y="2024744"/>
+            <a:off x="186615" y="2640564"/>
             <a:ext cx="2108718" cy="1101012"/>
           </a:xfrm>
           <a:prstGeom prst="roundRect">
@@ -3392,7 +3392,7 @@
         </p:nvSpPr>
         <p:spPr>
           <a:xfrm>
-            <a:off x="2597022" y="2024744"/>
+            <a:off x="2587691" y="2640564"/>
             <a:ext cx="2108718" cy="1101012"/>
           </a:xfrm>
           <a:prstGeom prst="roundRect">
@@ -3439,7 +3439,7 @@
         </p:nvSpPr>
         <p:spPr>
           <a:xfrm>
-            <a:off x="5041641" y="2018394"/>
+            <a:off x="5032310" y="2634214"/>
             <a:ext cx="2108718" cy="1101012"/>
           </a:xfrm>
           <a:prstGeom prst="roundRect">
@@ -3472,8 +3472,8 @@
           </a:p>
         </p:txBody>
       </p:sp>
-      <mc:AlternateContent xmlns:mc="http://schemas.openxmlformats.org/markup-compatibility/2006" xmlns:a14="http://schemas.microsoft.com/office/drawing/2010/main">
-        <mc:Choice Requires="a14">
+      <mc:AlternateContent xmlns:mc="http://schemas.openxmlformats.org/markup-compatibility/2006">
+        <mc:Choice xmlns:a14="http://schemas.microsoft.com/office/drawing/2010/main" Requires="a14">
           <p:sp>
             <p:nvSpPr>
               <p:cNvPr id="7" name="Rechteck: abgerundete Ecken 6">
@@ -3488,7 +3488,7 @@
             </p:nvSpPr>
             <p:spPr>
               <a:xfrm>
-                <a:off x="7486260" y="2024744"/>
+                <a:off x="7476929" y="2640564"/>
                 <a:ext cx="2108718" cy="1101012"/>
               </a:xfrm>
               <a:prstGeom prst="roundRect">
@@ -3571,12 +3571,31 @@
                             </a:rPr>
                             <m:t>−</m:t>
                           </m:r>
-                          <m:r>
-                            <a:rPr lang="de-DE" b="0" i="1" smtClean="0">
-                              <a:latin typeface="Cambria Math" panose="02040503050406030204" pitchFamily="18" charset="0"/>
-                            </a:rPr>
-                            <m:t>𝑝𝑜𝑠𝑡𝑠</m:t>
-                          </m:r>
+                          <m:sSub>
+                            <m:sSubPr>
+                              <m:ctrlPr>
+                                <a:rPr lang="de-DE" b="0" i="1" smtClean="0">
+                                  <a:latin typeface="Cambria Math" panose="02040503050406030204" pitchFamily="18" charset="0"/>
+                                </a:rPr>
+                              </m:ctrlPr>
+                            </m:sSubPr>
+                            <m:e>
+                              <m:r>
+                                <a:rPr lang="de-DE" b="0" i="1" smtClean="0">
+                                  <a:latin typeface="Cambria Math" panose="02040503050406030204" pitchFamily="18" charset="0"/>
+                                </a:rPr>
+                                <m:t>𝑛</m:t>
+                              </m:r>
+                            </m:e>
+                            <m:sub>
+                              <m:r>
+                                <a:rPr lang="de-DE" b="0" i="1" smtClean="0">
+                                  <a:latin typeface="Cambria Math" panose="02040503050406030204" pitchFamily="18" charset="0"/>
+                                </a:rPr>
+                                <m:t>𝑝𝑜𝑠𝑡𝑠</m:t>
+                              </m:r>
+                            </m:sub>
+                          </m:sSub>
                           <m:d>
                             <m:dPr>
                               <m:ctrlPr>
@@ -3618,7 +3637,7 @@
             </p:txBody>
           </p:sp>
         </mc:Choice>
-        <mc:Fallback xmlns="">
+        <mc:Fallback>
           <p:sp>
             <p:nvSpPr>
               <p:cNvPr id="7" name="Rechteck: abgerundete Ecken 6">
@@ -3635,7 +3654,7 @@
             </p:nvSpPr>
             <p:spPr>
               <a:xfrm>
-                <a:off x="7486260" y="2024744"/>
+                <a:off x="7476929" y="2640564"/>
                 <a:ext cx="2108718" cy="1101012"/>
               </a:xfrm>
               <a:prstGeom prst="roundRect">
@@ -3677,7 +3696,7 @@
         </p:nvSpPr>
         <p:spPr>
           <a:xfrm>
-            <a:off x="9831354" y="2024744"/>
+            <a:off x="9822023" y="2640564"/>
             <a:ext cx="2108718" cy="1101012"/>
           </a:xfrm>
           <a:prstGeom prst="roundRect">
@@ -3727,7 +3746,7 @@
         </p:nvCxnSpPr>
         <p:spPr>
           <a:xfrm>
-            <a:off x="2304664" y="2575250"/>
+            <a:off x="2295333" y="3191070"/>
             <a:ext cx="292358" cy="0"/>
           </a:xfrm>
           <a:prstGeom prst="straightConnector1">
@@ -3769,7 +3788,7 @@
         </p:nvCxnSpPr>
         <p:spPr>
           <a:xfrm flipV="1">
-            <a:off x="4705740" y="2568900"/>
+            <a:off x="4696409" y="3184720"/>
             <a:ext cx="335901" cy="6350"/>
           </a:xfrm>
           <a:prstGeom prst="straightConnector1">
@@ -3811,7 +3830,7 @@
         </p:nvCxnSpPr>
         <p:spPr>
           <a:xfrm>
-            <a:off x="7150359" y="2568900"/>
+            <a:off x="7141028" y="3184720"/>
             <a:ext cx="335901" cy="6350"/>
           </a:xfrm>
           <a:prstGeom prst="straightConnector1">
@@ -3853,7 +3872,7 @@
         </p:nvCxnSpPr>
         <p:spPr>
           <a:xfrm rot="5400000" flipH="1" flipV="1">
-            <a:off x="9713166" y="852197"/>
+            <a:off x="9703835" y="1468017"/>
             <a:ext cx="12700" cy="2345094"/>
           </a:xfrm>
           <a:prstGeom prst="bentConnector3">
@@ -3897,7 +3916,7 @@
         </p:nvCxnSpPr>
         <p:spPr>
           <a:xfrm rot="5400000">
-            <a:off x="9713166" y="1953209"/>
+            <a:off x="9703835" y="2569029"/>
             <a:ext cx="12700" cy="2345094"/>
           </a:xfrm>
           <a:prstGeom prst="bentConnector3">
@@ -4100,7 +4119,7 @@
         </p:nvSpPr>
         <p:spPr>
           <a:xfrm>
-            <a:off x="195946" y="2024744"/>
+            <a:off x="1362272" y="2780523"/>
             <a:ext cx="2108718" cy="1101012"/>
           </a:xfrm>
           <a:prstGeom prst="roundRect">
@@ -4147,7 +4166,7 @@
         </p:nvSpPr>
         <p:spPr>
           <a:xfrm>
-            <a:off x="2597022" y="2024744"/>
+            <a:off x="3763348" y="2780523"/>
             <a:ext cx="2108718" cy="1101012"/>
           </a:xfrm>
           <a:prstGeom prst="roundRect">
@@ -4194,7 +4213,7 @@
         </p:nvSpPr>
         <p:spPr>
           <a:xfrm>
-            <a:off x="5041641" y="2018394"/>
+            <a:off x="6207967" y="2774173"/>
             <a:ext cx="2108718" cy="1101012"/>
           </a:xfrm>
           <a:prstGeom prst="roundRect">
@@ -4241,7 +4260,7 @@
         </p:nvSpPr>
         <p:spPr>
           <a:xfrm>
-            <a:off x="7486260" y="2024744"/>
+            <a:off x="8652586" y="2780523"/>
             <a:ext cx="2108718" cy="1101012"/>
           </a:xfrm>
           <a:prstGeom prst="roundRect">
@@ -4298,7 +4317,7 @@
         </p:nvCxnSpPr>
         <p:spPr>
           <a:xfrm>
-            <a:off x="2304664" y="2575250"/>
+            <a:off x="3470990" y="3331029"/>
             <a:ext cx="292358" cy="0"/>
           </a:xfrm>
           <a:prstGeom prst="straightConnector1">
@@ -4333,6 +4352,7 @@
             </a:extLst>
           </p:cNvPr>
           <p:cNvCxnSpPr>
+            <a:cxnSpLocks/>
             <a:stCxn id="5" idx="3"/>
             <a:endCxn id="6" idx="1"/>
           </p:cNvCxnSpPr>
@@ -4340,7 +4360,7 @@
         </p:nvCxnSpPr>
         <p:spPr>
           <a:xfrm flipV="1">
-            <a:off x="4705740" y="2568900"/>
+            <a:off x="5872066" y="3324679"/>
             <a:ext cx="335901" cy="6350"/>
           </a:xfrm>
           <a:prstGeom prst="straightConnector1">
@@ -4382,7 +4402,7 @@
         </p:nvCxnSpPr>
         <p:spPr>
           <a:xfrm>
-            <a:off x="7150359" y="2568900"/>
+            <a:off x="8316685" y="3324679"/>
             <a:ext cx="335901" cy="6350"/>
           </a:xfrm>
           <a:prstGeom prst="straightConnector1">
@@ -7075,339 +7095,78 @@
           </a:p>
         </p:txBody>
       </p:sp>
-      <mc:AlternateContent xmlns:mc="http://schemas.openxmlformats.org/markup-compatibility/2006" xmlns:a14="http://schemas.microsoft.com/office/drawing/2010/main">
-        <mc:Choice Requires="a14">
-          <p:sp>
-            <p:nvSpPr>
-              <p:cNvPr id="5" name="Rechteck: abgerundete Ecken 4">
-                <a:extLst>
-                  <a:ext uri="{FF2B5EF4-FFF2-40B4-BE49-F238E27FC236}">
-                    <a16:creationId xmlns:a16="http://schemas.microsoft.com/office/drawing/2014/main" id="{7578C3A9-59A2-1568-E5E3-55796468011A}"/>
-                  </a:ext>
-                </a:extLst>
-              </p:cNvPr>
-              <p:cNvSpPr/>
-              <p:nvPr/>
-            </p:nvSpPr>
-            <p:spPr>
-              <a:xfrm>
-                <a:off x="2597022" y="746449"/>
-                <a:ext cx="5595256" cy="5318449"/>
-              </a:xfrm>
-              <a:prstGeom prst="roundRect">
-                <a:avLst/>
-              </a:prstGeom>
-            </p:spPr>
-            <p:style>
-              <a:lnRef idx="2">
-                <a:schemeClr val="dk1"/>
-              </a:lnRef>
-              <a:fillRef idx="1">
-                <a:schemeClr val="lt1"/>
-              </a:fillRef>
-              <a:effectRef idx="0">
-                <a:schemeClr val="dk1"/>
-              </a:effectRef>
-              <a:fontRef idx="minor">
-                <a:schemeClr val="dk1"/>
-              </a:fontRef>
-            </p:style>
-            <p:txBody>
-              <a:bodyPr rtlCol="0" anchor="ctr"/>
-              <a:lstStyle/>
-              <a:p>
-                <a:pPr algn="ctr"/>
-                <a:r>
-                  <a:rPr lang="en-US" dirty="0"/>
-                  <a:t>Simulation steps:</a:t>
-                </a:r>
-              </a:p>
-              <a:p>
-                <a:pPr algn="ctr"/>
-                <a:endParaRPr lang="en-US" dirty="0"/>
-              </a:p>
-              <a:p>
-                <a:pPr marL="342900" indent="-342900">
-                  <a:buFont typeface="+mj-lt"/>
-                  <a:buAutoNum type="arabicPeriod"/>
-                </a:pPr>
-                <a:r>
-                  <a:rPr lang="en-US" dirty="0"/>
-                  <a:t>Initialize the network graph with one node as a source of information</a:t>
-                </a:r>
-              </a:p>
-              <a:p>
-                <a:pPr marL="342900" indent="-342900">
-                  <a:buFont typeface="+mj-lt"/>
-                  <a:buAutoNum type="arabicPeriod"/>
-                </a:pPr>
-                <a:r>
-                  <a:rPr lang="en-US" dirty="0"/>
-                  <a:t>For each iteration step </a:t>
-                </a:r>
-                <a14:m>
-                  <m:oMath xmlns:m="http://schemas.openxmlformats.org/officeDocument/2006/math">
-                    <m:sSub>
-                      <m:sSubPr>
-                        <m:ctrlPr>
-                          <a:rPr lang="en-US" i="1" smtClean="0">
-                            <a:latin typeface="Cambria Math" panose="02040503050406030204" pitchFamily="18" charset="0"/>
-                          </a:rPr>
-                        </m:ctrlPr>
-                      </m:sSubPr>
-                      <m:e>
-                        <m:r>
-                          <a:rPr lang="de-DE" b="0" i="1" smtClean="0">
-                            <a:latin typeface="Cambria Math" panose="02040503050406030204" pitchFamily="18" charset="0"/>
-                          </a:rPr>
-                          <m:t>𝑡</m:t>
-                        </m:r>
-                      </m:e>
-                      <m:sub>
-                        <m:r>
-                          <a:rPr lang="de-DE" b="0" i="1" smtClean="0">
-                            <a:latin typeface="Cambria Math" panose="02040503050406030204" pitchFamily="18" charset="0"/>
-                          </a:rPr>
-                          <m:t>𝑖</m:t>
-                        </m:r>
-                      </m:sub>
-                    </m:sSub>
-                  </m:oMath>
-                </a14:m>
-                <a:r>
-                  <a:rPr lang="en-US" dirty="0"/>
-                  <a:t>:</a:t>
-                </a:r>
-              </a:p>
-              <a:p>
-                <a:pPr marL="800100" lvl="1" indent="-342900">
-                  <a:buFont typeface="+mj-lt"/>
-                  <a:buAutoNum type="alphaLcPeriod"/>
-                </a:pPr>
-                <a:r>
-                  <a:rPr lang="en-US" sz="1600" dirty="0"/>
-                  <a:t>Calculate the power consumption as the sum of the power consumption of all nodes, where each node </a:t>
-                </a:r>
-                <a14:m>
-                  <m:oMath xmlns:m="http://schemas.openxmlformats.org/officeDocument/2006/math">
-                    <m:r>
-                      <a:rPr lang="de-DE" sz="1600" b="0" i="1" smtClean="0">
-                        <a:latin typeface="Cambria Math" panose="02040503050406030204" pitchFamily="18" charset="0"/>
-                      </a:rPr>
-                      <m:t>𝑛</m:t>
-                    </m:r>
-                  </m:oMath>
-                </a14:m>
-                <a:r>
-                  <a:rPr lang="en-US" sz="1600" dirty="0"/>
-                  <a:t> consumes power given the equation </a:t>
-                </a:r>
-                <a14:m>
-                  <m:oMath xmlns:m="http://schemas.openxmlformats.org/officeDocument/2006/math">
-                    <m:sSub>
-                      <m:sSubPr>
-                        <m:ctrlPr>
-                          <a:rPr lang="en-US" sz="1600" i="1" smtClean="0">
-                            <a:latin typeface="Cambria Math" panose="02040503050406030204" pitchFamily="18" charset="0"/>
-                          </a:rPr>
-                        </m:ctrlPr>
-                      </m:sSubPr>
-                      <m:e>
-                        <m:r>
-                          <a:rPr lang="de-DE" sz="1600" b="0" i="1" smtClean="0">
-                            <a:latin typeface="Cambria Math" panose="02040503050406030204" pitchFamily="18" charset="0"/>
-                          </a:rPr>
-                          <m:t>𝑝𝑜𝑤𝑒𝑟</m:t>
-                        </m:r>
-                      </m:e>
-                      <m:sub>
-                        <m:r>
-                          <a:rPr lang="de-DE" sz="1600" b="0" i="1" smtClean="0">
-                            <a:latin typeface="Cambria Math" panose="02040503050406030204" pitchFamily="18" charset="0"/>
-                          </a:rPr>
-                          <m:t>𝑛</m:t>
-                        </m:r>
-                      </m:sub>
-                    </m:sSub>
-                    <m:r>
-                      <a:rPr lang="de-DE" sz="1600" b="0" i="1" smtClean="0">
-                        <a:latin typeface="Cambria Math" panose="02040503050406030204" pitchFamily="18" charset="0"/>
-                      </a:rPr>
-                      <m:t>=</m:t>
-                    </m:r>
-                    <m:r>
-                      <a:rPr lang="de-DE" sz="1600" b="0" i="1" smtClean="0">
-                        <a:latin typeface="Cambria Math" panose="02040503050406030204" pitchFamily="18" charset="0"/>
-                      </a:rPr>
-                      <m:t>𝑎</m:t>
-                    </m:r>
-                    <m:r>
-                      <a:rPr lang="de-DE" sz="1600" b="0" i="1" smtClean="0">
-                        <a:latin typeface="Cambria Math" panose="02040503050406030204" pitchFamily="18" charset="0"/>
-                        <a:ea typeface="Cambria Math" panose="02040503050406030204" pitchFamily="18" charset="0"/>
-                      </a:rPr>
-                      <m:t>∙</m:t>
-                    </m:r>
-                    <m:sSub>
-                      <m:sSubPr>
-                        <m:ctrlPr>
-                          <a:rPr lang="de-DE" sz="1600" b="0" i="1" smtClean="0">
-                            <a:latin typeface="Cambria Math" panose="02040503050406030204" pitchFamily="18" charset="0"/>
-                            <a:ea typeface="Cambria Math" panose="02040503050406030204" pitchFamily="18" charset="0"/>
-                          </a:rPr>
-                        </m:ctrlPr>
-                      </m:sSubPr>
-                      <m:e>
-                        <m:r>
-                          <a:rPr lang="de-DE" sz="1600" b="0" i="1" smtClean="0">
-                            <a:latin typeface="Cambria Math" panose="02040503050406030204" pitchFamily="18" charset="0"/>
-                            <a:ea typeface="Cambria Math" panose="02040503050406030204" pitchFamily="18" charset="0"/>
-                          </a:rPr>
-                          <m:t>𝑝𝑜𝑤𝑒𝑟</m:t>
-                        </m:r>
-                      </m:e>
-                      <m:sub>
-                        <m:r>
-                          <a:rPr lang="de-DE" sz="1600" b="0" i="1" smtClean="0">
-                            <a:latin typeface="Cambria Math" panose="02040503050406030204" pitchFamily="18" charset="0"/>
-                            <a:ea typeface="Cambria Math" panose="02040503050406030204" pitchFamily="18" charset="0"/>
-                          </a:rPr>
-                          <m:t>𝑟𝑒𝑓</m:t>
-                        </m:r>
-                      </m:sub>
-                    </m:sSub>
-                    <m:r>
-                      <a:rPr lang="de-DE" sz="1600" b="0" i="1" smtClean="0">
-                        <a:latin typeface="Cambria Math" panose="02040503050406030204" pitchFamily="18" charset="0"/>
-                        <a:ea typeface="Cambria Math" panose="02040503050406030204" pitchFamily="18" charset="0"/>
-                      </a:rPr>
-                      <m:t>+</m:t>
-                    </m:r>
-                    <m:r>
-                      <a:rPr lang="de-DE" sz="1600" b="0" i="1" smtClean="0">
-                        <a:latin typeface="Cambria Math" panose="02040503050406030204" pitchFamily="18" charset="0"/>
-                        <a:ea typeface="Cambria Math" panose="02040503050406030204" pitchFamily="18" charset="0"/>
-                      </a:rPr>
-                      <m:t>𝑜𝑓𝑓𝑠𝑒𝑡</m:t>
-                    </m:r>
-                  </m:oMath>
-                </a14:m>
-                <a:r>
-                  <a:rPr lang="en-US" sz="1600" dirty="0"/>
-                  <a:t>, where </a:t>
-                </a:r>
-                <a14:m>
-                  <m:oMath xmlns:m="http://schemas.openxmlformats.org/officeDocument/2006/math">
-                    <m:r>
-                      <a:rPr lang="de-DE" sz="1600" b="0" i="1" smtClean="0">
-                        <a:latin typeface="Cambria Math" panose="02040503050406030204" pitchFamily="18" charset="0"/>
-                      </a:rPr>
-                      <m:t>𝑎</m:t>
-                    </m:r>
-                  </m:oMath>
-                </a14:m>
-                <a:r>
-                  <a:rPr lang="en-US" sz="1600" dirty="0"/>
-                  <a:t> is the constant overconsumption factor and </a:t>
-                </a:r>
-                <a14:m>
-                  <m:oMath xmlns:m="http://schemas.openxmlformats.org/officeDocument/2006/math">
-                    <m:r>
-                      <a:rPr lang="de-DE" sz="1600" b="0" i="1" smtClean="0">
-                        <a:latin typeface="Cambria Math" panose="02040503050406030204" pitchFamily="18" charset="0"/>
-                      </a:rPr>
-                      <m:t>𝑜𝑓𝑓𝑠𝑒𝑡</m:t>
-                    </m:r>
-                  </m:oMath>
-                </a14:m>
-                <a:r>
-                  <a:rPr lang="en-US" sz="1600" dirty="0"/>
-                  <a:t> is the excess power demand by the usage of the appliances defined in the JSON file</a:t>
-                </a:r>
-              </a:p>
-              <a:p>
-                <a:pPr marL="800100" lvl="1" indent="-342900">
-                  <a:buFont typeface="+mj-lt"/>
-                  <a:buAutoNum type="alphaLcPeriod"/>
-                </a:pPr>
-                <a:r>
-                  <a:rPr lang="en-US" sz="1600" dirty="0"/>
-                  <a:t>Calculate the next step of the information propagation process</a:t>
-                </a:r>
-              </a:p>
-              <a:p>
-                <a:pPr marL="1257300" lvl="2" indent="-342900">
-                  <a:buFont typeface="+mj-lt"/>
-                  <a:buAutoNum type="romanLcPeriod"/>
-                </a:pPr>
-                <a:r>
-                  <a:rPr lang="en-US" sz="1400" dirty="0"/>
-                  <a:t>Check if newly infected households will ever act on the information</a:t>
-                </a:r>
-              </a:p>
-              <a:p>
-                <a:pPr marL="1257300" lvl="2" indent="-342900">
-                  <a:buFont typeface="+mj-lt"/>
-                  <a:buAutoNum type="romanLcPeriod"/>
-                </a:pPr>
-                <a:r>
-                  <a:rPr lang="en-US" sz="1400" dirty="0"/>
-                  <a:t>Check if infected households will delay their actions</a:t>
-                </a:r>
-                <a:endParaRPr lang="en-US" dirty="0"/>
-              </a:p>
-              <a:p>
-                <a:pPr algn="ctr"/>
-                <a:endParaRPr lang="en-US" dirty="0"/>
-              </a:p>
-            </p:txBody>
-          </p:sp>
-        </mc:Choice>
-        <mc:Fallback xmlns="">
-          <p:sp>
-            <p:nvSpPr>
-              <p:cNvPr id="5" name="Rechteck: abgerundete Ecken 4">
-                <a:extLst>
-                  <a:ext uri="{FF2B5EF4-FFF2-40B4-BE49-F238E27FC236}">
-                    <a16:creationId xmlns:a16="http://schemas.microsoft.com/office/drawing/2014/main" id="{7578C3A9-59A2-1568-E5E3-55796468011A}"/>
-                  </a:ext>
-                </a:extLst>
-              </p:cNvPr>
-              <p:cNvSpPr>
-                <a:spLocks noRot="1" noChangeAspect="1" noMove="1" noResize="1" noEditPoints="1" noAdjustHandles="1" noChangeArrowheads="1" noChangeShapeType="1" noTextEdit="1"/>
-              </p:cNvSpPr>
-              <p:nvPr/>
-            </p:nvSpPr>
-            <p:spPr>
-              <a:xfrm>
-                <a:off x="2597022" y="746449"/>
-                <a:ext cx="5595256" cy="5318449"/>
-              </a:xfrm>
-              <a:prstGeom prst="roundRect">
-                <a:avLst/>
-              </a:prstGeom>
-              <a:blipFill>
-                <a:blip r:embed="rId2"/>
-                <a:stretch>
-                  <a:fillRect/>
-                </a:stretch>
-              </a:blipFill>
-            </p:spPr>
-            <p:txBody>
-              <a:bodyPr/>
-              <a:lstStyle/>
-              <a:p>
-                <a:r>
-                  <a:rPr lang="de-DE">
-                    <a:noFill/>
-                  </a:rPr>
-                  <a:t> </a:t>
-                </a:r>
-              </a:p>
-            </p:txBody>
-          </p:sp>
-        </mc:Fallback>
-      </mc:AlternateContent>
+      <p:sp>
+        <p:nvSpPr>
+          <p:cNvPr id="5" name="Rechteck: abgerundete Ecken 4">
+            <a:extLst>
+              <a:ext uri="{FF2B5EF4-FFF2-40B4-BE49-F238E27FC236}">
+                <a16:creationId xmlns:a16="http://schemas.microsoft.com/office/drawing/2014/main" id="{7578C3A9-59A2-1568-E5E3-55796468011A}"/>
+              </a:ext>
+            </a:extLst>
+          </p:cNvPr>
+          <p:cNvSpPr/>
+          <p:nvPr/>
+        </p:nvSpPr>
+        <p:spPr>
+          <a:xfrm>
+            <a:off x="2577353" y="2539958"/>
+            <a:ext cx="5595256" cy="1731427"/>
+          </a:xfrm>
+          <a:prstGeom prst="roundRect">
+            <a:avLst/>
+          </a:prstGeom>
+        </p:spPr>
+        <p:style>
+          <a:lnRef idx="2">
+            <a:schemeClr val="dk1"/>
+          </a:lnRef>
+          <a:fillRef idx="1">
+            <a:schemeClr val="lt1"/>
+          </a:fillRef>
+          <a:effectRef idx="0">
+            <a:schemeClr val="dk1"/>
+          </a:effectRef>
+          <a:fontRef idx="minor">
+            <a:schemeClr val="dk1"/>
+          </a:fontRef>
+        </p:style>
+        <p:txBody>
+          <a:bodyPr rtlCol="0" anchor="ctr"/>
+          <a:lstStyle/>
+          <a:p>
+            <a:pPr algn="ctr"/>
+            <a:endParaRPr lang="en-US" dirty="0"/>
+          </a:p>
+          <a:p>
+            <a:pPr marL="342900" indent="-342900">
+              <a:buFont typeface="+mj-lt"/>
+              <a:buAutoNum type="arabicPeriod"/>
+            </a:pPr>
+            <a:r>
+              <a:rPr lang="en-US" dirty="0"/>
+              <a:t>Initialize the network graph with one node as a source of information</a:t>
+            </a:r>
+          </a:p>
+          <a:p>
+            <a:pPr marL="342900" indent="-342900">
+              <a:buFont typeface="+mj-lt"/>
+              <a:buAutoNum type="arabicPeriod"/>
+            </a:pPr>
+            <a:r>
+              <a:rPr lang="de-DE" dirty="0"/>
+              <a:t>Run </a:t>
+            </a:r>
+            <a:r>
+              <a:rPr lang="en-US" dirty="0"/>
+              <a:t>the simulation algorithm</a:t>
+            </a:r>
+          </a:p>
+          <a:p>
+            <a:pPr algn="ctr"/>
+            <a:endParaRPr lang="en-US" dirty="0"/>
+          </a:p>
+        </p:txBody>
+      </p:sp>
       <p:cxnSp>
         <p:nvCxnSpPr>
           <p:cNvPr id="10" name="Gerade Verbindung mit Pfeil 9">
@@ -7425,9 +7184,9 @@
           <p:nvPr/>
         </p:nvCxnSpPr>
         <p:spPr>
-          <a:xfrm>
-            <a:off x="2320990" y="3405673"/>
-            <a:ext cx="276032" cy="1"/>
+          <a:xfrm flipV="1">
+            <a:off x="2320990" y="3405672"/>
+            <a:ext cx="256363" cy="1"/>
           </a:xfrm>
           <a:prstGeom prst="straightConnector1">
             <a:avLst/>
@@ -7466,7 +7225,7 @@
           <p:nvPr/>
         </p:nvPicPr>
         <p:blipFill rotWithShape="1">
-          <a:blip r:embed="rId3">
+          <a:blip r:embed="rId2">
             <a:extLst>
               <a:ext uri="{28A0092B-C50C-407E-A947-70E740481C1C}">
                 <a14:useLocalDpi xmlns:a14="http://schemas.microsoft.com/office/drawing/2010/main" val="0"/>
@@ -7537,7 +7296,7 @@
           <p:nvPr/>
         </p:nvPicPr>
         <p:blipFill>
-          <a:blip r:embed="rId4"/>
+          <a:blip r:embed="rId3"/>
           <a:stretch>
             <a:fillRect/>
           </a:stretch>
@@ -7704,9 +7463,9 @@
           <p:nvPr/>
         </p:nvCxnSpPr>
         <p:spPr>
-          <a:xfrm flipV="1">
-            <a:off x="8192278" y="3405673"/>
-            <a:ext cx="276032" cy="1"/>
+          <a:xfrm>
+            <a:off x="8172609" y="3405672"/>
+            <a:ext cx="295701" cy="1"/>
           </a:xfrm>
           <a:prstGeom prst="straightConnector1">
             <a:avLst/>
@@ -7745,7 +7504,7 @@
           <p:nvPr/>
         </p:nvPicPr>
         <p:blipFill>
-          <a:blip r:embed="rId5"/>
+          <a:blip r:embed="rId4"/>
           <a:stretch>
             <a:fillRect/>
           </a:stretch>
@@ -7811,7 +7570,7 @@
           <p:nvPr/>
         </p:nvPicPr>
         <p:blipFill rotWithShape="1">
-          <a:blip r:embed="rId6"/>
+          <a:blip r:embed="rId5"/>
           <a:srcRect l="1313" t="4028" r="50000" b="1"/>
           <a:stretch/>
         </p:blipFill>

--- a/presentations/GrafikenThesis.pptx
+++ b/presentations/GrafikenThesis.pptx
@@ -264,7 +264,7 @@
           <a:p>
             <a:fld id="{1E68AC87-6ADD-4255-8209-B0E6CC8A4267}" type="datetimeFigureOut">
               <a:rPr lang="de-DE" smtClean="0"/>
-              <a:t>27.09.2023</a:t>
+              <a:t>03.10.2023</a:t>
             </a:fld>
             <a:endParaRPr lang="de-DE"/>
           </a:p>
@@ -462,7 +462,7 @@
           <a:p>
             <a:fld id="{1E68AC87-6ADD-4255-8209-B0E6CC8A4267}" type="datetimeFigureOut">
               <a:rPr lang="de-DE" smtClean="0"/>
-              <a:t>27.09.2023</a:t>
+              <a:t>03.10.2023</a:t>
             </a:fld>
             <a:endParaRPr lang="de-DE"/>
           </a:p>
@@ -670,7 +670,7 @@
           <a:p>
             <a:fld id="{1E68AC87-6ADD-4255-8209-B0E6CC8A4267}" type="datetimeFigureOut">
               <a:rPr lang="de-DE" smtClean="0"/>
-              <a:t>27.09.2023</a:t>
+              <a:t>03.10.2023</a:t>
             </a:fld>
             <a:endParaRPr lang="de-DE"/>
           </a:p>
@@ -868,7 +868,7 @@
           <a:p>
             <a:fld id="{1E68AC87-6ADD-4255-8209-B0E6CC8A4267}" type="datetimeFigureOut">
               <a:rPr lang="de-DE" smtClean="0"/>
-              <a:t>27.09.2023</a:t>
+              <a:t>03.10.2023</a:t>
             </a:fld>
             <a:endParaRPr lang="de-DE"/>
           </a:p>
@@ -1143,7 +1143,7 @@
           <a:p>
             <a:fld id="{1E68AC87-6ADD-4255-8209-B0E6CC8A4267}" type="datetimeFigureOut">
               <a:rPr lang="de-DE" smtClean="0"/>
-              <a:t>27.09.2023</a:t>
+              <a:t>03.10.2023</a:t>
             </a:fld>
             <a:endParaRPr lang="de-DE"/>
           </a:p>
@@ -1408,7 +1408,7 @@
           <a:p>
             <a:fld id="{1E68AC87-6ADD-4255-8209-B0E6CC8A4267}" type="datetimeFigureOut">
               <a:rPr lang="de-DE" smtClean="0"/>
-              <a:t>27.09.2023</a:t>
+              <a:t>03.10.2023</a:t>
             </a:fld>
             <a:endParaRPr lang="de-DE"/>
           </a:p>
@@ -1820,7 +1820,7 @@
           <a:p>
             <a:fld id="{1E68AC87-6ADD-4255-8209-B0E6CC8A4267}" type="datetimeFigureOut">
               <a:rPr lang="de-DE" smtClean="0"/>
-              <a:t>27.09.2023</a:t>
+              <a:t>03.10.2023</a:t>
             </a:fld>
             <a:endParaRPr lang="de-DE"/>
           </a:p>
@@ -1961,7 +1961,7 @@
           <a:p>
             <a:fld id="{1E68AC87-6ADD-4255-8209-B0E6CC8A4267}" type="datetimeFigureOut">
               <a:rPr lang="de-DE" smtClean="0"/>
-              <a:t>27.09.2023</a:t>
+              <a:t>03.10.2023</a:t>
             </a:fld>
             <a:endParaRPr lang="de-DE"/>
           </a:p>
@@ -2074,7 +2074,7 @@
           <a:p>
             <a:fld id="{1E68AC87-6ADD-4255-8209-B0E6CC8A4267}" type="datetimeFigureOut">
               <a:rPr lang="de-DE" smtClean="0"/>
-              <a:t>27.09.2023</a:t>
+              <a:t>03.10.2023</a:t>
             </a:fld>
             <a:endParaRPr lang="de-DE"/>
           </a:p>
@@ -2385,7 +2385,7 @@
           <a:p>
             <a:fld id="{1E68AC87-6ADD-4255-8209-B0E6CC8A4267}" type="datetimeFigureOut">
               <a:rPr lang="de-DE" smtClean="0"/>
-              <a:t>27.09.2023</a:t>
+              <a:t>03.10.2023</a:t>
             </a:fld>
             <a:endParaRPr lang="de-DE"/>
           </a:p>
@@ -2673,7 +2673,7 @@
           <a:p>
             <a:fld id="{1E68AC87-6ADD-4255-8209-B0E6CC8A4267}" type="datetimeFigureOut">
               <a:rPr lang="de-DE" smtClean="0"/>
-              <a:t>27.09.2023</a:t>
+              <a:t>03.10.2023</a:t>
             </a:fld>
             <a:endParaRPr lang="de-DE"/>
           </a:p>
@@ -2914,7 +2914,7 @@
           <a:p>
             <a:fld id="{1E68AC87-6ADD-4255-8209-B0E6CC8A4267}" type="datetimeFigureOut">
               <a:rPr lang="de-DE" smtClean="0"/>
-              <a:t>27.09.2023</a:t>
+              <a:t>03.10.2023</a:t>
             </a:fld>
             <a:endParaRPr lang="de-DE"/>
           </a:p>
@@ -3467,7 +3467,7 @@
             <a:pPr algn="ctr"/>
             <a:r>
               <a:rPr lang="en-US" dirty="0"/>
-              <a:t>Filter the data plot</a:t>
+              <a:t>Smoothen data plot</a:t>
             </a:r>
           </a:p>
         </p:txBody>
@@ -3540,7 +3540,7 @@
                             <a:rPr lang="de-DE" b="0" i="1" smtClean="0">
                               <a:latin typeface="Cambria Math" panose="02040503050406030204" pitchFamily="18" charset="0"/>
                             </a:rPr>
-                            <m:t>((</m:t>
+                            <m:t>(</m:t>
                           </m:r>
                           <m:r>
                             <a:rPr lang="de-DE" b="0" i="1" smtClean="0">
@@ -7557,10 +7557,10 @@
       </p:sp>
       <p:pic>
         <p:nvPicPr>
-          <p:cNvPr id="65" name="Grafik 64">
-            <a:extLst>
-              <a:ext uri="{FF2B5EF4-FFF2-40B4-BE49-F238E27FC236}">
-                <a16:creationId xmlns:a16="http://schemas.microsoft.com/office/drawing/2014/main" id="{40CC10EE-C351-BE5B-064E-F8D440250E88}"/>
+          <p:cNvPr id="3" name="Grafik 2">
+            <a:extLst>
+              <a:ext uri="{FF2B5EF4-FFF2-40B4-BE49-F238E27FC236}">
+                <a16:creationId xmlns:a16="http://schemas.microsoft.com/office/drawing/2014/main" id="{40BCA446-136F-E75D-C213-E567B00CD834}"/>
               </a:ext>
             </a:extLst>
           </p:cNvPr>
@@ -7570,14 +7570,23 @@
           <p:nvPr/>
         </p:nvPicPr>
         <p:blipFill rotWithShape="1">
-          <a:blip r:embed="rId5"/>
-          <a:srcRect l="1313" t="4028" r="50000" b="1"/>
+          <a:blip r:embed="rId5">
+            <a:extLst>
+              <a:ext uri="{28A0092B-C50C-407E-A947-70E740481C1C}">
+                <a14:useLocalDpi xmlns:a14="http://schemas.microsoft.com/office/drawing/2010/main" val="0"/>
+              </a:ext>
+              <a:ext uri="{96DAC541-7B7A-43D3-8B79-37D633B846F1}">
+                <asvg:svgBlip xmlns:asvg="http://schemas.microsoft.com/office/drawing/2016/SVG/main" r:embed="rId6"/>
+              </a:ext>
+            </a:extLst>
+          </a:blip>
+          <a:srcRect l="7272" r="50944"/>
           <a:stretch/>
         </p:blipFill>
         <p:spPr>
           <a:xfrm>
-            <a:off x="8511627" y="1881314"/>
-            <a:ext cx="3474550" cy="3095372"/>
+            <a:off x="8640146" y="1847940"/>
+            <a:ext cx="3282863" cy="3367137"/>
           </a:xfrm>
           <a:prstGeom prst="rect">
             <a:avLst/>

--- a/presentations/GrafikenThesis.pptx
+++ b/presentations/GrafikenThesis.pptx
@@ -264,7 +264,7 @@
           <a:p>
             <a:fld id="{1E68AC87-6ADD-4255-8209-B0E6CC8A4267}" type="datetimeFigureOut">
               <a:rPr lang="de-DE" smtClean="0"/>
-              <a:t>03.10.2023</a:t>
+              <a:t>04.10.2023</a:t>
             </a:fld>
             <a:endParaRPr lang="de-DE"/>
           </a:p>
@@ -462,7 +462,7 @@
           <a:p>
             <a:fld id="{1E68AC87-6ADD-4255-8209-B0E6CC8A4267}" type="datetimeFigureOut">
               <a:rPr lang="de-DE" smtClean="0"/>
-              <a:t>03.10.2023</a:t>
+              <a:t>04.10.2023</a:t>
             </a:fld>
             <a:endParaRPr lang="de-DE"/>
           </a:p>
@@ -670,7 +670,7 @@
           <a:p>
             <a:fld id="{1E68AC87-6ADD-4255-8209-B0E6CC8A4267}" type="datetimeFigureOut">
               <a:rPr lang="de-DE" smtClean="0"/>
-              <a:t>03.10.2023</a:t>
+              <a:t>04.10.2023</a:t>
             </a:fld>
             <a:endParaRPr lang="de-DE"/>
           </a:p>
@@ -868,7 +868,7 @@
           <a:p>
             <a:fld id="{1E68AC87-6ADD-4255-8209-B0E6CC8A4267}" type="datetimeFigureOut">
               <a:rPr lang="de-DE" smtClean="0"/>
-              <a:t>03.10.2023</a:t>
+              <a:t>04.10.2023</a:t>
             </a:fld>
             <a:endParaRPr lang="de-DE"/>
           </a:p>
@@ -1143,7 +1143,7 @@
           <a:p>
             <a:fld id="{1E68AC87-6ADD-4255-8209-B0E6CC8A4267}" type="datetimeFigureOut">
               <a:rPr lang="de-DE" smtClean="0"/>
-              <a:t>03.10.2023</a:t>
+              <a:t>04.10.2023</a:t>
             </a:fld>
             <a:endParaRPr lang="de-DE"/>
           </a:p>
@@ -1408,7 +1408,7 @@
           <a:p>
             <a:fld id="{1E68AC87-6ADD-4255-8209-B0E6CC8A4267}" type="datetimeFigureOut">
               <a:rPr lang="de-DE" smtClean="0"/>
-              <a:t>03.10.2023</a:t>
+              <a:t>04.10.2023</a:t>
             </a:fld>
             <a:endParaRPr lang="de-DE"/>
           </a:p>
@@ -1820,7 +1820,7 @@
           <a:p>
             <a:fld id="{1E68AC87-6ADD-4255-8209-B0E6CC8A4267}" type="datetimeFigureOut">
               <a:rPr lang="de-DE" smtClean="0"/>
-              <a:t>03.10.2023</a:t>
+              <a:t>04.10.2023</a:t>
             </a:fld>
             <a:endParaRPr lang="de-DE"/>
           </a:p>
@@ -1961,7 +1961,7 @@
           <a:p>
             <a:fld id="{1E68AC87-6ADD-4255-8209-B0E6CC8A4267}" type="datetimeFigureOut">
               <a:rPr lang="de-DE" smtClean="0"/>
-              <a:t>03.10.2023</a:t>
+              <a:t>04.10.2023</a:t>
             </a:fld>
             <a:endParaRPr lang="de-DE"/>
           </a:p>
@@ -2074,7 +2074,7 @@
           <a:p>
             <a:fld id="{1E68AC87-6ADD-4255-8209-B0E6CC8A4267}" type="datetimeFigureOut">
               <a:rPr lang="de-DE" smtClean="0"/>
-              <a:t>03.10.2023</a:t>
+              <a:t>04.10.2023</a:t>
             </a:fld>
             <a:endParaRPr lang="de-DE"/>
           </a:p>
@@ -2385,7 +2385,7 @@
           <a:p>
             <a:fld id="{1E68AC87-6ADD-4255-8209-B0E6CC8A4267}" type="datetimeFigureOut">
               <a:rPr lang="de-DE" smtClean="0"/>
-              <a:t>03.10.2023</a:t>
+              <a:t>04.10.2023</a:t>
             </a:fld>
             <a:endParaRPr lang="de-DE"/>
           </a:p>
@@ -2673,7 +2673,7 @@
           <a:p>
             <a:fld id="{1E68AC87-6ADD-4255-8209-B0E6CC8A4267}" type="datetimeFigureOut">
               <a:rPr lang="de-DE" smtClean="0"/>
-              <a:t>03.10.2023</a:t>
+              <a:t>04.10.2023</a:t>
             </a:fld>
             <a:endParaRPr lang="de-DE"/>
           </a:p>
@@ -2914,7 +2914,7 @@
           <a:p>
             <a:fld id="{1E68AC87-6ADD-4255-8209-B0E6CC8A4267}" type="datetimeFigureOut">
               <a:rPr lang="de-DE" smtClean="0"/>
-              <a:t>03.10.2023</a:t>
+              <a:t>04.10.2023</a:t>
             </a:fld>
             <a:endParaRPr lang="de-DE"/>
           </a:p>
@@ -3420,7 +3420,7 @@
             <a:pPr algn="ctr"/>
             <a:r>
               <a:rPr lang="en-US" dirty="0"/>
-              <a:t>Count the amount of social media posts over a given amount of time</a:t>
+              <a:t>Count the number of social media posts over a given amount of time</a:t>
             </a:r>
           </a:p>
         </p:txBody>
@@ -3472,8 +3472,8 @@
           </a:p>
         </p:txBody>
       </p:sp>
-      <mc:AlternateContent xmlns:mc="http://schemas.openxmlformats.org/markup-compatibility/2006">
-        <mc:Choice xmlns:a14="http://schemas.microsoft.com/office/drawing/2010/main" Requires="a14">
+      <mc:AlternateContent xmlns:mc="http://schemas.openxmlformats.org/markup-compatibility/2006" xmlns:a14="http://schemas.microsoft.com/office/drawing/2010/main">
+        <mc:Choice Requires="a14">
           <p:sp>
             <p:nvSpPr>
               <p:cNvPr id="7" name="Rechteck: abgerundete Ecken 6">
@@ -3637,7 +3637,7 @@
             </p:txBody>
           </p:sp>
         </mc:Choice>
-        <mc:Fallback>
+        <mc:Fallback xmlns="">
           <p:sp>
             <p:nvSpPr>
               <p:cNvPr id="7" name="Rechteck: abgerundete Ecken 6">

--- a/presentations/GrafikenThesis.pptx
+++ b/presentations/GrafikenThesis.pptx
@@ -11,6 +11,7 @@
     <p:sldId id="259" r:id="rId5"/>
     <p:sldId id="260" r:id="rId6"/>
     <p:sldId id="261" r:id="rId7"/>
+    <p:sldId id="263" r:id="rId8"/>
   </p:sldIdLst>
   <p:sldSz cx="12192000" cy="6858000"/>
   <p:notesSz cx="6858000" cy="9144000"/>
@@ -264,7 +265,7 @@
           <a:p>
             <a:fld id="{1E68AC87-6ADD-4255-8209-B0E6CC8A4267}" type="datetimeFigureOut">
               <a:rPr lang="de-DE" smtClean="0"/>
-              <a:t>04.10.2023</a:t>
+              <a:t>20.05.2024</a:t>
             </a:fld>
             <a:endParaRPr lang="de-DE"/>
           </a:p>
@@ -462,7 +463,7 @@
           <a:p>
             <a:fld id="{1E68AC87-6ADD-4255-8209-B0E6CC8A4267}" type="datetimeFigureOut">
               <a:rPr lang="de-DE" smtClean="0"/>
-              <a:t>04.10.2023</a:t>
+              <a:t>20.05.2024</a:t>
             </a:fld>
             <a:endParaRPr lang="de-DE"/>
           </a:p>
@@ -670,7 +671,7 @@
           <a:p>
             <a:fld id="{1E68AC87-6ADD-4255-8209-B0E6CC8A4267}" type="datetimeFigureOut">
               <a:rPr lang="de-DE" smtClean="0"/>
-              <a:t>04.10.2023</a:t>
+              <a:t>20.05.2024</a:t>
             </a:fld>
             <a:endParaRPr lang="de-DE"/>
           </a:p>
@@ -868,7 +869,7 @@
           <a:p>
             <a:fld id="{1E68AC87-6ADD-4255-8209-B0E6CC8A4267}" type="datetimeFigureOut">
               <a:rPr lang="de-DE" smtClean="0"/>
-              <a:t>04.10.2023</a:t>
+              <a:t>20.05.2024</a:t>
             </a:fld>
             <a:endParaRPr lang="de-DE"/>
           </a:p>
@@ -1143,7 +1144,7 @@
           <a:p>
             <a:fld id="{1E68AC87-6ADD-4255-8209-B0E6CC8A4267}" type="datetimeFigureOut">
               <a:rPr lang="de-DE" smtClean="0"/>
-              <a:t>04.10.2023</a:t>
+              <a:t>20.05.2024</a:t>
             </a:fld>
             <a:endParaRPr lang="de-DE"/>
           </a:p>
@@ -1408,7 +1409,7 @@
           <a:p>
             <a:fld id="{1E68AC87-6ADD-4255-8209-B0E6CC8A4267}" type="datetimeFigureOut">
               <a:rPr lang="de-DE" smtClean="0"/>
-              <a:t>04.10.2023</a:t>
+              <a:t>20.05.2024</a:t>
             </a:fld>
             <a:endParaRPr lang="de-DE"/>
           </a:p>
@@ -1820,7 +1821,7 @@
           <a:p>
             <a:fld id="{1E68AC87-6ADD-4255-8209-B0E6CC8A4267}" type="datetimeFigureOut">
               <a:rPr lang="de-DE" smtClean="0"/>
-              <a:t>04.10.2023</a:t>
+              <a:t>20.05.2024</a:t>
             </a:fld>
             <a:endParaRPr lang="de-DE"/>
           </a:p>
@@ -1961,7 +1962,7 @@
           <a:p>
             <a:fld id="{1E68AC87-6ADD-4255-8209-B0E6CC8A4267}" type="datetimeFigureOut">
               <a:rPr lang="de-DE" smtClean="0"/>
-              <a:t>04.10.2023</a:t>
+              <a:t>20.05.2024</a:t>
             </a:fld>
             <a:endParaRPr lang="de-DE"/>
           </a:p>
@@ -2074,7 +2075,7 @@
           <a:p>
             <a:fld id="{1E68AC87-6ADD-4255-8209-B0E6CC8A4267}" type="datetimeFigureOut">
               <a:rPr lang="de-DE" smtClean="0"/>
-              <a:t>04.10.2023</a:t>
+              <a:t>20.05.2024</a:t>
             </a:fld>
             <a:endParaRPr lang="de-DE"/>
           </a:p>
@@ -2385,7 +2386,7 @@
           <a:p>
             <a:fld id="{1E68AC87-6ADD-4255-8209-B0E6CC8A4267}" type="datetimeFigureOut">
               <a:rPr lang="de-DE" smtClean="0"/>
-              <a:t>04.10.2023</a:t>
+              <a:t>20.05.2024</a:t>
             </a:fld>
             <a:endParaRPr lang="de-DE"/>
           </a:p>
@@ -2673,7 +2674,7 @@
           <a:p>
             <a:fld id="{1E68AC87-6ADD-4255-8209-B0E6CC8A4267}" type="datetimeFigureOut">
               <a:rPr lang="de-DE" smtClean="0"/>
-              <a:t>04.10.2023</a:t>
+              <a:t>20.05.2024</a:t>
             </a:fld>
             <a:endParaRPr lang="de-DE"/>
           </a:p>
@@ -2914,7 +2915,7 @@
           <a:p>
             <a:fld id="{1E68AC87-6ADD-4255-8209-B0E6CC8A4267}" type="datetimeFigureOut">
               <a:rPr lang="de-DE" smtClean="0"/>
-              <a:t>04.10.2023</a:t>
+              <a:t>20.05.2024</a:t>
             </a:fld>
             <a:endParaRPr lang="de-DE"/>
           </a:p>
@@ -4037,8 +4038,8 @@
         </p:nvSpPr>
         <p:spPr>
           <a:xfrm>
-            <a:off x="3498980" y="2397967"/>
-            <a:ext cx="1212979" cy="942392"/>
+            <a:off x="3498980" y="2397966"/>
+            <a:ext cx="2164702" cy="1651519"/>
           </a:xfrm>
           <a:prstGeom prst="rect">
             <a:avLst/>
@@ -4046,6 +4047,63 @@
           <a:solidFill>
             <a:srgbClr val="FF0000"/>
           </a:solidFill>
+        </p:spPr>
+        <p:style>
+          <a:lnRef idx="2">
+            <a:schemeClr val="accent1">
+              <a:shade val="15000"/>
+            </a:schemeClr>
+          </a:lnRef>
+          <a:fillRef idx="1">
+            <a:schemeClr val="accent1"/>
+          </a:fillRef>
+          <a:effectRef idx="0">
+            <a:schemeClr val="accent1"/>
+          </a:effectRef>
+          <a:fontRef idx="minor">
+            <a:schemeClr val="lt1"/>
+          </a:fontRef>
+        </p:style>
+        <p:txBody>
+          <a:bodyPr rtlCol="0" anchor="ctr"/>
+          <a:lstStyle/>
+          <a:p>
+            <a:pPr algn="ctr"/>
+            <a:r>
+              <a:rPr lang="de-DE" b="1" dirty="0"/>
+              <a:t>E.OFF</a:t>
+            </a:r>
+          </a:p>
+        </p:txBody>
+      </p:sp>
+      <p:sp>
+        <p:nvSpPr>
+          <p:cNvPr id="5" name="Ellipse 4">
+            <a:extLst>
+              <a:ext uri="{FF2B5EF4-FFF2-40B4-BE49-F238E27FC236}">
+                <a16:creationId xmlns:a16="http://schemas.microsoft.com/office/drawing/2014/main" id="{E8605E5C-47BD-DBE5-C1F9-C905C7083D84}"/>
+              </a:ext>
+            </a:extLst>
+          </p:cNvPr>
+          <p:cNvSpPr/>
+          <p:nvPr/>
+        </p:nvSpPr>
+        <p:spPr>
+          <a:xfrm>
+            <a:off x="1511559" y="3079102"/>
+            <a:ext cx="1259633" cy="1334278"/>
+          </a:xfrm>
+          <a:prstGeom prst="ellipse">
+            <a:avLst/>
+          </a:prstGeom>
+          <a:solidFill>
+            <a:srgbClr val="FF0000"/>
+          </a:solidFill>
+          <a:ln>
+            <a:solidFill>
+              <a:srgbClr val="FF0000"/>
+            </a:solidFill>
+          </a:ln>
         </p:spPr>
         <p:style>
           <a:lnRef idx="2">
@@ -4120,7 +4178,7 @@
         <p:spPr>
           <a:xfrm>
             <a:off x="1362272" y="2780523"/>
-            <a:ext cx="2108718" cy="1101012"/>
+            <a:ext cx="2108718" cy="648477"/>
           </a:xfrm>
           <a:prstGeom prst="roundRect">
             <a:avLst/>
@@ -4167,7 +4225,7 @@
         <p:spPr>
           <a:xfrm>
             <a:off x="3763348" y="2780523"/>
-            <a:ext cx="2108718" cy="1101012"/>
+            <a:ext cx="2108718" cy="648477"/>
           </a:xfrm>
           <a:prstGeom prst="roundRect">
             <a:avLst/>
@@ -4214,7 +4272,7 @@
         <p:spPr>
           <a:xfrm>
             <a:off x="6207967" y="2774173"/>
-            <a:ext cx="2108718" cy="1101012"/>
+            <a:ext cx="2108718" cy="654827"/>
           </a:xfrm>
           <a:prstGeom prst="roundRect">
             <a:avLst/>
@@ -4260,8 +4318,8 @@
         </p:nvSpPr>
         <p:spPr>
           <a:xfrm>
-            <a:off x="8652586" y="2780523"/>
-            <a:ext cx="2108718" cy="1101012"/>
+            <a:off x="8652585" y="2780523"/>
+            <a:ext cx="2862081" cy="648477"/>
           </a:xfrm>
           <a:prstGeom prst="roundRect">
             <a:avLst/>
@@ -4288,14 +4346,7 @@
             <a:pPr algn="ctr"/>
             <a:r>
               <a:rPr lang="en-US" dirty="0"/>
-              <a:t>Power demand exceeds threshold?</a:t>
-            </a:r>
-          </a:p>
-          <a:p>
-            <a:pPr algn="ctr"/>
-            <a:r>
-              <a:rPr lang="en-US" dirty="0"/>
-              <a:t>Yes/No</a:t>
+              <a:t>Predict critical peak electricity demand trends</a:t>
             </a:r>
           </a:p>
         </p:txBody>
@@ -4310,6 +4361,7 @@
             </a:extLst>
           </p:cNvPr>
           <p:cNvCxnSpPr>
+            <a:cxnSpLocks/>
             <a:stCxn id="4" idx="3"/>
             <a:endCxn id="5" idx="1"/>
           </p:cNvCxnSpPr>
@@ -4317,7 +4369,7 @@
         </p:nvCxnSpPr>
         <p:spPr>
           <a:xfrm>
-            <a:off x="3470990" y="3331029"/>
+            <a:off x="3470990" y="3104762"/>
             <a:ext cx="292358" cy="0"/>
           </a:xfrm>
           <a:prstGeom prst="straightConnector1">
@@ -4360,8 +4412,8 @@
         </p:nvCxnSpPr>
         <p:spPr>
           <a:xfrm flipV="1">
-            <a:off x="5872066" y="3324679"/>
-            <a:ext cx="335901" cy="6350"/>
+            <a:off x="5872066" y="3101587"/>
+            <a:ext cx="335901" cy="3175"/>
           </a:xfrm>
           <a:prstGeom prst="straightConnector1">
             <a:avLst/>
@@ -4395,6 +4447,7 @@
             </a:extLst>
           </p:cNvPr>
           <p:cNvCxnSpPr>
+            <a:cxnSpLocks/>
             <a:stCxn id="6" idx="3"/>
             <a:endCxn id="7" idx="1"/>
           </p:cNvCxnSpPr>
@@ -4402,8 +4455,8 @@
         </p:nvCxnSpPr>
         <p:spPr>
           <a:xfrm>
-            <a:off x="8316685" y="3324679"/>
-            <a:ext cx="335901" cy="6350"/>
+            <a:off x="8316685" y="3101587"/>
+            <a:ext cx="335900" cy="3175"/>
           </a:xfrm>
           <a:prstGeom prst="straightConnector1">
             <a:avLst/>
@@ -7606,6 +7659,1636 @@
 </p:sld>
 </file>
 
+<file path=ppt/slides/slide7.xml><?xml version="1.0" encoding="utf-8"?>
+<p:sld xmlns:a="http://schemas.openxmlformats.org/drawingml/2006/main" xmlns:r="http://schemas.openxmlformats.org/officeDocument/2006/relationships" xmlns:p="http://schemas.openxmlformats.org/presentationml/2006/main">
+  <p:cSld>
+    <p:spTree>
+      <p:nvGrpSpPr>
+        <p:cNvPr id="1" name=""/>
+        <p:cNvGrpSpPr/>
+        <p:nvPr/>
+      </p:nvGrpSpPr>
+      <p:grpSpPr>
+        <a:xfrm>
+          <a:off x="0" y="0"/>
+          <a:ext cx="0" cy="0"/>
+          <a:chOff x="0" y="0"/>
+          <a:chExt cx="0" cy="0"/>
+        </a:xfrm>
+      </p:grpSpPr>
+      <p:sp>
+        <p:nvSpPr>
+          <p:cNvPr id="4" name="Rechteck: abgerundete Ecken 3">
+            <a:extLst>
+              <a:ext uri="{FF2B5EF4-FFF2-40B4-BE49-F238E27FC236}">
+                <a16:creationId xmlns:a16="http://schemas.microsoft.com/office/drawing/2014/main" id="{A0D34231-0355-577A-CD73-113C29997352}"/>
+              </a:ext>
+            </a:extLst>
+          </p:cNvPr>
+          <p:cNvSpPr/>
+          <p:nvPr/>
+        </p:nvSpPr>
+        <p:spPr>
+          <a:xfrm>
+            <a:off x="1216517" y="2873829"/>
+            <a:ext cx="10409426" cy="1885808"/>
+          </a:xfrm>
+          <a:prstGeom prst="roundRect">
+            <a:avLst/>
+          </a:prstGeom>
+          <a:solidFill>
+            <a:schemeClr val="bg1"/>
+          </a:solidFill>
+          <a:ln w="12700">
+            <a:solidFill>
+              <a:schemeClr val="tx1"/>
+            </a:solidFill>
+          </a:ln>
+        </p:spPr>
+        <p:style>
+          <a:lnRef idx="1">
+            <a:schemeClr val="accent4"/>
+          </a:lnRef>
+          <a:fillRef idx="3">
+            <a:schemeClr val="accent4"/>
+          </a:fillRef>
+          <a:effectRef idx="2">
+            <a:schemeClr val="accent4"/>
+          </a:effectRef>
+          <a:fontRef idx="minor">
+            <a:schemeClr val="lt1"/>
+          </a:fontRef>
+        </p:style>
+        <p:txBody>
+          <a:bodyPr rtlCol="0" anchor="ctr"/>
+          <a:lstStyle/>
+          <a:p>
+            <a:pPr algn="ctr"/>
+            <a:endParaRPr lang="de-DE" dirty="0"/>
+          </a:p>
+          <a:p>
+            <a:pPr algn="ctr"/>
+            <a:endParaRPr lang="de-DE" dirty="0"/>
+          </a:p>
+          <a:p>
+            <a:pPr algn="ctr"/>
+            <a:endParaRPr lang="de-DE" dirty="0"/>
+          </a:p>
+          <a:p>
+            <a:pPr algn="ctr"/>
+            <a:endParaRPr lang="de-DE" dirty="0"/>
+          </a:p>
+          <a:p>
+            <a:pPr algn="ctr"/>
+            <a:endParaRPr lang="de-DE" dirty="0"/>
+          </a:p>
+          <a:p>
+            <a:pPr algn="ctr"/>
+            <a:endParaRPr lang="de-DE" dirty="0"/>
+          </a:p>
+        </p:txBody>
+      </p:sp>
+      <p:sp>
+        <p:nvSpPr>
+          <p:cNvPr id="6" name="Rechteck: abgerundete Ecken 5">
+            <a:extLst>
+              <a:ext uri="{FF2B5EF4-FFF2-40B4-BE49-F238E27FC236}">
+                <a16:creationId xmlns:a16="http://schemas.microsoft.com/office/drawing/2014/main" id="{012A24CF-8DF6-AD05-ECE1-CC3DB63424C7}"/>
+              </a:ext>
+            </a:extLst>
+          </p:cNvPr>
+          <p:cNvSpPr/>
+          <p:nvPr/>
+        </p:nvSpPr>
+        <p:spPr>
+          <a:xfrm>
+            <a:off x="7686320" y="2971800"/>
+            <a:ext cx="1808305" cy="1633638"/>
+          </a:xfrm>
+          <a:prstGeom prst="roundRect">
+            <a:avLst/>
+          </a:prstGeom>
+          <a:ln>
+            <a:solidFill>
+              <a:schemeClr val="tx1"/>
+            </a:solidFill>
+          </a:ln>
+        </p:spPr>
+        <p:style>
+          <a:lnRef idx="2">
+            <a:schemeClr val="accent4"/>
+          </a:lnRef>
+          <a:fillRef idx="1">
+            <a:schemeClr val="lt1"/>
+          </a:fillRef>
+          <a:effectRef idx="0">
+            <a:schemeClr val="accent4"/>
+          </a:effectRef>
+          <a:fontRef idx="minor">
+            <a:schemeClr val="dk1"/>
+          </a:fontRef>
+        </p:style>
+        <p:txBody>
+          <a:bodyPr rtlCol="0" anchor="ctr"/>
+          <a:lstStyle/>
+          <a:p>
+            <a:pPr algn="ctr"/>
+            <a:r>
+              <a:rPr lang="en-US" sz="1000" dirty="0"/>
+              <a:t>4. Run Simulation</a:t>
+            </a:r>
+          </a:p>
+          <a:p>
+            <a:pPr algn="ctr"/>
+            <a:endParaRPr lang="en-US" dirty="0"/>
+          </a:p>
+          <a:p>
+            <a:pPr algn="ctr"/>
+            <a:endParaRPr lang="en-US" dirty="0"/>
+          </a:p>
+          <a:p>
+            <a:pPr algn="ctr"/>
+            <a:endParaRPr lang="en-US" dirty="0"/>
+          </a:p>
+          <a:p>
+            <a:pPr algn="ctr"/>
+            <a:endParaRPr lang="en-US" dirty="0"/>
+          </a:p>
+        </p:txBody>
+      </p:sp>
+      <p:sp>
+        <p:nvSpPr>
+          <p:cNvPr id="8" name="Rechteck: abgerundete Ecken 7">
+            <a:extLst>
+              <a:ext uri="{FF2B5EF4-FFF2-40B4-BE49-F238E27FC236}">
+                <a16:creationId xmlns:a16="http://schemas.microsoft.com/office/drawing/2014/main" id="{DC8E8522-A677-0416-977D-E044B2AF1D36}"/>
+              </a:ext>
+            </a:extLst>
+          </p:cNvPr>
+          <p:cNvSpPr/>
+          <p:nvPr/>
+        </p:nvSpPr>
+        <p:spPr>
+          <a:xfrm>
+            <a:off x="3460451" y="2971799"/>
+            <a:ext cx="1934709" cy="1657372"/>
+          </a:xfrm>
+          <a:prstGeom prst="roundRect">
+            <a:avLst/>
+          </a:prstGeom>
+          <a:ln w="12700">
+            <a:solidFill>
+              <a:schemeClr val="tx1"/>
+            </a:solidFill>
+          </a:ln>
+        </p:spPr>
+        <p:style>
+          <a:lnRef idx="2">
+            <a:schemeClr val="accent4"/>
+          </a:lnRef>
+          <a:fillRef idx="1">
+            <a:schemeClr val="lt1"/>
+          </a:fillRef>
+          <a:effectRef idx="0">
+            <a:schemeClr val="accent4"/>
+          </a:effectRef>
+          <a:fontRef idx="minor">
+            <a:schemeClr val="dk1"/>
+          </a:fontRef>
+        </p:style>
+        <p:txBody>
+          <a:bodyPr rtlCol="0" anchor="ctr"/>
+          <a:lstStyle/>
+          <a:p>
+            <a:pPr algn="ctr"/>
+            <a:r>
+              <a:rPr lang="en-US" sz="1000" dirty="0"/>
+              <a:t>2. Detect Social Media Events</a:t>
+            </a:r>
+          </a:p>
+          <a:p>
+            <a:pPr algn="ctr"/>
+            <a:endParaRPr lang="en-US" dirty="0"/>
+          </a:p>
+          <a:p>
+            <a:pPr algn="ctr"/>
+            <a:endParaRPr lang="en-US" dirty="0"/>
+          </a:p>
+          <a:p>
+            <a:pPr algn="ctr"/>
+            <a:endParaRPr lang="en-US" dirty="0"/>
+          </a:p>
+          <a:p>
+            <a:pPr algn="ctr"/>
+            <a:endParaRPr lang="en-US" dirty="0"/>
+          </a:p>
+        </p:txBody>
+      </p:sp>
+      <p:cxnSp>
+        <p:nvCxnSpPr>
+          <p:cNvPr id="12" name="Gerade Verbindung mit Pfeil 11">
+            <a:extLst>
+              <a:ext uri="{FF2B5EF4-FFF2-40B4-BE49-F238E27FC236}">
+                <a16:creationId xmlns:a16="http://schemas.microsoft.com/office/drawing/2014/main" id="{B4E8B555-D511-DD0C-F8FE-11A260C4D5D8}"/>
+              </a:ext>
+            </a:extLst>
+          </p:cNvPr>
+          <p:cNvCxnSpPr>
+            <a:cxnSpLocks/>
+            <a:stCxn id="14" idx="3"/>
+            <a:endCxn id="20" idx="1"/>
+          </p:cNvCxnSpPr>
+          <p:nvPr/>
+        </p:nvCxnSpPr>
+        <p:spPr>
+          <a:xfrm flipV="1">
+            <a:off x="824310" y="3800486"/>
+            <a:ext cx="534501" cy="1"/>
+          </a:xfrm>
+          <a:prstGeom prst="straightConnector1">
+            <a:avLst/>
+          </a:prstGeom>
+          <a:ln w="12700">
+            <a:tailEnd type="triangle"/>
+          </a:ln>
+        </p:spPr>
+        <p:style>
+          <a:lnRef idx="1">
+            <a:schemeClr val="dk1"/>
+          </a:lnRef>
+          <a:fillRef idx="0">
+            <a:schemeClr val="dk1"/>
+          </a:fillRef>
+          <a:effectRef idx="0">
+            <a:schemeClr val="dk1"/>
+          </a:effectRef>
+          <a:fontRef idx="minor">
+            <a:schemeClr val="tx1"/>
+          </a:fontRef>
+        </p:style>
+      </p:cxnSp>
+      <p:pic>
+        <p:nvPicPr>
+          <p:cNvPr id="14" name="Grafik 13" descr="Ein Bild, das Symbol, Logo, Grafiken, Schrift enthält.&#10;&#10;Automatisch generierte Beschreibung">
+            <a:extLst>
+              <a:ext uri="{FF2B5EF4-FFF2-40B4-BE49-F238E27FC236}">
+                <a16:creationId xmlns:a16="http://schemas.microsoft.com/office/drawing/2014/main" id="{33ED0036-55C1-9AAE-2704-6C7247EEACBF}"/>
+              </a:ext>
+            </a:extLst>
+          </p:cNvPr>
+          <p:cNvPicPr>
+            <a:picLocks noChangeAspect="1"/>
+          </p:cNvPicPr>
+          <p:nvPr/>
+        </p:nvPicPr>
+        <p:blipFill>
+          <a:blip r:embed="rId2">
+            <a:extLst>
+              <a:ext uri="{28A0092B-C50C-407E-A947-70E740481C1C}">
+                <a14:useLocalDpi xmlns:a14="http://schemas.microsoft.com/office/drawing/2010/main" val="0"/>
+              </a:ext>
+            </a:extLst>
+          </a:blip>
+          <a:stretch>
+            <a:fillRect/>
+          </a:stretch>
+        </p:blipFill>
+        <p:spPr>
+          <a:xfrm>
+            <a:off x="360483" y="3572917"/>
+            <a:ext cx="463827" cy="455139"/>
+          </a:xfrm>
+          <a:prstGeom prst="rect">
+            <a:avLst/>
+          </a:prstGeom>
+        </p:spPr>
+      </p:pic>
+      <p:cxnSp>
+        <p:nvCxnSpPr>
+          <p:cNvPr id="15" name="Verbinder: gewinkelt 14">
+            <a:extLst>
+              <a:ext uri="{FF2B5EF4-FFF2-40B4-BE49-F238E27FC236}">
+                <a16:creationId xmlns:a16="http://schemas.microsoft.com/office/drawing/2014/main" id="{CED29197-3A7A-4DF8-AA24-F3126D348B4F}"/>
+              </a:ext>
+            </a:extLst>
+          </p:cNvPr>
+          <p:cNvCxnSpPr>
+            <a:cxnSpLocks/>
+            <a:stCxn id="18" idx="3"/>
+            <a:endCxn id="20" idx="1"/>
+          </p:cNvCxnSpPr>
+          <p:nvPr/>
+        </p:nvCxnSpPr>
+        <p:spPr>
+          <a:xfrm>
+            <a:off x="831337" y="3223994"/>
+            <a:ext cx="527474" cy="576492"/>
+          </a:xfrm>
+          <a:prstGeom prst="bentConnector3">
+            <a:avLst>
+              <a:gd name="adj1" fmla="val 50000"/>
+            </a:avLst>
+          </a:prstGeom>
+          <a:ln w="12700">
+            <a:tailEnd type="triangle"/>
+          </a:ln>
+        </p:spPr>
+        <p:style>
+          <a:lnRef idx="1">
+            <a:schemeClr val="dk1"/>
+          </a:lnRef>
+          <a:fillRef idx="0">
+            <a:schemeClr val="dk1"/>
+          </a:fillRef>
+          <a:effectRef idx="0">
+            <a:schemeClr val="dk1"/>
+          </a:effectRef>
+          <a:fontRef idx="minor">
+            <a:schemeClr val="tx1"/>
+          </a:fontRef>
+        </p:style>
+      </p:cxnSp>
+      <p:cxnSp>
+        <p:nvCxnSpPr>
+          <p:cNvPr id="16" name="Verbinder: gewinkelt 15">
+            <a:extLst>
+              <a:ext uri="{FF2B5EF4-FFF2-40B4-BE49-F238E27FC236}">
+                <a16:creationId xmlns:a16="http://schemas.microsoft.com/office/drawing/2014/main" id="{DF4F488B-30AB-1941-E56F-98C71DB2F239}"/>
+              </a:ext>
+            </a:extLst>
+          </p:cNvPr>
+          <p:cNvCxnSpPr>
+            <a:cxnSpLocks/>
+            <a:stCxn id="3" idx="3"/>
+            <a:endCxn id="20" idx="1"/>
+          </p:cNvCxnSpPr>
+          <p:nvPr/>
+        </p:nvCxnSpPr>
+        <p:spPr>
+          <a:xfrm flipV="1">
+            <a:off x="819966" y="3800486"/>
+            <a:ext cx="538845" cy="731582"/>
+          </a:xfrm>
+          <a:prstGeom prst="bentConnector3">
+            <a:avLst>
+              <a:gd name="adj1" fmla="val 50000"/>
+            </a:avLst>
+          </a:prstGeom>
+          <a:ln w="12700">
+            <a:tailEnd type="triangle"/>
+          </a:ln>
+        </p:spPr>
+        <p:style>
+          <a:lnRef idx="1">
+            <a:schemeClr val="dk1"/>
+          </a:lnRef>
+          <a:fillRef idx="0">
+            <a:schemeClr val="dk1"/>
+          </a:fillRef>
+          <a:effectRef idx="0">
+            <a:schemeClr val="dk1"/>
+          </a:effectRef>
+          <a:fontRef idx="minor">
+            <a:schemeClr val="tx1"/>
+          </a:fontRef>
+        </p:style>
+      </p:cxnSp>
+      <p:pic>
+        <p:nvPicPr>
+          <p:cNvPr id="18" name="Grafik 17" descr="Ein Bild, das Schwarz, Dunkelheit enthält.&#10;&#10;Automatisch generierte Beschreibung">
+            <a:extLst>
+              <a:ext uri="{FF2B5EF4-FFF2-40B4-BE49-F238E27FC236}">
+                <a16:creationId xmlns:a16="http://schemas.microsoft.com/office/drawing/2014/main" id="{8774B53A-887D-39F7-E2F2-D47D41EB4394}"/>
+              </a:ext>
+            </a:extLst>
+          </p:cNvPr>
+          <p:cNvPicPr>
+            <a:picLocks noChangeAspect="1"/>
+          </p:cNvPicPr>
+          <p:nvPr/>
+        </p:nvPicPr>
+        <p:blipFill>
+          <a:blip r:embed="rId3">
+            <a:extLst>
+              <a:ext uri="{28A0092B-C50C-407E-A947-70E740481C1C}">
+                <a14:useLocalDpi xmlns:a14="http://schemas.microsoft.com/office/drawing/2010/main" val="0"/>
+              </a:ext>
+            </a:extLst>
+          </a:blip>
+          <a:stretch>
+            <a:fillRect/>
+          </a:stretch>
+        </p:blipFill>
+        <p:spPr>
+          <a:xfrm>
+            <a:off x="392528" y="3029514"/>
+            <a:ext cx="438809" cy="388960"/>
+          </a:xfrm>
+          <a:prstGeom prst="rect">
+            <a:avLst/>
+          </a:prstGeom>
+        </p:spPr>
+      </p:pic>
+      <p:sp>
+        <p:nvSpPr>
+          <p:cNvPr id="20" name="Rechteck: abgerundete Ecken 19">
+            <a:extLst>
+              <a:ext uri="{FF2B5EF4-FFF2-40B4-BE49-F238E27FC236}">
+                <a16:creationId xmlns:a16="http://schemas.microsoft.com/office/drawing/2014/main" id="{03B2DA35-F34A-3C45-072B-637EE2713EE9}"/>
+              </a:ext>
+            </a:extLst>
+          </p:cNvPr>
+          <p:cNvSpPr/>
+          <p:nvPr/>
+        </p:nvSpPr>
+        <p:spPr>
+          <a:xfrm>
+            <a:off x="1358811" y="2971801"/>
+            <a:ext cx="1934709" cy="1657370"/>
+          </a:xfrm>
+          <a:prstGeom prst="roundRect">
+            <a:avLst/>
+          </a:prstGeom>
+          <a:ln w="12700">
+            <a:solidFill>
+              <a:schemeClr val="tx1"/>
+            </a:solidFill>
+          </a:ln>
+        </p:spPr>
+        <p:style>
+          <a:lnRef idx="2">
+            <a:schemeClr val="accent4"/>
+          </a:lnRef>
+          <a:fillRef idx="1">
+            <a:schemeClr val="lt1"/>
+          </a:fillRef>
+          <a:effectRef idx="0">
+            <a:schemeClr val="accent4"/>
+          </a:effectRef>
+          <a:fontRef idx="minor">
+            <a:schemeClr val="dk1"/>
+          </a:fontRef>
+        </p:style>
+        <p:txBody>
+          <a:bodyPr rtlCol="0" anchor="ctr"/>
+          <a:lstStyle/>
+          <a:p>
+            <a:pPr algn="ctr"/>
+            <a:r>
+              <a:rPr lang="en-US" sz="1000" dirty="0"/>
+              <a:t>1. Collect Social Media Posts</a:t>
+            </a:r>
+          </a:p>
+          <a:p>
+            <a:pPr algn="ctr"/>
+            <a:endParaRPr lang="en-US" dirty="0"/>
+          </a:p>
+          <a:p>
+            <a:pPr algn="ctr"/>
+            <a:endParaRPr lang="en-US" dirty="0"/>
+          </a:p>
+          <a:p>
+            <a:pPr algn="ctr"/>
+            <a:endParaRPr lang="en-US" dirty="0"/>
+          </a:p>
+          <a:p>
+            <a:pPr algn="ctr"/>
+            <a:endParaRPr lang="en-US" dirty="0"/>
+          </a:p>
+        </p:txBody>
+      </p:sp>
+      <p:cxnSp>
+        <p:nvCxnSpPr>
+          <p:cNvPr id="21" name="Gerade Verbindung mit Pfeil 20">
+            <a:extLst>
+              <a:ext uri="{FF2B5EF4-FFF2-40B4-BE49-F238E27FC236}">
+                <a16:creationId xmlns:a16="http://schemas.microsoft.com/office/drawing/2014/main" id="{6D0EC5FC-86A7-6D86-21A5-962B246D6631}"/>
+              </a:ext>
+            </a:extLst>
+          </p:cNvPr>
+          <p:cNvCxnSpPr>
+            <a:cxnSpLocks/>
+            <a:stCxn id="20" idx="3"/>
+            <a:endCxn id="8" idx="1"/>
+          </p:cNvCxnSpPr>
+          <p:nvPr/>
+        </p:nvCxnSpPr>
+        <p:spPr>
+          <a:xfrm flipV="1">
+            <a:off x="3293520" y="3800485"/>
+            <a:ext cx="166931" cy="1"/>
+          </a:xfrm>
+          <a:prstGeom prst="straightConnector1">
+            <a:avLst/>
+          </a:prstGeom>
+          <a:ln w="12700">
+            <a:tailEnd type="triangle"/>
+          </a:ln>
+        </p:spPr>
+        <p:style>
+          <a:lnRef idx="1">
+            <a:schemeClr val="dk1"/>
+          </a:lnRef>
+          <a:fillRef idx="0">
+            <a:schemeClr val="dk1"/>
+          </a:fillRef>
+          <a:effectRef idx="0">
+            <a:schemeClr val="dk1"/>
+          </a:effectRef>
+          <a:fontRef idx="minor">
+            <a:schemeClr val="tx1"/>
+          </a:fontRef>
+        </p:style>
+      </p:cxnSp>
+      <p:sp>
+        <p:nvSpPr>
+          <p:cNvPr id="63" name="Sprechblase: rechteckig 62">
+            <a:extLst>
+              <a:ext uri="{FF2B5EF4-FFF2-40B4-BE49-F238E27FC236}">
+                <a16:creationId xmlns:a16="http://schemas.microsoft.com/office/drawing/2014/main" id="{28E33E30-A592-1A1E-0B32-737CD306510D}"/>
+              </a:ext>
+            </a:extLst>
+          </p:cNvPr>
+          <p:cNvSpPr/>
+          <p:nvPr/>
+        </p:nvSpPr>
+        <p:spPr>
+          <a:xfrm>
+            <a:off x="3591646" y="3562445"/>
+            <a:ext cx="1683549" cy="922855"/>
+          </a:xfrm>
+          <a:prstGeom prst="wedgeRectCallout">
+            <a:avLst>
+              <a:gd name="adj1" fmla="val -54293"/>
+              <a:gd name="adj2" fmla="val 34265"/>
+            </a:avLst>
+          </a:prstGeom>
+          <a:ln/>
+        </p:spPr>
+        <p:style>
+          <a:lnRef idx="2">
+            <a:schemeClr val="dk1"/>
+          </a:lnRef>
+          <a:fillRef idx="1">
+            <a:schemeClr val="lt1"/>
+          </a:fillRef>
+          <a:effectRef idx="0">
+            <a:schemeClr val="dk1"/>
+          </a:effectRef>
+          <a:fontRef idx="minor">
+            <a:schemeClr val="dk1"/>
+          </a:fontRef>
+        </p:style>
+        <p:txBody>
+          <a:bodyPr rtlCol="0" anchor="ctr"/>
+          <a:lstStyle/>
+          <a:p>
+            <a:pPr algn="ctr"/>
+            <a:endParaRPr lang="de-DE"/>
+          </a:p>
+        </p:txBody>
+      </p:sp>
+      <p:pic>
+        <p:nvPicPr>
+          <p:cNvPr id="27" name="Grafik 26" descr="Ein Bild, das Text, Screenshot, Schrift, Zahl enthält.&#10;&#10;Automatisch generierte Beschreibung">
+            <a:extLst>
+              <a:ext uri="{FF2B5EF4-FFF2-40B4-BE49-F238E27FC236}">
+                <a16:creationId xmlns:a16="http://schemas.microsoft.com/office/drawing/2014/main" id="{61EC4303-9DD1-0B62-6A87-D3A71622E4DF}"/>
+              </a:ext>
+            </a:extLst>
+          </p:cNvPr>
+          <p:cNvPicPr>
+            <a:picLocks noChangeAspect="1"/>
+          </p:cNvPicPr>
+          <p:nvPr/>
+        </p:nvPicPr>
+        <p:blipFill rotWithShape="1">
+          <a:blip r:embed="rId4">
+            <a:extLst>
+              <a:ext uri="{28A0092B-C50C-407E-A947-70E740481C1C}">
+                <a14:useLocalDpi xmlns:a14="http://schemas.microsoft.com/office/drawing/2010/main" val="0"/>
+              </a:ext>
+            </a:extLst>
+          </a:blip>
+          <a:srcRect b="18431"/>
+          <a:stretch/>
+        </p:blipFill>
+        <p:spPr>
+          <a:xfrm>
+            <a:off x="3626814" y="3617462"/>
+            <a:ext cx="1636100" cy="848416"/>
+          </a:xfrm>
+          <a:prstGeom prst="rect">
+            <a:avLst/>
+          </a:prstGeom>
+        </p:spPr>
+      </p:pic>
+      <p:sp>
+        <p:nvSpPr>
+          <p:cNvPr id="84" name="Sprechblase: rechteckig 83">
+            <a:extLst>
+              <a:ext uri="{FF2B5EF4-FFF2-40B4-BE49-F238E27FC236}">
+                <a16:creationId xmlns:a16="http://schemas.microsoft.com/office/drawing/2014/main" id="{58FD51FB-9B6B-6A78-03EB-5C92236382A7}"/>
+              </a:ext>
+            </a:extLst>
+          </p:cNvPr>
+          <p:cNvSpPr/>
+          <p:nvPr/>
+        </p:nvSpPr>
+        <p:spPr>
+          <a:xfrm>
+            <a:off x="1554454" y="3709262"/>
+            <a:ext cx="661831" cy="358746"/>
+          </a:xfrm>
+          <a:prstGeom prst="wedgeRectCallout">
+            <a:avLst>
+              <a:gd name="adj1" fmla="val -54293"/>
+              <a:gd name="adj2" fmla="val 34265"/>
+            </a:avLst>
+          </a:prstGeom>
+          <a:ln/>
+        </p:spPr>
+        <p:style>
+          <a:lnRef idx="2">
+            <a:schemeClr val="dk1"/>
+          </a:lnRef>
+          <a:fillRef idx="1">
+            <a:schemeClr val="lt1"/>
+          </a:fillRef>
+          <a:effectRef idx="0">
+            <a:schemeClr val="dk1"/>
+          </a:effectRef>
+          <a:fontRef idx="minor">
+            <a:schemeClr val="dk1"/>
+          </a:fontRef>
+        </p:style>
+        <p:txBody>
+          <a:bodyPr rtlCol="0" anchor="ctr"/>
+          <a:lstStyle/>
+          <a:p>
+            <a:pPr algn="ctr"/>
+            <a:endParaRPr lang="de-DE"/>
+          </a:p>
+        </p:txBody>
+      </p:sp>
+      <p:pic>
+        <p:nvPicPr>
+          <p:cNvPr id="83" name="Grafik 82" descr="Ein Bild, das Text, Screenshot, Schrift, Zahl enthält.&#10;&#10;Automatisch generierte Beschreibung">
+            <a:extLst>
+              <a:ext uri="{FF2B5EF4-FFF2-40B4-BE49-F238E27FC236}">
+                <a16:creationId xmlns:a16="http://schemas.microsoft.com/office/drawing/2014/main" id="{70AD67FE-4238-1275-029F-B12C8F1A0BC7}"/>
+              </a:ext>
+            </a:extLst>
+          </p:cNvPr>
+          <p:cNvPicPr>
+            <a:picLocks noChangeAspect="1"/>
+          </p:cNvPicPr>
+          <p:nvPr/>
+        </p:nvPicPr>
+        <p:blipFill rotWithShape="1">
+          <a:blip r:embed="rId4">
+            <a:extLst>
+              <a:ext uri="{28A0092B-C50C-407E-A947-70E740481C1C}">
+                <a14:useLocalDpi xmlns:a14="http://schemas.microsoft.com/office/drawing/2010/main" val="0"/>
+              </a:ext>
+            </a:extLst>
+          </a:blip>
+          <a:srcRect b="18431"/>
+          <a:stretch/>
+        </p:blipFill>
+        <p:spPr>
+          <a:xfrm>
+            <a:off x="1619351" y="3758159"/>
+            <a:ext cx="539072" cy="279541"/>
+          </a:xfrm>
+          <a:prstGeom prst="rect">
+            <a:avLst/>
+          </a:prstGeom>
+        </p:spPr>
+      </p:pic>
+      <p:sp>
+        <p:nvSpPr>
+          <p:cNvPr id="86" name="Sprechblase: rechteckig 85">
+            <a:extLst>
+              <a:ext uri="{FF2B5EF4-FFF2-40B4-BE49-F238E27FC236}">
+                <a16:creationId xmlns:a16="http://schemas.microsoft.com/office/drawing/2014/main" id="{4CD6513E-3BCE-D8E7-4AEF-CDE31F69152B}"/>
+              </a:ext>
+            </a:extLst>
+          </p:cNvPr>
+          <p:cNvSpPr/>
+          <p:nvPr/>
+        </p:nvSpPr>
+        <p:spPr>
+          <a:xfrm>
+            <a:off x="1803487" y="4332266"/>
+            <a:ext cx="350217" cy="222073"/>
+          </a:xfrm>
+          <a:prstGeom prst="wedgeRectCallout">
+            <a:avLst>
+              <a:gd name="adj1" fmla="val -54293"/>
+              <a:gd name="adj2" fmla="val 34265"/>
+            </a:avLst>
+          </a:prstGeom>
+          <a:ln/>
+        </p:spPr>
+        <p:style>
+          <a:lnRef idx="2">
+            <a:schemeClr val="dk1"/>
+          </a:lnRef>
+          <a:fillRef idx="1">
+            <a:schemeClr val="lt1"/>
+          </a:fillRef>
+          <a:effectRef idx="0">
+            <a:schemeClr val="dk1"/>
+          </a:effectRef>
+          <a:fontRef idx="minor">
+            <a:schemeClr val="dk1"/>
+          </a:fontRef>
+        </p:style>
+        <p:txBody>
+          <a:bodyPr rtlCol="0" anchor="ctr"/>
+          <a:lstStyle/>
+          <a:p>
+            <a:pPr algn="ctr"/>
+            <a:r>
+              <a:rPr lang="de-DE" sz="800" dirty="0"/>
+              <a:t>…</a:t>
+            </a:r>
+          </a:p>
+        </p:txBody>
+      </p:sp>
+      <p:sp>
+        <p:nvSpPr>
+          <p:cNvPr id="87" name="Sprechblase: rechteckig 86">
+            <a:extLst>
+              <a:ext uri="{FF2B5EF4-FFF2-40B4-BE49-F238E27FC236}">
+                <a16:creationId xmlns:a16="http://schemas.microsoft.com/office/drawing/2014/main" id="{92DA07E9-6F74-3F7C-3553-9114DEB34D84}"/>
+              </a:ext>
+            </a:extLst>
+          </p:cNvPr>
+          <p:cNvSpPr/>
+          <p:nvPr/>
+        </p:nvSpPr>
+        <p:spPr>
+          <a:xfrm>
+            <a:off x="2801117" y="4391007"/>
+            <a:ext cx="242851" cy="149743"/>
+          </a:xfrm>
+          <a:prstGeom prst="wedgeRectCallout">
+            <a:avLst>
+              <a:gd name="adj1" fmla="val -54293"/>
+              <a:gd name="adj2" fmla="val 34265"/>
+            </a:avLst>
+          </a:prstGeom>
+          <a:ln/>
+        </p:spPr>
+        <p:style>
+          <a:lnRef idx="2">
+            <a:schemeClr val="dk1"/>
+          </a:lnRef>
+          <a:fillRef idx="1">
+            <a:schemeClr val="lt1"/>
+          </a:fillRef>
+          <a:effectRef idx="0">
+            <a:schemeClr val="dk1"/>
+          </a:effectRef>
+          <a:fontRef idx="minor">
+            <a:schemeClr val="dk1"/>
+          </a:fontRef>
+        </p:style>
+        <p:txBody>
+          <a:bodyPr rtlCol="0" anchor="ctr"/>
+          <a:lstStyle/>
+          <a:p>
+            <a:pPr algn="ctr"/>
+            <a:r>
+              <a:rPr lang="de-DE" sz="800" dirty="0"/>
+              <a:t>…</a:t>
+            </a:r>
+          </a:p>
+        </p:txBody>
+      </p:sp>
+      <p:sp>
+        <p:nvSpPr>
+          <p:cNvPr id="116" name="Sprechblase: rechteckig 115">
+            <a:extLst>
+              <a:ext uri="{FF2B5EF4-FFF2-40B4-BE49-F238E27FC236}">
+                <a16:creationId xmlns:a16="http://schemas.microsoft.com/office/drawing/2014/main" id="{4BB26879-40C1-952F-1589-DF9C8ACD7306}"/>
+              </a:ext>
+            </a:extLst>
+          </p:cNvPr>
+          <p:cNvSpPr/>
+          <p:nvPr/>
+        </p:nvSpPr>
+        <p:spPr>
+          <a:xfrm>
+            <a:off x="2331069" y="4078600"/>
+            <a:ext cx="414659" cy="287399"/>
+          </a:xfrm>
+          <a:prstGeom prst="wedgeRectCallout">
+            <a:avLst>
+              <a:gd name="adj1" fmla="val -54293"/>
+              <a:gd name="adj2" fmla="val 34265"/>
+            </a:avLst>
+          </a:prstGeom>
+          <a:ln/>
+        </p:spPr>
+        <p:style>
+          <a:lnRef idx="2">
+            <a:schemeClr val="dk1"/>
+          </a:lnRef>
+          <a:fillRef idx="1">
+            <a:schemeClr val="lt1"/>
+          </a:fillRef>
+          <a:effectRef idx="0">
+            <a:schemeClr val="dk1"/>
+          </a:effectRef>
+          <a:fontRef idx="minor">
+            <a:schemeClr val="dk1"/>
+          </a:fontRef>
+        </p:style>
+        <p:txBody>
+          <a:bodyPr rtlCol="0" anchor="ctr"/>
+          <a:lstStyle/>
+          <a:p>
+            <a:pPr algn="ctr"/>
+            <a:r>
+              <a:rPr lang="de-DE" sz="800" dirty="0"/>
+              <a:t>…</a:t>
+            </a:r>
+          </a:p>
+        </p:txBody>
+      </p:sp>
+      <p:sp>
+        <p:nvSpPr>
+          <p:cNvPr id="117" name="Sprechblase: rechteckig 116">
+            <a:extLst>
+              <a:ext uri="{FF2B5EF4-FFF2-40B4-BE49-F238E27FC236}">
+                <a16:creationId xmlns:a16="http://schemas.microsoft.com/office/drawing/2014/main" id="{A9280E80-5C8F-EA24-F84A-A5395A6D1963}"/>
+              </a:ext>
+            </a:extLst>
+          </p:cNvPr>
+          <p:cNvSpPr/>
+          <p:nvPr/>
+        </p:nvSpPr>
+        <p:spPr>
+          <a:xfrm>
+            <a:off x="2667826" y="3750941"/>
+            <a:ext cx="320753" cy="256472"/>
+          </a:xfrm>
+          <a:prstGeom prst="wedgeRectCallout">
+            <a:avLst>
+              <a:gd name="adj1" fmla="val -54293"/>
+              <a:gd name="adj2" fmla="val 34265"/>
+            </a:avLst>
+          </a:prstGeom>
+          <a:ln/>
+        </p:spPr>
+        <p:style>
+          <a:lnRef idx="2">
+            <a:schemeClr val="dk1"/>
+          </a:lnRef>
+          <a:fillRef idx="1">
+            <a:schemeClr val="lt1"/>
+          </a:fillRef>
+          <a:effectRef idx="0">
+            <a:schemeClr val="dk1"/>
+          </a:effectRef>
+          <a:fontRef idx="minor">
+            <a:schemeClr val="dk1"/>
+          </a:fontRef>
+        </p:style>
+        <p:txBody>
+          <a:bodyPr rtlCol="0" anchor="ctr"/>
+          <a:lstStyle/>
+          <a:p>
+            <a:pPr algn="ctr"/>
+            <a:r>
+              <a:rPr lang="de-DE" sz="800" dirty="0"/>
+              <a:t>…</a:t>
+            </a:r>
+          </a:p>
+        </p:txBody>
+      </p:sp>
+      <p:pic>
+        <p:nvPicPr>
+          <p:cNvPr id="3" name="Grafik 2">
+            <a:extLst>
+              <a:ext uri="{FF2B5EF4-FFF2-40B4-BE49-F238E27FC236}">
+                <a16:creationId xmlns:a16="http://schemas.microsoft.com/office/drawing/2014/main" id="{5FF5D4B0-4FC6-4CE2-7E21-A20186BB1926}"/>
+              </a:ext>
+            </a:extLst>
+          </p:cNvPr>
+          <p:cNvPicPr>
+            <a:picLocks noChangeAspect="1"/>
+          </p:cNvPicPr>
+          <p:nvPr/>
+        </p:nvPicPr>
+        <p:blipFill>
+          <a:blip r:embed="rId5">
+            <a:extLst>
+              <a:ext uri="{28A0092B-C50C-407E-A947-70E740481C1C}">
+                <a14:useLocalDpi xmlns:a14="http://schemas.microsoft.com/office/drawing/2010/main" val="0"/>
+              </a:ext>
+              <a:ext uri="{96DAC541-7B7A-43D3-8B79-37D633B846F1}">
+                <asvg:svgBlip xmlns:asvg="http://schemas.microsoft.com/office/drawing/2016/SVG/main" r:embed="rId6"/>
+              </a:ext>
+            </a:extLst>
+          </a:blip>
+          <a:stretch>
+            <a:fillRect/>
+          </a:stretch>
+        </p:blipFill>
+        <p:spPr>
+          <a:xfrm>
+            <a:off x="364827" y="4304498"/>
+            <a:ext cx="455139" cy="455139"/>
+          </a:xfrm>
+          <a:prstGeom prst="rect">
+            <a:avLst/>
+          </a:prstGeom>
+        </p:spPr>
+      </p:pic>
+      <p:sp>
+        <p:nvSpPr>
+          <p:cNvPr id="5" name="Rechteck: abgerundete Ecken 4">
+            <a:extLst>
+              <a:ext uri="{FF2B5EF4-FFF2-40B4-BE49-F238E27FC236}">
+                <a16:creationId xmlns:a16="http://schemas.microsoft.com/office/drawing/2014/main" id="{8F71819C-3895-06BD-ED52-813EF22F429B}"/>
+              </a:ext>
+            </a:extLst>
+          </p:cNvPr>
+          <p:cNvSpPr/>
+          <p:nvPr/>
+        </p:nvSpPr>
+        <p:spPr>
+          <a:xfrm>
+            <a:off x="5568440" y="2971801"/>
+            <a:ext cx="1934708" cy="1633638"/>
+          </a:xfrm>
+          <a:prstGeom prst="roundRect">
+            <a:avLst/>
+          </a:prstGeom>
+          <a:ln w="12700">
+            <a:solidFill>
+              <a:schemeClr val="tx1"/>
+            </a:solidFill>
+          </a:ln>
+        </p:spPr>
+        <p:style>
+          <a:lnRef idx="2">
+            <a:schemeClr val="accent4"/>
+          </a:lnRef>
+          <a:fillRef idx="1">
+            <a:schemeClr val="lt1"/>
+          </a:fillRef>
+          <a:effectRef idx="0">
+            <a:schemeClr val="accent4"/>
+          </a:effectRef>
+          <a:fontRef idx="minor">
+            <a:schemeClr val="dk1"/>
+          </a:fontRef>
+        </p:style>
+        <p:txBody>
+          <a:bodyPr rtlCol="0" anchor="ctr"/>
+          <a:lstStyle/>
+          <a:p>
+            <a:pPr algn="ctr"/>
+            <a:r>
+              <a:rPr lang="en-US" sz="1000" dirty="0"/>
+              <a:t>3. Estimate Speed of  Information Spread</a:t>
+            </a:r>
+          </a:p>
+          <a:p>
+            <a:pPr algn="ctr"/>
+            <a:endParaRPr lang="en-US" dirty="0"/>
+          </a:p>
+          <a:p>
+            <a:pPr algn="ctr"/>
+            <a:endParaRPr lang="en-US" dirty="0"/>
+          </a:p>
+          <a:p>
+            <a:pPr algn="ctr"/>
+            <a:endParaRPr lang="en-US" dirty="0"/>
+          </a:p>
+          <a:p>
+            <a:pPr algn="ctr"/>
+            <a:endParaRPr lang="en-US" dirty="0"/>
+          </a:p>
+        </p:txBody>
+      </p:sp>
+      <p:cxnSp>
+        <p:nvCxnSpPr>
+          <p:cNvPr id="9" name="Gerade Verbindung mit Pfeil 8">
+            <a:extLst>
+              <a:ext uri="{FF2B5EF4-FFF2-40B4-BE49-F238E27FC236}">
+                <a16:creationId xmlns:a16="http://schemas.microsoft.com/office/drawing/2014/main" id="{DB1C526B-E952-15C7-8767-2CE5F0DFB2CC}"/>
+              </a:ext>
+            </a:extLst>
+          </p:cNvPr>
+          <p:cNvCxnSpPr>
+            <a:cxnSpLocks/>
+            <a:stCxn id="8" idx="3"/>
+            <a:endCxn id="5" idx="1"/>
+          </p:cNvCxnSpPr>
+          <p:nvPr/>
+        </p:nvCxnSpPr>
+        <p:spPr>
+          <a:xfrm flipV="1">
+            <a:off x="5395160" y="3788620"/>
+            <a:ext cx="173280" cy="11865"/>
+          </a:xfrm>
+          <a:prstGeom prst="straightConnector1">
+            <a:avLst/>
+          </a:prstGeom>
+          <a:ln w="12700">
+            <a:tailEnd type="triangle"/>
+          </a:ln>
+        </p:spPr>
+        <p:style>
+          <a:lnRef idx="1">
+            <a:schemeClr val="dk1"/>
+          </a:lnRef>
+          <a:fillRef idx="0">
+            <a:schemeClr val="dk1"/>
+          </a:fillRef>
+          <a:effectRef idx="0">
+            <a:schemeClr val="dk1"/>
+          </a:effectRef>
+          <a:fontRef idx="minor">
+            <a:schemeClr val="tx1"/>
+          </a:fontRef>
+        </p:style>
+      </p:cxnSp>
+      <p:sp>
+        <p:nvSpPr>
+          <p:cNvPr id="110" name="Rechteck 109">
+            <a:extLst>
+              <a:ext uri="{FF2B5EF4-FFF2-40B4-BE49-F238E27FC236}">
+                <a16:creationId xmlns:a16="http://schemas.microsoft.com/office/drawing/2014/main" id="{0C45FE91-49AF-70F9-9C38-82CC485E5D17}"/>
+              </a:ext>
+            </a:extLst>
+          </p:cNvPr>
+          <p:cNvSpPr/>
+          <p:nvPr/>
+        </p:nvSpPr>
+        <p:spPr>
+          <a:xfrm>
+            <a:off x="3896346" y="3928218"/>
+            <a:ext cx="430249" cy="89459"/>
+          </a:xfrm>
+          <a:prstGeom prst="rect">
+            <a:avLst/>
+          </a:prstGeom>
+          <a:noFill/>
+          <a:ln>
+            <a:solidFill>
+              <a:srgbClr val="FF0000"/>
+            </a:solidFill>
+          </a:ln>
+        </p:spPr>
+        <p:style>
+          <a:lnRef idx="2">
+            <a:schemeClr val="accent1">
+              <a:shade val="15000"/>
+            </a:schemeClr>
+          </a:lnRef>
+          <a:fillRef idx="1">
+            <a:schemeClr val="accent1"/>
+          </a:fillRef>
+          <a:effectRef idx="0">
+            <a:schemeClr val="accent1"/>
+          </a:effectRef>
+          <a:fontRef idx="minor">
+            <a:schemeClr val="lt1"/>
+          </a:fontRef>
+        </p:style>
+        <p:txBody>
+          <a:bodyPr rtlCol="0" anchor="ctr"/>
+          <a:lstStyle/>
+          <a:p>
+            <a:pPr algn="ctr"/>
+            <a:endParaRPr lang="de-DE"/>
+          </a:p>
+        </p:txBody>
+      </p:sp>
+      <p:sp>
+        <p:nvSpPr>
+          <p:cNvPr id="111" name="Rechteck 110">
+            <a:extLst>
+              <a:ext uri="{FF2B5EF4-FFF2-40B4-BE49-F238E27FC236}">
+                <a16:creationId xmlns:a16="http://schemas.microsoft.com/office/drawing/2014/main" id="{D7BF6E25-3428-D5E9-EE37-946DC5DF6021}"/>
+              </a:ext>
+            </a:extLst>
+          </p:cNvPr>
+          <p:cNvSpPr/>
+          <p:nvPr/>
+        </p:nvSpPr>
+        <p:spPr>
+          <a:xfrm>
+            <a:off x="4954897" y="3920864"/>
+            <a:ext cx="217626" cy="89459"/>
+          </a:xfrm>
+          <a:prstGeom prst="rect">
+            <a:avLst/>
+          </a:prstGeom>
+          <a:noFill/>
+          <a:ln>
+            <a:solidFill>
+              <a:srgbClr val="FF0000"/>
+            </a:solidFill>
+          </a:ln>
+        </p:spPr>
+        <p:style>
+          <a:lnRef idx="2">
+            <a:schemeClr val="accent1">
+              <a:shade val="15000"/>
+            </a:schemeClr>
+          </a:lnRef>
+          <a:fillRef idx="1">
+            <a:schemeClr val="accent1"/>
+          </a:fillRef>
+          <a:effectRef idx="0">
+            <a:schemeClr val="accent1"/>
+          </a:effectRef>
+          <a:fontRef idx="minor">
+            <a:schemeClr val="lt1"/>
+          </a:fontRef>
+        </p:style>
+        <p:txBody>
+          <a:bodyPr rtlCol="0" anchor="ctr"/>
+          <a:lstStyle/>
+          <a:p>
+            <a:pPr algn="ctr"/>
+            <a:endParaRPr lang="de-DE"/>
+          </a:p>
+        </p:txBody>
+      </p:sp>
+      <p:sp>
+        <p:nvSpPr>
+          <p:cNvPr id="112" name="Rechteck 111">
+            <a:extLst>
+              <a:ext uri="{FF2B5EF4-FFF2-40B4-BE49-F238E27FC236}">
+                <a16:creationId xmlns:a16="http://schemas.microsoft.com/office/drawing/2014/main" id="{D5AF0919-9592-1E7D-DCE8-F2C6F53B3B62}"/>
+              </a:ext>
+            </a:extLst>
+          </p:cNvPr>
+          <p:cNvSpPr/>
+          <p:nvPr/>
+        </p:nvSpPr>
+        <p:spPr>
+          <a:xfrm>
+            <a:off x="3756152" y="4020504"/>
+            <a:ext cx="389335" cy="62753"/>
+          </a:xfrm>
+          <a:prstGeom prst="rect">
+            <a:avLst/>
+          </a:prstGeom>
+          <a:noFill/>
+          <a:ln>
+            <a:solidFill>
+              <a:srgbClr val="FF0000"/>
+            </a:solidFill>
+          </a:ln>
+        </p:spPr>
+        <p:style>
+          <a:lnRef idx="2">
+            <a:schemeClr val="accent1">
+              <a:shade val="15000"/>
+            </a:schemeClr>
+          </a:lnRef>
+          <a:fillRef idx="1">
+            <a:schemeClr val="accent1"/>
+          </a:fillRef>
+          <a:effectRef idx="0">
+            <a:schemeClr val="accent1"/>
+          </a:effectRef>
+          <a:fontRef idx="minor">
+            <a:schemeClr val="lt1"/>
+          </a:fontRef>
+        </p:style>
+        <p:txBody>
+          <a:bodyPr rtlCol="0" anchor="ctr"/>
+          <a:lstStyle/>
+          <a:p>
+            <a:pPr algn="ctr"/>
+            <a:endParaRPr lang="de-DE"/>
+          </a:p>
+        </p:txBody>
+      </p:sp>
+      <p:grpSp>
+        <p:nvGrpSpPr>
+          <p:cNvPr id="36" name="Gruppieren 35">
+            <a:extLst>
+              <a:ext uri="{FF2B5EF4-FFF2-40B4-BE49-F238E27FC236}">
+                <a16:creationId xmlns:a16="http://schemas.microsoft.com/office/drawing/2014/main" id="{8BB71FB1-C32C-F36A-2614-1CCD1D236186}"/>
+              </a:ext>
+            </a:extLst>
+          </p:cNvPr>
+          <p:cNvGrpSpPr/>
+          <p:nvPr/>
+        </p:nvGrpSpPr>
+        <p:grpSpPr>
+          <a:xfrm>
+            <a:off x="5666594" y="3525289"/>
+            <a:ext cx="2019726" cy="1005027"/>
+            <a:chOff x="5653683" y="3525271"/>
+            <a:chExt cx="2120989" cy="1103897"/>
+          </a:xfrm>
+        </p:grpSpPr>
+        <p:cxnSp>
+          <p:nvCxnSpPr>
+            <p:cNvPr id="10" name="Gerade Verbindung mit Pfeil 9">
+              <a:extLst>
+                <a:ext uri="{FF2B5EF4-FFF2-40B4-BE49-F238E27FC236}">
+                  <a16:creationId xmlns:a16="http://schemas.microsoft.com/office/drawing/2014/main" id="{6C087848-8C6D-A25B-D354-1018D10388EC}"/>
+                </a:ext>
+              </a:extLst>
+            </p:cNvPr>
+            <p:cNvCxnSpPr>
+              <a:cxnSpLocks/>
+              <a:stCxn id="5" idx="3"/>
+              <a:endCxn id="6" idx="1"/>
+            </p:cNvCxnSpPr>
+            <p:nvPr/>
+          </p:nvCxnSpPr>
+          <p:spPr>
+            <a:xfrm flipV="1">
+              <a:off x="7582316" y="3814506"/>
+              <a:ext cx="192356" cy="1"/>
+            </a:xfrm>
+            <a:prstGeom prst="straightConnector1">
+              <a:avLst/>
+            </a:prstGeom>
+            <a:ln w="12700">
+              <a:tailEnd type="triangle"/>
+            </a:ln>
+          </p:spPr>
+          <p:style>
+            <a:lnRef idx="1">
+              <a:schemeClr val="dk1"/>
+            </a:lnRef>
+            <a:fillRef idx="0">
+              <a:schemeClr val="dk1"/>
+            </a:fillRef>
+            <a:effectRef idx="0">
+              <a:schemeClr val="dk1"/>
+            </a:effectRef>
+            <a:fontRef idx="minor">
+              <a:schemeClr val="tx1"/>
+            </a:fontRef>
+          </p:style>
+        </p:cxnSp>
+        <p:pic>
+          <p:nvPicPr>
+            <p:cNvPr id="33" name="Grafik 32" descr="Ein Bild, das Text, Diagramm, Reihe, Screenshot enthält.&#10;&#10;Automatisch generierte Beschreibung">
+              <a:extLst>
+                <a:ext uri="{FF2B5EF4-FFF2-40B4-BE49-F238E27FC236}">
+                  <a16:creationId xmlns:a16="http://schemas.microsoft.com/office/drawing/2014/main" id="{AF0E9382-2878-8C8E-F56D-4A5795B9BEDA}"/>
+                </a:ext>
+              </a:extLst>
+            </p:cNvPr>
+            <p:cNvPicPr>
+              <a:picLocks noChangeAspect="1"/>
+            </p:cNvPicPr>
+            <p:nvPr/>
+          </p:nvPicPr>
+          <p:blipFill rotWithShape="1">
+            <a:blip r:embed="rId7">
+              <a:extLst>
+                <a:ext uri="{28A0092B-C50C-407E-A947-70E740481C1C}">
+                  <a14:useLocalDpi xmlns:a14="http://schemas.microsoft.com/office/drawing/2010/main" val="0"/>
+                </a:ext>
+              </a:extLst>
+            </a:blip>
+            <a:srcRect l="7648" t="10198" r="8824" b="3948"/>
+            <a:stretch/>
+          </p:blipFill>
+          <p:spPr>
+            <a:xfrm>
+              <a:off x="5653683" y="3525271"/>
+              <a:ext cx="1790861" cy="1103897"/>
+            </a:xfrm>
+            <a:prstGeom prst="rect">
+              <a:avLst/>
+            </a:prstGeom>
+          </p:spPr>
+        </p:pic>
+        <p:sp>
+          <p:nvSpPr>
+            <p:cNvPr id="34" name="Rechteck 33">
+              <a:extLst>
+                <a:ext uri="{FF2B5EF4-FFF2-40B4-BE49-F238E27FC236}">
+                  <a16:creationId xmlns:a16="http://schemas.microsoft.com/office/drawing/2014/main" id="{891068A6-B3FF-6129-1ED6-2C4E6BE86497}"/>
+                </a:ext>
+              </a:extLst>
+            </p:cNvPr>
+            <p:cNvSpPr/>
+            <p:nvPr/>
+          </p:nvSpPr>
+          <p:spPr>
+            <a:xfrm>
+              <a:off x="6661971" y="3566082"/>
+              <a:ext cx="741204" cy="243193"/>
+            </a:xfrm>
+            <a:prstGeom prst="rect">
+              <a:avLst/>
+            </a:prstGeom>
+            <a:ln>
+              <a:solidFill>
+                <a:schemeClr val="bg1"/>
+              </a:solidFill>
+            </a:ln>
+          </p:spPr>
+          <p:style>
+            <a:lnRef idx="2">
+              <a:schemeClr val="accent1"/>
+            </a:lnRef>
+            <a:fillRef idx="1">
+              <a:schemeClr val="lt1"/>
+            </a:fillRef>
+            <a:effectRef idx="0">
+              <a:schemeClr val="accent1"/>
+            </a:effectRef>
+            <a:fontRef idx="minor">
+              <a:schemeClr val="dk1"/>
+            </a:fontRef>
+          </p:style>
+          <p:txBody>
+            <a:bodyPr rtlCol="0" anchor="ctr"/>
+            <a:lstStyle/>
+            <a:p>
+              <a:pPr algn="ctr"/>
+              <a:endParaRPr lang="de-DE" dirty="0"/>
+            </a:p>
+          </p:txBody>
+        </p:sp>
+      </p:grpSp>
+      <p:pic>
+        <p:nvPicPr>
+          <p:cNvPr id="2" name="Grafik 1" descr="Ein Bild, das Dunkelheit enthält.&#10;&#10;Automatisch generierte Beschreibung">
+            <a:extLst>
+              <a:ext uri="{FF2B5EF4-FFF2-40B4-BE49-F238E27FC236}">
+                <a16:creationId xmlns:a16="http://schemas.microsoft.com/office/drawing/2014/main" id="{929E0D6D-80DF-47A2-7C32-07578703F096}"/>
+              </a:ext>
+            </a:extLst>
+          </p:cNvPr>
+          <p:cNvPicPr>
+            <a:picLocks noChangeAspect="1"/>
+          </p:cNvPicPr>
+          <p:nvPr/>
+        </p:nvPicPr>
+        <p:blipFill rotWithShape="1">
+          <a:blip r:embed="rId8">
+            <a:extLst>
+              <a:ext uri="{28A0092B-C50C-407E-A947-70E740481C1C}">
+                <a14:useLocalDpi xmlns:a14="http://schemas.microsoft.com/office/drawing/2010/main" val="0"/>
+              </a:ext>
+            </a:extLst>
+          </a:blip>
+          <a:srcRect l="36492" r="32878"/>
+          <a:stretch/>
+        </p:blipFill>
+        <p:spPr>
+          <a:xfrm rot="6966085">
+            <a:off x="7892957" y="3217629"/>
+            <a:ext cx="1339471" cy="1616336"/>
+          </a:xfrm>
+          <a:prstGeom prst="rect">
+            <a:avLst/>
+          </a:prstGeom>
+        </p:spPr>
+      </p:pic>
+      <p:sp>
+        <p:nvSpPr>
+          <p:cNvPr id="7" name="Rechteck: abgerundete Ecken 6">
+            <a:extLst>
+              <a:ext uri="{FF2B5EF4-FFF2-40B4-BE49-F238E27FC236}">
+                <a16:creationId xmlns:a16="http://schemas.microsoft.com/office/drawing/2014/main" id="{5668967B-04DE-F695-4891-4F602DE0E328}"/>
+              </a:ext>
+            </a:extLst>
+          </p:cNvPr>
+          <p:cNvSpPr/>
+          <p:nvPr/>
+        </p:nvSpPr>
+        <p:spPr>
+          <a:xfrm>
+            <a:off x="9677444" y="2959389"/>
+            <a:ext cx="1808305" cy="1646049"/>
+          </a:xfrm>
+          <a:prstGeom prst="roundRect">
+            <a:avLst/>
+          </a:prstGeom>
+          <a:ln>
+            <a:solidFill>
+              <a:schemeClr val="tx1"/>
+            </a:solidFill>
+          </a:ln>
+        </p:spPr>
+        <p:style>
+          <a:lnRef idx="2">
+            <a:schemeClr val="accent4"/>
+          </a:lnRef>
+          <a:fillRef idx="1">
+            <a:schemeClr val="lt1"/>
+          </a:fillRef>
+          <a:effectRef idx="0">
+            <a:schemeClr val="accent4"/>
+          </a:effectRef>
+          <a:fontRef idx="minor">
+            <a:schemeClr val="dk1"/>
+          </a:fontRef>
+        </p:style>
+        <p:txBody>
+          <a:bodyPr rtlCol="0" anchor="ctr"/>
+          <a:lstStyle/>
+          <a:p>
+            <a:pPr algn="ctr"/>
+            <a:r>
+              <a:rPr lang="en-US" sz="1000" dirty="0"/>
+              <a:t>5. Assess Maximum Power Demand </a:t>
+            </a:r>
+          </a:p>
+          <a:p>
+            <a:pPr algn="ctr"/>
+            <a:endParaRPr lang="en-US" dirty="0"/>
+          </a:p>
+          <a:p>
+            <a:pPr algn="ctr"/>
+            <a:endParaRPr lang="en-US" dirty="0"/>
+          </a:p>
+          <a:p>
+            <a:pPr algn="ctr"/>
+            <a:endParaRPr lang="en-US" dirty="0"/>
+          </a:p>
+          <a:p>
+            <a:pPr algn="ctr"/>
+            <a:endParaRPr lang="en-US" dirty="0"/>
+          </a:p>
+        </p:txBody>
+      </p:sp>
+      <p:cxnSp>
+        <p:nvCxnSpPr>
+          <p:cNvPr id="11" name="Gerade Verbindung mit Pfeil 10">
+            <a:extLst>
+              <a:ext uri="{FF2B5EF4-FFF2-40B4-BE49-F238E27FC236}">
+                <a16:creationId xmlns:a16="http://schemas.microsoft.com/office/drawing/2014/main" id="{AB09BA28-4754-6568-E262-7CF65E8023CE}"/>
+              </a:ext>
+            </a:extLst>
+          </p:cNvPr>
+          <p:cNvCxnSpPr>
+            <a:cxnSpLocks/>
+          </p:cNvCxnSpPr>
+          <p:nvPr/>
+        </p:nvCxnSpPr>
+        <p:spPr>
+          <a:xfrm>
+            <a:off x="9496459" y="3868150"/>
+            <a:ext cx="173280" cy="2"/>
+          </a:xfrm>
+          <a:prstGeom prst="straightConnector1">
+            <a:avLst/>
+          </a:prstGeom>
+          <a:ln w="12700">
+            <a:tailEnd type="triangle"/>
+          </a:ln>
+        </p:spPr>
+        <p:style>
+          <a:lnRef idx="1">
+            <a:schemeClr val="dk1"/>
+          </a:lnRef>
+          <a:fillRef idx="0">
+            <a:schemeClr val="dk1"/>
+          </a:fillRef>
+          <a:effectRef idx="0">
+            <a:schemeClr val="dk1"/>
+          </a:effectRef>
+          <a:fontRef idx="minor">
+            <a:schemeClr val="tx1"/>
+          </a:fontRef>
+        </p:style>
+      </p:cxnSp>
+      <p:pic>
+        <p:nvPicPr>
+          <p:cNvPr id="22" name="Grafik 21">
+            <a:extLst>
+              <a:ext uri="{FF2B5EF4-FFF2-40B4-BE49-F238E27FC236}">
+                <a16:creationId xmlns:a16="http://schemas.microsoft.com/office/drawing/2014/main" id="{6EA3BD1A-B308-3108-44AF-E067AF71A8E9}"/>
+              </a:ext>
+            </a:extLst>
+          </p:cNvPr>
+          <p:cNvPicPr>
+            <a:picLocks noChangeAspect="1"/>
+          </p:cNvPicPr>
+          <p:nvPr/>
+        </p:nvPicPr>
+        <p:blipFill>
+          <a:blip r:embed="rId9"/>
+          <a:stretch>
+            <a:fillRect/>
+          </a:stretch>
+        </p:blipFill>
+        <p:spPr>
+          <a:xfrm>
+            <a:off x="9825633" y="3452799"/>
+            <a:ext cx="1542684" cy="1040298"/>
+          </a:xfrm>
+          <a:prstGeom prst="rect">
+            <a:avLst/>
+          </a:prstGeom>
+        </p:spPr>
+      </p:pic>
+    </p:spTree>
+    <p:extLst>
+      <p:ext uri="{BB962C8B-B14F-4D97-AF65-F5344CB8AC3E}">
+        <p14:creationId xmlns:p14="http://schemas.microsoft.com/office/powerpoint/2010/main" val="2515732563"/>
+      </p:ext>
+    </p:extLst>
+  </p:cSld>
+  <p:clrMapOvr>
+    <a:masterClrMapping/>
+  </p:clrMapOvr>
+  <p:timing>
+    <p:tnLst>
+      <p:par>
+        <p:cTn id="1" dur="indefinite" restart="never" nodeType="tmRoot">
+          <p:childTnLst>
+            <p:seq concurrent="1" nextAc="seek">
+              <p:cTn id="2" dur="indefinite" nodeType="mainSeq">
+                <p:childTnLst>
+                  <p:par>
+                    <p:cTn id="3" fill="hold">
+                      <p:stCondLst>
+                        <p:cond delay="indefinite"/>
+                        <p:cond evt="onBegin" delay="0">
+                          <p:tn val="2"/>
+                        </p:cond>
+                      </p:stCondLst>
+                      <p:childTnLst>
+                        <p:par>
+                          <p:cTn id="4" fill="hold">
+                            <p:stCondLst>
+                              <p:cond delay="0"/>
+                            </p:stCondLst>
+                            <p:childTnLst>
+                              <p:par>
+                                <p:cTn id="5" presetID="1" presetClass="entr" presetSubtype="0" fill="hold" nodeType="withEffect">
+                                  <p:stCondLst>
+                                    <p:cond delay="0"/>
+                                  </p:stCondLst>
+                                  <p:childTnLst>
+                                    <p:set>
+                                      <p:cBhvr>
+                                        <p:cTn id="6" dur="1" fill="hold">
+                                          <p:stCondLst>
+                                            <p:cond delay="0"/>
+                                          </p:stCondLst>
+                                        </p:cTn>
+                                        <p:tgtEl>
+                                          <p:spTgt spid="2"/>
+                                        </p:tgtEl>
+                                        <p:attrNameLst>
+                                          <p:attrName>style.visibility</p:attrName>
+                                        </p:attrNameLst>
+                                      </p:cBhvr>
+                                      <p:to>
+                                        <p:strVal val="visible"/>
+                                      </p:to>
+                                    </p:set>
+                                  </p:childTnLst>
+                                </p:cTn>
+                              </p:par>
+                            </p:childTnLst>
+                          </p:cTn>
+                        </p:par>
+                      </p:childTnLst>
+                    </p:cTn>
+                  </p:par>
+                </p:childTnLst>
+              </p:cTn>
+              <p:prevCondLst>
+                <p:cond evt="onPrev" delay="0">
+                  <p:tgtEl>
+                    <p:sldTgt/>
+                  </p:tgtEl>
+                </p:cond>
+              </p:prevCondLst>
+              <p:nextCondLst>
+                <p:cond evt="onNext" delay="0">
+                  <p:tgtEl>
+                    <p:sldTgt/>
+                  </p:tgtEl>
+                </p:cond>
+              </p:nextCondLst>
+            </p:seq>
+          </p:childTnLst>
+        </p:cTn>
+      </p:par>
+    </p:tnLst>
+  </p:timing>
+</p:sld>
+</file>
+
 <file path=ppt/theme/theme1.xml><?xml version="1.0" encoding="utf-8"?>
 <a:theme xmlns:a="http://schemas.openxmlformats.org/drawingml/2006/main" name="Office">
   <a:themeElements>
